--- a/개발 7팀 최종 팀프로젝트 산출물 제출/영화관정보(리액트) 코드리뷰/3) KOSMO_77기_개발 5팀_Unit_Test_보고서.pptx
+++ b/개발 7팀 최종 팀프로젝트 산출물 제출/영화관정보(리액트) 코드리뷰/3) KOSMO_77기_개발 5팀_Unit_Test_보고서.pptx
@@ -1,23 +1,25 @@
 
 <file path=ppt/presentation.xml><?xml version="1.0" encoding="utf-8"?>
-<p:presentation xmlns:a="http://schemas.openxmlformats.org/drawingml/2006/main" xmlns:r="http://schemas.openxmlformats.org/officeDocument/2006/relationships" xmlns:p="http://schemas.openxmlformats.org/presentationml/2006/main" saveSubsetFonts="1">
+<p:presentation xmlns:a="http://schemas.openxmlformats.org/drawingml/2006/main" xmlns:r="http://schemas.openxmlformats.org/officeDocument/2006/relationships" xmlns:p="http://schemas.openxmlformats.org/presentationml/2006/main" xmlns:p14="http://schemas.microsoft.com/office/powerpoint/2010/main" saveSubsetFonts="1">
   <p:sldMasterIdLst>
-    <p:sldMasterId id="2147483648" r:id="rId1"/>
+    <p:sldMasterId id="2147483663" r:id="rId13"/>
   </p:sldMasterIdLst>
   <p:sldIdLst>
-    <p:sldId id="256" r:id="rId2"/>
-    <p:sldId id="257" r:id="rId3"/>
-    <p:sldId id="258" r:id="rId4"/>
-    <p:sldId id="259" r:id="rId5"/>
-    <p:sldId id="260" r:id="rId6"/>
-    <p:sldId id="261" r:id="rId7"/>
-    <p:sldId id="262" r:id="rId8"/>
-    <p:sldId id="263" r:id="rId9"/>
-    <p:sldId id="264" r:id="rId10"/>
-    <p:sldId id="265" r:id="rId11"/>
-    <p:sldId id="266" r:id="rId12"/>
+    <p:sldId id="267" r:id="rId15"/>
+    <p:sldId id="268" r:id="rId16"/>
+    <p:sldId id="256" r:id="rId17"/>
+    <p:sldId id="257" r:id="rId18"/>
+    <p:sldId id="258" r:id="rId19"/>
+    <p:sldId id="259" r:id="rId20"/>
+    <p:sldId id="260" r:id="rId21"/>
+    <p:sldId id="261" r:id="rId22"/>
+    <p:sldId id="262" r:id="rId23"/>
+    <p:sldId id="263" r:id="rId24"/>
+    <p:sldId id="264" r:id="rId25"/>
+    <p:sldId id="265" r:id="rId26"/>
+    <p:sldId id="266" r:id="rId27"/>
   </p:sldIdLst>
-  <p:sldSz cx="9144000" cy="6858000" type="screen4x3"/>
+  <p:sldSz cx="9144000" cy="6858000"/>
   <p:notesSz cx="6858000" cy="9144000"/>
   <p:defaultTextStyle>
     <a:defPPr>
@@ -117,12 +119,12 @@
   <p:extLst>
     <p:ext uri="{EFAFB233-063F-42B5-8137-9DF3F51BA10A}">
       <p15:sldGuideLst xmlns:p15="http://schemas.microsoft.com/office/powerpoint/2012/main">
-        <p15:guide id="1" orient="horz" pos="2160">
+        <p15:guide id="1" orient="horz" pos="2158" userDrawn="0">
           <p15:clr>
             <a:srgbClr val="A4A3A4"/>
           </p15:clr>
         </p15:guide>
-        <p15:guide id="2" pos="2880">
+        <p15:guide id="2" pos="2878" userDrawn="0">
           <p15:clr>
             <a:srgbClr val="A4A3A4"/>
           </p15:clr>
@@ -3108,7 +3110,7 @@
 </file>
 
 <file path=ppt/slides/slide1.xml><?xml version="1.0" encoding="utf-8"?>
-<p:sld xmlns:a="http://schemas.openxmlformats.org/drawingml/2006/main" xmlns:r="http://schemas.openxmlformats.org/officeDocument/2006/relationships" xmlns:p="http://schemas.openxmlformats.org/presentationml/2006/main">
+<p:sld xmlns:a="http://schemas.openxmlformats.org/drawingml/2006/main" xmlns:r="http://schemas.openxmlformats.org/officeDocument/2006/relationships" xmlns:p="http://schemas.openxmlformats.org/presentationml/2006/main" xmlns:p14="http://schemas.microsoft.com/office/powerpoint/2010/main">
   <p:cSld>
     <p:spTree>
       <p:nvGrpSpPr>
@@ -3126,18 +3128,18 @@
       </p:grpSpPr>
       <p:sp>
         <p:nvSpPr>
-          <p:cNvPr id="4" name="직사각형 3"/>
-          <p:cNvSpPr/>
-          <p:nvPr/>
-        </p:nvSpPr>
-        <p:spPr>
-          <a:xfrm>
-            <a:off x="35496" y="44624"/>
-            <a:ext cx="3312368" cy="504056"/>
-          </a:xfrm>
-          <a:prstGeom prst="rect">
-            <a:avLst/>
-          </a:prstGeom>
+          <p:cNvPr id="4" name="Rect 0"/>
+          <p:cNvSpPr>
+            <a:spLocks/>
+          </p:cNvSpPr>
+          <p:nvPr/>
+        </p:nvSpPr>
+        <p:spPr>
+          <a:xfrm rot="0">
+            <a:off x="35560" y="44450"/>
+            <a:ext cx="3312795" cy="504825"/>
+          </a:xfrm>
+          <a:prstGeom prst="rect"/>
           <a:noFill/>
         </p:spPr>
         <p:style>
@@ -3157,16 +3159,20 @@
           </a:fontRef>
         </p:style>
         <p:txBody>
-          <a:bodyPr rtlCol="0" anchor="b"/>
+          <a:bodyPr wrap="square" lIns="91440" tIns="45720" rIns="91440" bIns="45720" numCol="1" vert="horz" anchor="b">
+            <a:noAutofit/>
+          </a:bodyPr>
           <a:lstStyle/>
           <a:p>
-            <a:pPr algn="ctr">
+            <a:pPr marL="0" indent="0" algn="ctr" latinLnBrk="0">
               <a:lnSpc>
                 <a:spcPct val="150000"/>
               </a:lnSpc>
+              <a:buFontTx/>
+              <a:buNone/>
             </a:pPr>
             <a:r>
-              <a:rPr lang="ko-KR" altLang="en-US" sz="2000" b="1" dirty="0">
+              <a:rPr lang="ko-KR" altLang="en-US" sz="2000" b="1">
                 <a:solidFill>
                   <a:schemeClr val="tx1"/>
                 </a:solidFill>
@@ -3174,14 +3180,14 @@
               <a:t>주요 소스 </a:t>
             </a:r>
             <a:r>
-              <a:rPr lang="en-US" altLang="ko-KR" sz="2000" b="1" dirty="0">
+              <a:rPr lang="en-US" altLang="ko-KR" sz="2000" b="1">
                 <a:solidFill>
                   <a:schemeClr val="tx1"/>
                 </a:solidFill>
               </a:rPr>
               <a:t>[Code Review]</a:t>
             </a:r>
-            <a:endParaRPr lang="ko-KR" altLang="en-US" sz="2000" b="1" dirty="0">
+            <a:endParaRPr lang="ko-KR" altLang="en-US" sz="2000" b="1">
               <a:solidFill>
                 <a:schemeClr val="tx1"/>
               </a:solidFill>
@@ -3191,18 +3197,18 @@
       </p:sp>
       <p:sp>
         <p:nvSpPr>
-          <p:cNvPr id="5" name="직사각형 4"/>
-          <p:cNvSpPr/>
-          <p:nvPr/>
-        </p:nvSpPr>
-        <p:spPr>
-          <a:xfrm>
-            <a:off x="35496" y="620688"/>
-            <a:ext cx="3312368" cy="432048"/>
-          </a:xfrm>
-          <a:prstGeom prst="rect">
-            <a:avLst/>
-          </a:prstGeom>
+          <p:cNvPr id="5" name="Rect 0"/>
+          <p:cNvSpPr>
+            <a:spLocks/>
+          </p:cNvSpPr>
+          <p:nvPr/>
+        </p:nvSpPr>
+        <p:spPr>
+          <a:xfrm rot="0">
+            <a:off x="35560" y="620395"/>
+            <a:ext cx="3312795" cy="432435"/>
+          </a:xfrm>
+          <a:prstGeom prst="rect"/>
           <a:noFill/>
         </p:spPr>
         <p:style>
@@ -3222,23 +3228,27 @@
           </a:fontRef>
         </p:style>
         <p:txBody>
-          <a:bodyPr rtlCol="0" anchor="b"/>
+          <a:bodyPr wrap="square" lIns="91440" tIns="45720" rIns="91440" bIns="45720" numCol="1" vert="horz" anchor="b">
+            <a:noAutofit/>
+          </a:bodyPr>
           <a:lstStyle/>
           <a:p>
-            <a:pPr algn="ctr">
+            <a:pPr marL="0" indent="0" algn="ctr" latinLnBrk="0">
               <a:lnSpc>
                 <a:spcPct val="150000"/>
               </a:lnSpc>
+              <a:buFontTx/>
+              <a:buNone/>
             </a:pPr>
             <a:r>
-              <a:rPr lang="en-US" altLang="ko-KR" sz="2000" b="1" dirty="0">
+              <a:rPr lang="ko-KR" altLang="ko-KR" sz="2000" b="1">
                 <a:solidFill>
                   <a:schemeClr val="tx1"/>
                 </a:solidFill>
               </a:rPr>
-              <a:t>Index</a:t>
-            </a:r>
-            <a:endParaRPr lang="ko-KR" altLang="en-US" sz="2000" b="1" dirty="0">
+              <a:t>about</a:t>
+            </a:r>
+            <a:endParaRPr lang="ko-KR" altLang="en-US" sz="2000" b="1">
               <a:solidFill>
                 <a:schemeClr val="tx1"/>
               </a:solidFill>
@@ -3248,19 +3258,19 @@
       </p:sp>
       <p:cxnSp>
         <p:nvCxnSpPr>
-          <p:cNvPr id="7" name="직선 연결선 6"/>
+          <p:cNvPr id="7" name="Rect 0"/>
           <p:cNvCxnSpPr/>
           <p:nvPr/>
         </p:nvCxnSpPr>
         <p:spPr>
-          <a:xfrm>
-            <a:off x="3491880" y="1052736"/>
-            <a:ext cx="5544616" cy="0"/>
-          </a:xfrm>
-          <a:prstGeom prst="line">
-            <a:avLst/>
-          </a:prstGeom>
-          <a:ln w="28575"/>
+          <a:xfrm rot="0">
+            <a:off x="3491865" y="1052830"/>
+            <a:ext cx="5545455" cy="635"/>
+          </a:xfrm>
+          <a:prstGeom prst="line"/>
+          <a:ln w="28575" cap="flat" cmpd="sng">
+            <a:prstDash/>
+          </a:ln>
         </p:spPr>
         <p:style>
           <a:lnRef idx="1">
@@ -3279,49 +3289,53 @@
       </p:cxnSp>
       <p:sp>
         <p:nvSpPr>
-          <p:cNvPr id="8" name="TextBox 7"/>
-          <p:cNvSpPr txBox="1"/>
-          <p:nvPr/>
-        </p:nvSpPr>
-        <p:spPr>
-          <a:xfrm>
-            <a:off x="3491880" y="620688"/>
-            <a:ext cx="751552" cy="369332"/>
-          </a:xfrm>
-          <a:prstGeom prst="rect">
-            <a:avLst/>
-          </a:prstGeom>
+          <p:cNvPr id="8" name="Rect 0"/>
+          <p:cNvSpPr txBox="1">
+            <a:spLocks/>
+          </p:cNvSpPr>
+          <p:nvPr/>
+        </p:nvSpPr>
+        <p:spPr>
+          <a:xfrm rot="0">
+            <a:off x="3491865" y="620395"/>
+            <a:ext cx="606425" cy="368935"/>
+          </a:xfrm>
+          <a:prstGeom prst="rect"/>
           <a:noFill/>
         </p:spPr>
         <p:txBody>
-          <a:bodyPr wrap="none" rtlCol="0">
+          <a:bodyPr wrap="none" lIns="91440" tIns="45720" rIns="91440" bIns="45720" numCol="1" vert="horz" anchor="t">
             <a:spAutoFit/>
           </a:bodyPr>
           <a:lstStyle/>
           <a:p>
-            <a:r>
-              <a:rPr lang="en-US" altLang="ko-KR" dirty="0"/>
-              <a:t>React</a:t>
-            </a:r>
-            <a:endParaRPr lang="ko-KR" altLang="en-US" dirty="0"/>
+            <a:pPr marL="0" indent="0" latinLnBrk="0">
+              <a:buFontTx/>
+              <a:buNone/>
+            </a:pPr>
+            <a:r>
+              <a:rPr lang="ko-KR" altLang="ko-KR"/>
+              <a:t>Java</a:t>
+            </a:r>
+            <a:endParaRPr lang="ko-KR" altLang="en-US"/>
           </a:p>
         </p:txBody>
       </p:sp>
       <p:cxnSp>
         <p:nvCxnSpPr>
-          <p:cNvPr id="11" name="직선 연결선 10"/>
+          <p:cNvPr id="11" name="Rect 0"/>
           <p:cNvCxnSpPr/>
           <p:nvPr/>
         </p:nvCxnSpPr>
         <p:spPr>
-          <a:xfrm>
-            <a:off x="35496" y="1205136"/>
-            <a:ext cx="9001000" cy="0"/>
-          </a:xfrm>
-          <a:prstGeom prst="line">
-            <a:avLst/>
-          </a:prstGeom>
-          <a:ln w="28575"/>
+          <a:xfrm rot="0">
+            <a:off x="35560" y="1205230"/>
+            <a:ext cx="9001760" cy="635"/>
+          </a:xfrm>
+          <a:prstGeom prst="line"/>
+          <a:ln w="28575" cap="flat" cmpd="sng">
+            <a:prstDash/>
+          </a:ln>
         </p:spPr>
         <p:style>
           <a:lnRef idx="1">
@@ -3340,19 +3354,19 @@
       </p:cxnSp>
       <p:cxnSp>
         <p:nvCxnSpPr>
-          <p:cNvPr id="14" name="직선 연결선 13"/>
+          <p:cNvPr id="14" name="Rect 0"/>
           <p:cNvCxnSpPr/>
           <p:nvPr/>
         </p:nvCxnSpPr>
         <p:spPr>
-          <a:xfrm>
-            <a:off x="35496" y="6741368"/>
-            <a:ext cx="9001000" cy="0"/>
-          </a:xfrm>
-          <a:prstGeom prst="line">
-            <a:avLst/>
-          </a:prstGeom>
-          <a:ln w="28575"/>
+          <a:xfrm rot="0">
+            <a:off x="35560" y="6741160"/>
+            <a:ext cx="9001760" cy="635"/>
+          </a:xfrm>
+          <a:prstGeom prst="line"/>
+          <a:ln w="28575" cap="flat" cmpd="sng">
+            <a:prstDash/>
+          </a:ln>
         </p:spPr>
         <p:style>
           <a:lnRef idx="1">
@@ -3371,19 +3385,19 @@
       </p:cxnSp>
       <p:cxnSp>
         <p:nvCxnSpPr>
-          <p:cNvPr id="15" name="직선 연결선 14"/>
+          <p:cNvPr id="15" name="Rect 0"/>
           <p:cNvCxnSpPr/>
           <p:nvPr/>
         </p:nvCxnSpPr>
         <p:spPr>
-          <a:xfrm>
-            <a:off x="35496" y="1196752"/>
-            <a:ext cx="0" cy="5544616"/>
-          </a:xfrm>
-          <a:prstGeom prst="line">
-            <a:avLst/>
-          </a:prstGeom>
-          <a:ln w="28575"/>
+          <a:xfrm rot="0">
+            <a:off x="35560" y="1196975"/>
+            <a:ext cx="635" cy="5545455"/>
+          </a:xfrm>
+          <a:prstGeom prst="line"/>
+          <a:ln w="28575" cap="flat" cmpd="sng">
+            <a:prstDash/>
+          </a:ln>
         </p:spPr>
         <p:style>
           <a:lnRef idx="1">
@@ -3402,19 +3416,19 @@
       </p:cxnSp>
       <p:cxnSp>
         <p:nvCxnSpPr>
-          <p:cNvPr id="19" name="직선 연결선 18"/>
+          <p:cNvPr id="19" name="Rect 0"/>
           <p:cNvCxnSpPr/>
           <p:nvPr/>
         </p:nvCxnSpPr>
         <p:spPr>
-          <a:xfrm>
-            <a:off x="9036496" y="1205136"/>
-            <a:ext cx="0" cy="5544616"/>
-          </a:xfrm>
-          <a:prstGeom prst="line">
-            <a:avLst/>
-          </a:prstGeom>
-          <a:ln w="28575"/>
+          <a:xfrm rot="0">
+            <a:off x="9036685" y="1205230"/>
+            <a:ext cx="635" cy="5545455"/>
+          </a:xfrm>
+          <a:prstGeom prst="line"/>
+          <a:ln w="28575" cap="flat" cmpd="sng">
+            <a:prstDash/>
+          </a:ln>
         </p:spPr>
         <p:style>
           <a:lnRef idx="1">
@@ -3433,19 +3447,19 @@
       </p:cxnSp>
       <p:cxnSp>
         <p:nvCxnSpPr>
-          <p:cNvPr id="20" name="직선 연결선 19"/>
+          <p:cNvPr id="20" name="Rect 0"/>
           <p:cNvCxnSpPr/>
           <p:nvPr/>
         </p:nvCxnSpPr>
         <p:spPr>
-          <a:xfrm>
-            <a:off x="4572000" y="1205136"/>
-            <a:ext cx="0" cy="5544616"/>
-          </a:xfrm>
-          <a:prstGeom prst="line">
-            <a:avLst/>
-          </a:prstGeom>
-          <a:ln w="28575"/>
+          <a:xfrm rot="0">
+            <a:off x="4563745" y="3716020"/>
+            <a:ext cx="8890" cy="3034665"/>
+          </a:xfrm>
+          <a:prstGeom prst="line"/>
+          <a:ln w="28575" cap="flat" cmpd="sng">
+            <a:prstDash/>
+          </a:ln>
         </p:spPr>
         <p:style>
           <a:lnRef idx="1">
@@ -3464,19 +3478,19 @@
       </p:cxnSp>
       <p:cxnSp>
         <p:nvCxnSpPr>
-          <p:cNvPr id="21" name="직선 연결선 20"/>
+          <p:cNvPr id="21" name="Rect 0"/>
           <p:cNvCxnSpPr/>
           <p:nvPr/>
         </p:nvCxnSpPr>
         <p:spPr>
-          <a:xfrm>
-            <a:off x="9036496" y="4869160"/>
-            <a:ext cx="0" cy="0"/>
-          </a:xfrm>
-          <a:prstGeom prst="line">
-            <a:avLst/>
-          </a:prstGeom>
-          <a:ln w="28575"/>
+          <a:xfrm rot="0">
+            <a:off x="9036685" y="4869180"/>
+            <a:ext cx="635" cy="635"/>
+          </a:xfrm>
+          <a:prstGeom prst="line"/>
+          <a:ln w="28575" cap="flat" cmpd="sng">
+            <a:prstDash/>
+          </a:ln>
         </p:spPr>
         <p:style>
           <a:lnRef idx="1">
@@ -3495,19 +3509,19 @@
       </p:cxnSp>
       <p:cxnSp>
         <p:nvCxnSpPr>
-          <p:cNvPr id="28" name="직선 연결선 27"/>
+          <p:cNvPr id="28" name="Rect 0"/>
           <p:cNvCxnSpPr/>
           <p:nvPr/>
         </p:nvCxnSpPr>
         <p:spPr>
-          <a:xfrm>
-            <a:off x="4572000" y="4725144"/>
-            <a:ext cx="4464496" cy="0"/>
-          </a:xfrm>
-          <a:prstGeom prst="line">
-            <a:avLst/>
-          </a:prstGeom>
-          <a:ln w="28575"/>
+          <a:xfrm rot="0">
+            <a:off x="16510" y="3716020"/>
+            <a:ext cx="9004300" cy="3810"/>
+          </a:xfrm>
+          <a:prstGeom prst="line"/>
+          <a:ln w="28575" cap="flat" cmpd="sng">
+            <a:prstDash/>
+          </a:ln>
         </p:spPr>
         <p:style>
           <a:lnRef idx="1">
@@ -3526,18 +3540,18 @@
       </p:cxnSp>
       <p:sp>
         <p:nvSpPr>
-          <p:cNvPr id="31" name="직사각형 30"/>
-          <p:cNvSpPr/>
-          <p:nvPr/>
-        </p:nvSpPr>
-        <p:spPr>
-          <a:xfrm>
-            <a:off x="3563888" y="44624"/>
-            <a:ext cx="2808312" cy="504056"/>
-          </a:xfrm>
-          <a:prstGeom prst="rect">
-            <a:avLst/>
-          </a:prstGeom>
+          <p:cNvPr id="31" name="Rect 0"/>
+          <p:cNvSpPr>
+            <a:spLocks/>
+          </p:cNvSpPr>
+          <p:nvPr/>
+        </p:nvSpPr>
+        <p:spPr>
+          <a:xfrm rot="0">
+            <a:off x="3563620" y="44450"/>
+            <a:ext cx="2809240" cy="504825"/>
+          </a:xfrm>
+          <a:prstGeom prst="rect"/>
           <a:noFill/>
         </p:spPr>
         <p:style>
@@ -3557,112 +3571,111 @@
           </a:fontRef>
         </p:style>
         <p:txBody>
-          <a:bodyPr rtlCol="0" anchor="ctr"/>
+          <a:bodyPr wrap="square" lIns="91440" tIns="45720" rIns="91440" bIns="45720" numCol="1" vert="horz" anchor="ctr">
+            <a:noAutofit/>
+          </a:bodyPr>
           <a:lstStyle/>
           <a:p>
-            <a:pPr algn="ctr">
+            <a:pPr marL="0" indent="0" algn="ctr" latinLnBrk="0">
               <a:lnSpc>
                 <a:spcPct val="150000"/>
               </a:lnSpc>
+              <a:buFontTx/>
+              <a:buNone/>
             </a:pPr>
             <a:r>
-              <a:rPr lang="ko-KR" altLang="en-US" sz="2000" b="1" dirty="0">
+              <a:rPr lang="ko-KR" altLang="en-US" sz="2000" b="1">
                 <a:solidFill>
                   <a:schemeClr val="tx1"/>
                 </a:solidFill>
               </a:rPr>
               <a:t>영화 검색</a:t>
             </a:r>
-          </a:p>
-        </p:txBody>
-      </p:sp>
-      <p:sp>
-        <p:nvSpPr>
-          <p:cNvPr id="32" name="TextBox 31"/>
-          <p:cNvSpPr txBox="1"/>
-          <p:nvPr/>
-        </p:nvSpPr>
-        <p:spPr>
-          <a:xfrm>
-            <a:off x="4626704" y="4797152"/>
-            <a:ext cx="3940502" cy="923330"/>
-          </a:xfrm>
-          <a:prstGeom prst="rect">
-            <a:avLst/>
-          </a:prstGeom>
+            <a:endParaRPr lang="ko-KR" altLang="en-US" sz="2000" b="1">
+              <a:solidFill>
+                <a:schemeClr val="tx1"/>
+              </a:solidFill>
+            </a:endParaRPr>
+          </a:p>
+        </p:txBody>
+      </p:sp>
+      <p:sp>
+        <p:nvSpPr>
+          <p:cNvPr id="32" name="Rect 0"/>
+          <p:cNvSpPr txBox="1">
+            <a:spLocks/>
+          </p:cNvSpPr>
+          <p:nvPr/>
+        </p:nvSpPr>
+        <p:spPr>
+          <a:xfrm rot="0">
+            <a:off x="4626610" y="4797425"/>
+            <a:ext cx="4385310" cy="1199515"/>
+          </a:xfrm>
+          <a:prstGeom prst="rect"/>
           <a:noFill/>
         </p:spPr>
         <p:txBody>
-          <a:bodyPr wrap="none" rtlCol="0">
+          <a:bodyPr wrap="none" lIns="91440" tIns="45720" rIns="91440" bIns="45720" numCol="1" vert="horz" anchor="t">
             <a:spAutoFit/>
           </a:bodyPr>
           <a:lstStyle/>
           <a:p>
-            <a:r>
-              <a:rPr lang="en-US" altLang="ko-KR" dirty="0"/>
-              <a:t>Index</a:t>
-            </a:r>
-            <a:r>
-              <a:rPr lang="ko-KR" altLang="en-US" dirty="0"/>
-              <a:t>서 </a:t>
-            </a:r>
-            <a:r>
-              <a:rPr lang="en-US" altLang="ko-KR" dirty="0"/>
-              <a:t>App</a:t>
-            </a:r>
-            <a:r>
-              <a:rPr lang="ko-KR" altLang="en-US" dirty="0"/>
-              <a:t>로 이동시킴</a:t>
-            </a:r>
-            <a:endParaRPr lang="en-US" altLang="ko-KR" dirty="0"/>
-          </a:p>
-          <a:p>
-            <a:r>
-              <a:rPr lang="en-US" altLang="ko-KR" dirty="0"/>
-              <a:t>App</a:t>
-            </a:r>
-            <a:r>
-              <a:rPr lang="ko-KR" altLang="en-US" dirty="0"/>
-              <a:t>가 실행되면 네비게이션을 통해 </a:t>
-            </a:r>
-            <a:endParaRPr lang="en-US" altLang="ko-KR" dirty="0"/>
-          </a:p>
-          <a:p>
-            <a:r>
-              <a:rPr lang="en-US" altLang="ko-KR" dirty="0"/>
-              <a:t>Home</a:t>
-            </a:r>
-            <a:r>
-              <a:rPr lang="ko-KR" altLang="en-US" dirty="0"/>
-              <a:t>이나 </a:t>
-            </a:r>
-            <a:r>
-              <a:rPr lang="en-US" altLang="ko-KR" dirty="0"/>
-              <a:t>location</a:t>
-            </a:r>
-            <a:r>
-              <a:rPr lang="ko-KR" altLang="en-US" dirty="0"/>
-              <a:t>를 불러옴</a:t>
-            </a:r>
+            <a:pPr marL="0" indent="0" latinLnBrk="0">
+              <a:buFontTx/>
+              <a:buNone/>
+            </a:pPr>
+            <a:r>
+              <a:rPr lang="ko-KR" altLang="ko-KR"/>
+              <a:t>제작한 사람들을 나타내기 위해 사진을</a:t>
+            </a:r>
+            <a:endParaRPr lang="ko-KR" altLang="en-US"/>
+          </a:p>
+          <a:p>
+            <a:pPr marL="0" indent="0" latinLnBrk="0">
+              <a:buFontTx/>
+              <a:buNone/>
+            </a:pPr>
+            <a:r>
+              <a:rPr lang="ko-KR" altLang="ko-KR"/>
+              <a:t>일정 크기로 맞춰주고 한 일을 작성함</a:t>
+            </a:r>
+            <a:endParaRPr lang="ko-KR" altLang="en-US"/>
+          </a:p>
+          <a:p>
+            <a:pPr marL="0" indent="0" latinLnBrk="0">
+              <a:buFontTx/>
+              <a:buNone/>
+            </a:pPr>
+            <a:r>
+              <a:rPr lang="ko-KR" altLang="ko-KR"/>
+              <a:t>버튼을 누르면 menu.do를 실행하게 하여</a:t>
+            </a:r>
+            <a:endParaRPr lang="ko-KR" altLang="en-US"/>
+          </a:p>
+          <a:p>
+            <a:pPr marL="0" indent="0" latinLnBrk="0">
+              <a:buFontTx/>
+              <a:buNone/>
+            </a:pPr>
+            <a:r>
+              <a:rPr lang="ko-KR" altLang="ko-KR"/>
+              <a:t>메뉴창으로 돌아가게 구현</a:t>
+            </a:r>
+            <a:endParaRPr lang="ko-KR" altLang="en-US"/>
           </a:p>
         </p:txBody>
       </p:sp>
       <p:pic>
         <p:nvPicPr>
-          <p:cNvPr id="3" name="그림 2">
-            <a:extLst>
-              <a:ext uri="{FF2B5EF4-FFF2-40B4-BE49-F238E27FC236}">
-                <a16:creationId xmlns:a16="http://schemas.microsoft.com/office/drawing/2014/main" id="{CB4D4128-2565-4D5A-969F-5423EE2F04FE}"/>
-              </a:ext>
-            </a:extLst>
-          </p:cNvPr>
+          <p:cNvPr id="33" name="그림 1"/>
           <p:cNvPicPr>
             <a:picLocks noChangeAspect="1"/>
           </p:cNvPicPr>
           <p:nvPr/>
         </p:nvPicPr>
-        <p:blipFill>
-          <a:blip r:embed="rId2">
+        <p:blipFill rotWithShape="1">
+          <a:blip r:embed="rId2" cstate="print">
             <a:extLst>
               <a:ext uri="{28A0092B-C50C-407E-A947-70E740481C1C}">
                 <a14:useLocalDpi xmlns:a14="http://schemas.microsoft.com/office/drawing/2010/main" val="0"/>
@@ -3674,31 +3687,24 @@
           </a:stretch>
         </p:blipFill>
         <p:spPr>
-          <a:xfrm>
-            <a:off x="64193" y="1268866"/>
-            <a:ext cx="4453104" cy="1209844"/>
-          </a:xfrm>
-          <a:prstGeom prst="rect">
-            <a:avLst/>
-          </a:prstGeom>
+          <a:xfrm rot="0">
+            <a:off x="179705" y="1266825"/>
+            <a:ext cx="8735060" cy="2296160"/>
+          </a:xfrm>
+          <a:prstGeom prst="rect"/>
+          <a:noFill/>
         </p:spPr>
       </p:pic>
       <p:pic>
         <p:nvPicPr>
-          <p:cNvPr id="9" name="그림 8">
-            <a:extLst>
-              <a:ext uri="{FF2B5EF4-FFF2-40B4-BE49-F238E27FC236}">
-                <a16:creationId xmlns:a16="http://schemas.microsoft.com/office/drawing/2014/main" id="{07A35556-C8D8-4034-AC34-E020CF8662CB}"/>
-              </a:ext>
-            </a:extLst>
-          </p:cNvPr>
+          <p:cNvPr id="34" name="그림 2"/>
           <p:cNvPicPr>
             <a:picLocks noChangeAspect="1"/>
           </p:cNvPicPr>
           <p:nvPr/>
         </p:nvPicPr>
-        <p:blipFill>
-          <a:blip r:embed="rId3">
+        <p:blipFill rotWithShape="1">
+          <a:blip r:embed="rId3" cstate="print">
             <a:extLst>
               <a:ext uri="{28A0092B-C50C-407E-A947-70E740481C1C}">
                 <a14:useLocalDpi xmlns:a14="http://schemas.microsoft.com/office/drawing/2010/main" val="0"/>
@@ -3710,30 +3716,39 @@
           </a:stretch>
         </p:blipFill>
         <p:spPr>
-          <a:xfrm>
-            <a:off x="4680012" y="1277144"/>
-            <a:ext cx="4248472" cy="2791215"/>
-          </a:xfrm>
-          <a:prstGeom prst="rect">
-            <a:avLst/>
-          </a:prstGeom>
+          <a:xfrm rot="0">
+            <a:off x="77470" y="3874135"/>
+            <a:ext cx="4429125" cy="2543175"/>
+          </a:xfrm>
+          <a:prstGeom prst="rect"/>
+          <a:noFill/>
         </p:spPr>
       </p:pic>
     </p:spTree>
-    <p:extLst>
-      <p:ext uri="{BB962C8B-B14F-4D97-AF65-F5344CB8AC3E}">
-        <p14:creationId xmlns:p14="http://schemas.microsoft.com/office/powerpoint/2010/main" val="2989050781"/>
-      </p:ext>
-    </p:extLst>
   </p:cSld>
   <p:clrMapOvr>
     <a:masterClrMapping/>
   </p:clrMapOvr>
+  <mc:AlternateContent xmlns:mc="http://schemas.openxmlformats.org/markup-compatibility/2006">
+    <mc:Choice xmlns:p14="http://schemas.microsoft.com/office/powerpoint/2010/main" Requires="p14">
+      <p:transition spd="slow" p14:dur="2000"/>
+    </mc:Choice>
+    <mc:Fallback>
+      <p:transition spd="slow"/>
+    </mc:Fallback>
+  </mc:AlternateContent>
+  <p:timing>
+    <p:tnLst>
+      <p:par>
+        <p:cTn id="1" dur="indefinite" restart="never" nodeType="tmRoot"/>
+      </p:par>
+    </p:tnLst>
+  </p:timing>
 </p:sld>
 </file>
 
 <file path=ppt/slides/slide10.xml><?xml version="1.0" encoding="utf-8"?>
-<p:sld xmlns:a="http://schemas.openxmlformats.org/drawingml/2006/main" xmlns:r="http://schemas.openxmlformats.org/officeDocument/2006/relationships" xmlns:p="http://schemas.openxmlformats.org/presentationml/2006/main">
+<p:sld xmlns:a="http://schemas.openxmlformats.org/drawingml/2006/main" xmlns:r="http://schemas.openxmlformats.org/officeDocument/2006/relationships" xmlns:p="http://schemas.openxmlformats.org/presentationml/2006/main" xmlns:p14="http://schemas.microsoft.com/office/powerpoint/2010/main">
   <p:cSld>
     <p:spTree>
       <p:nvGrpSpPr>
@@ -3757,8 +3772,8 @@
         </p:nvSpPr>
         <p:spPr>
           <a:xfrm>
-            <a:off x="35496" y="44624"/>
-            <a:ext cx="3312368" cy="504056"/>
+            <a:off x="35560" y="44450"/>
+            <a:ext cx="3312160" cy="504190"/>
           </a:xfrm>
           <a:prstGeom prst="rect">
             <a:avLst/>
@@ -3822,8 +3837,8 @@
         </p:nvSpPr>
         <p:spPr>
           <a:xfrm>
-            <a:off x="35496" y="620688"/>
-            <a:ext cx="3312368" cy="432048"/>
+            <a:off x="35560" y="620395"/>
+            <a:ext cx="3312160" cy="431800"/>
           </a:xfrm>
           <a:prstGeom prst="rect">
             <a:avLst/>
@@ -3879,8 +3894,8 @@
         </p:nvCxnSpPr>
         <p:spPr>
           <a:xfrm>
-            <a:off x="3491880" y="1052736"/>
-            <a:ext cx="5544616" cy="0"/>
+            <a:off x="3491865" y="1052830"/>
+            <a:ext cx="5544820" cy="0"/>
           </a:xfrm>
           <a:prstGeom prst="line">
             <a:avLst/>
@@ -3910,8 +3925,8 @@
         </p:nvSpPr>
         <p:spPr>
           <a:xfrm>
-            <a:off x="3491880" y="620688"/>
-            <a:ext cx="751552" cy="369332"/>
+            <a:off x="3491865" y="620395"/>
+            <a:ext cx="751840" cy="369570"/>
           </a:xfrm>
           <a:prstGeom prst="rect">
             <a:avLst/>
@@ -3940,8 +3955,8 @@
         </p:nvCxnSpPr>
         <p:spPr>
           <a:xfrm>
-            <a:off x="35496" y="1205136"/>
-            <a:ext cx="9001000" cy="0"/>
+            <a:off x="35560" y="1205230"/>
+            <a:ext cx="9001125" cy="0"/>
           </a:xfrm>
           <a:prstGeom prst="line">
             <a:avLst/>
@@ -3971,8 +3986,8 @@
         </p:nvCxnSpPr>
         <p:spPr>
           <a:xfrm>
-            <a:off x="35496" y="6741368"/>
-            <a:ext cx="9001000" cy="0"/>
+            <a:off x="35560" y="6741160"/>
+            <a:ext cx="9001125" cy="0"/>
           </a:xfrm>
           <a:prstGeom prst="line">
             <a:avLst/>
@@ -4002,8 +4017,8 @@
         </p:nvCxnSpPr>
         <p:spPr>
           <a:xfrm>
-            <a:off x="35496" y="1196752"/>
-            <a:ext cx="0" cy="5544616"/>
+            <a:off x="35560" y="1196975"/>
+            <a:ext cx="0" cy="5544820"/>
           </a:xfrm>
           <a:prstGeom prst="line">
             <a:avLst/>
@@ -4033,8 +4048,8 @@
         </p:nvCxnSpPr>
         <p:spPr>
           <a:xfrm>
-            <a:off x="9036496" y="1205136"/>
-            <a:ext cx="0" cy="5544616"/>
+            <a:off x="9036685" y="1205230"/>
+            <a:ext cx="0" cy="5544820"/>
           </a:xfrm>
           <a:prstGeom prst="line">
             <a:avLst/>
@@ -4064,8 +4079,8 @@
         </p:nvCxnSpPr>
         <p:spPr>
           <a:xfrm>
-            <a:off x="4572000" y="1205136"/>
-            <a:ext cx="0" cy="5544616"/>
+            <a:off x="4572000" y="1205230"/>
+            <a:ext cx="0" cy="5544820"/>
           </a:xfrm>
           <a:prstGeom prst="line">
             <a:avLst/>
@@ -4095,7 +4110,7 @@
         </p:nvCxnSpPr>
         <p:spPr>
           <a:xfrm>
-            <a:off x="9036496" y="4869160"/>
+            <a:off x="9036685" y="4869180"/>
             <a:ext cx="0" cy="0"/>
           </a:xfrm>
           <a:prstGeom prst="line">
@@ -4126,8 +4141,8 @@
         </p:nvCxnSpPr>
         <p:spPr>
           <a:xfrm>
-            <a:off x="4572000" y="4725144"/>
-            <a:ext cx="4464496" cy="0"/>
+            <a:off x="4572000" y="4725035"/>
+            <a:ext cx="4464685" cy="0"/>
           </a:xfrm>
           <a:prstGeom prst="line">
             <a:avLst/>
@@ -4157,8 +4172,8 @@
         </p:nvSpPr>
         <p:spPr>
           <a:xfrm>
-            <a:off x="3563888" y="44624"/>
-            <a:ext cx="2808312" cy="504056"/>
+            <a:off x="3563620" y="44450"/>
+            <a:ext cx="2808605" cy="504190"/>
           </a:xfrm>
           <a:prstGeom prst="rect">
             <a:avLst/>
@@ -4209,8 +4224,8 @@
         </p:nvSpPr>
         <p:spPr>
           <a:xfrm>
-            <a:off x="4626704" y="4797152"/>
-            <a:ext cx="4378122" cy="1477328"/>
+            <a:off x="4626610" y="4797425"/>
+            <a:ext cx="4451985" cy="1754505"/>
           </a:xfrm>
           <a:prstGeom prst="rect">
             <a:avLst/>
@@ -4224,46 +4239,59 @@
           <a:lstStyle/>
           <a:p>
             <a:r>
+              <a:rPr lang="ko-KR" altLang="en-US" dirty="0"/>
+              <a:t>지도에 영화관 정보를 토대로 </a:t>
+            </a:r>
+            <a:r>
               <a:rPr lang="en-US" altLang="ko-KR" dirty="0" err="1"/>
-              <a:t>Movietheat</a:t>
-            </a:r>
+              <a:t>movietheat</a:t>
+            </a:r>
+            <a:endParaRPr lang="en-US" altLang="ko-KR" dirty="0"/>
+          </a:p>
+          <a:p>
             <a:r>
               <a:rPr lang="ko-KR" altLang="en-US" dirty="0"/>
-              <a:t>함수에 영화관 목록 매개변수</a:t>
+              <a:t>함수를 사용해 지도에 마커를 찍을 정보</a:t>
             </a:r>
             <a:endParaRPr lang="en-US" altLang="ko-KR" dirty="0"/>
           </a:p>
           <a:p>
             <a:r>
               <a:rPr lang="ko-KR" altLang="en-US" dirty="0"/>
-              <a:t>로 받아온 것과 지도를 매개변수로 사용</a:t>
+              <a:t>전달을 하고 현재 </a:t>
+            </a:r>
+            <a:r>
+              <a:rPr lang="en-US" altLang="ko-KR" dirty="0" err="1"/>
+              <a:t>navigator.geolocation</a:t>
             </a:r>
             <a:endParaRPr lang="en-US" altLang="ko-KR" dirty="0"/>
           </a:p>
           <a:p>
             <a:r>
+              <a:rPr lang="ko-KR" altLang="en-US" dirty="0"/>
+              <a:t>을 통해 나의 위치를 저장한다</a:t>
+            </a:r>
+            <a:r>
               <a:rPr lang="en-US" altLang="ko-KR" dirty="0"/>
-              <a:t>For</a:t>
-            </a:r>
+              <a:t>.</a:t>
+            </a:r>
+          </a:p>
+          <a:p>
             <a:r>
               <a:rPr lang="ko-KR" altLang="en-US" dirty="0"/>
-              <a:t>문을 이용해 영화관의 개수만큼 영화</a:t>
+              <a:t>만약 내 위치가 파악 되지 않는다면 따로</a:t>
             </a:r>
             <a:endParaRPr lang="en-US" altLang="ko-KR" dirty="0"/>
           </a:p>
           <a:p>
             <a:r>
               <a:rPr lang="ko-KR" altLang="en-US" dirty="0"/>
-              <a:t>관의 위도 경도를 뽑아와서 지도에 해당</a:t>
-            </a:r>
-            <a:endParaRPr lang="en-US" altLang="ko-KR" dirty="0"/>
-          </a:p>
-          <a:p>
-            <a:r>
-              <a:rPr lang="ko-KR" altLang="en-US" dirty="0"/>
-              <a:t>위치로 마커를 생성함</a:t>
-            </a:r>
-            <a:endParaRPr lang="en-US" altLang="ko-KR" dirty="0"/>
+              <a:t>표시 하지 않는다</a:t>
+            </a:r>
+            <a:r>
+              <a:rPr lang="en-US" altLang="ko-KR" dirty="0"/>
+              <a:t>.</a:t>
+            </a:r>
           </a:p>
         </p:txBody>
       </p:sp>
@@ -4272,7 +4300,7 @@
           <p:cNvPr id="3" name="그림 2">
             <a:extLst>
               <a:ext uri="{FF2B5EF4-FFF2-40B4-BE49-F238E27FC236}">
-                <a16:creationId xmlns:a16="http://schemas.microsoft.com/office/drawing/2014/main" id="{501CACC6-6CD4-4ECB-9223-15699EB88A51}"/>
+                <a16:creationId xmlns:a16="http://schemas.microsoft.com/office/drawing/2014/main" id="{6D104D9F-D65A-4CB4-B4E6-10182053930B}"/>
               </a:ext>
             </a:extLst>
           </p:cNvPr>
@@ -4295,8 +4323,8 @@
         </p:blipFill>
         <p:spPr>
           <a:xfrm>
-            <a:off x="107503" y="1277145"/>
-            <a:ext cx="4396697" cy="2952328"/>
+            <a:off x="90170" y="1318895"/>
+            <a:ext cx="4394835" cy="3847465"/>
           </a:xfrm>
           <a:prstGeom prst="rect">
             <a:avLst/>
@@ -4308,7 +4336,7 @@
           <p:cNvPr id="9" name="그림 8">
             <a:extLst>
               <a:ext uri="{FF2B5EF4-FFF2-40B4-BE49-F238E27FC236}">
-                <a16:creationId xmlns:a16="http://schemas.microsoft.com/office/drawing/2014/main" id="{88EE8C6F-A2E8-439D-AFCD-50CB8230EFE0}"/>
+                <a16:creationId xmlns:a16="http://schemas.microsoft.com/office/drawing/2014/main" id="{4E282ECE-3FA5-4CCE-A02A-08A5714C4BE1}"/>
               </a:ext>
             </a:extLst>
           </p:cNvPr>
@@ -4331,20 +4359,177 @@
         </p:blipFill>
         <p:spPr>
           <a:xfrm>
-            <a:off x="500931" y="4301481"/>
-            <a:ext cx="3581900" cy="609685"/>
+            <a:off x="4797425" y="1654175"/>
+            <a:ext cx="2600960" cy="2639060"/>
           </a:xfrm>
           <a:prstGeom prst="rect">
             <a:avLst/>
           </a:prstGeom>
         </p:spPr>
       </p:pic>
+      <p:cxnSp>
+        <p:nvCxnSpPr>
+          <p:cNvPr id="22" name="직선 연결선 21">
+            <a:extLst>
+              <a:ext uri="{FF2B5EF4-FFF2-40B4-BE49-F238E27FC236}">
+                <a16:creationId xmlns:a16="http://schemas.microsoft.com/office/drawing/2014/main" id="{7E6575DC-791D-432E-83F9-39F7AA1EA4A1}"/>
+              </a:ext>
+            </a:extLst>
+          </p:cNvPr>
+          <p:cNvCxnSpPr>
+            <a:cxnSpLocks/>
+          </p:cNvCxnSpPr>
+          <p:nvPr/>
+        </p:nvCxnSpPr>
+        <p:spPr>
+          <a:xfrm>
+            <a:off x="35560" y="5193665"/>
+            <a:ext cx="4536440" cy="0"/>
+          </a:xfrm>
+          <a:prstGeom prst="line">
+            <a:avLst/>
+          </a:prstGeom>
+          <a:ln w="28575"/>
+        </p:spPr>
+        <p:style>
+          <a:lnRef idx="1">
+            <a:schemeClr val="accent1"/>
+          </a:lnRef>
+          <a:fillRef idx="0">
+            <a:schemeClr val="accent1"/>
+          </a:fillRef>
+          <a:effectRef idx="0">
+            <a:schemeClr val="accent1"/>
+          </a:effectRef>
+          <a:fontRef idx="minor">
+            <a:schemeClr val="tx1"/>
+          </a:fontRef>
+        </p:style>
+      </p:cxnSp>
+      <p:sp>
+        <p:nvSpPr>
+          <p:cNvPr id="23" name="TextBox 22">
+            <a:extLst>
+              <a:ext uri="{FF2B5EF4-FFF2-40B4-BE49-F238E27FC236}">
+                <a16:creationId xmlns:a16="http://schemas.microsoft.com/office/drawing/2014/main" id="{2E41D6A2-8D22-4681-A4BE-9823F40D1578}"/>
+              </a:ext>
+            </a:extLst>
+          </p:cNvPr>
+          <p:cNvSpPr txBox="1"/>
+          <p:nvPr/>
+        </p:nvSpPr>
+        <p:spPr>
+          <a:xfrm>
+            <a:off x="4445" y="5165725"/>
+            <a:ext cx="4660265" cy="1754505"/>
+          </a:xfrm>
+          <a:prstGeom prst="rect">
+            <a:avLst/>
+          </a:prstGeom>
+          <a:noFill/>
+        </p:spPr>
+        <p:txBody>
+          <a:bodyPr wrap="none" rtlCol="0">
+            <a:spAutoFit/>
+          </a:bodyPr>
+          <a:lstStyle/>
+          <a:p>
+            <a:r>
+              <a:rPr lang="ko-KR" altLang="en-US" dirty="0"/>
+              <a:t>카카오</a:t>
+            </a:r>
+            <a:r>
+              <a:rPr lang="en-US" altLang="ko-KR" dirty="0" err="1"/>
+              <a:t>api</a:t>
+            </a:r>
+            <a:r>
+              <a:rPr lang="ko-KR" altLang="en-US" dirty="0"/>
+              <a:t>의 기본 인자를 통해 </a:t>
+            </a:r>
+            <a:r>
+              <a:rPr lang="ko-KR" altLang="en-US" dirty="0" err="1"/>
+              <a:t>맵의</a:t>
+            </a:r>
+            <a:r>
+              <a:rPr lang="ko-KR" altLang="en-US" dirty="0"/>
+              <a:t> 정보를</a:t>
+            </a:r>
+            <a:endParaRPr lang="en-US" altLang="ko-KR" dirty="0"/>
+          </a:p>
+          <a:p>
+            <a:r>
+              <a:rPr lang="ko-KR" altLang="en-US" dirty="0"/>
+              <a:t>나타내고 </a:t>
+            </a:r>
+            <a:r>
+              <a:rPr lang="en-US" altLang="ko-KR" dirty="0" err="1"/>
+              <a:t>myinfowindow</a:t>
+            </a:r>
+            <a:r>
+              <a:rPr lang="ko-KR" altLang="en-US" dirty="0"/>
+              <a:t>함수 통해 </a:t>
+            </a:r>
+            <a:r>
+              <a:rPr lang="ko-KR" altLang="en-US" dirty="0" err="1"/>
+              <a:t>내위치</a:t>
+            </a:r>
+            <a:endParaRPr lang="en-US" altLang="ko-KR" dirty="0"/>
+          </a:p>
+          <a:p>
+            <a:r>
+              <a:rPr lang="ko-KR" altLang="en-US" dirty="0" err="1"/>
+              <a:t>를</a:t>
+            </a:r>
+            <a:r>
+              <a:rPr lang="ko-KR" altLang="en-US" dirty="0"/>
+              <a:t> 기반으로 해서 말풍선을 띄운다</a:t>
+            </a:r>
+            <a:r>
+              <a:rPr lang="en-US" altLang="ko-KR" dirty="0"/>
+              <a:t>.</a:t>
+            </a:r>
+          </a:p>
+          <a:p>
+            <a:r>
+              <a:rPr lang="en-US" altLang="ko-KR" dirty="0" err="1"/>
+              <a:t>Zoombar</a:t>
+            </a:r>
+            <a:r>
+              <a:rPr lang="ko-KR" altLang="en-US" dirty="0"/>
+              <a:t>를 통해 지도상의 확대 축소표시</a:t>
+            </a:r>
+            <a:endParaRPr lang="en-US" altLang="ko-KR" dirty="0"/>
+          </a:p>
+          <a:p>
+            <a:r>
+              <a:rPr lang="ko-KR" altLang="en-US" dirty="0"/>
+              <a:t>만들어 주고 </a:t>
+            </a:r>
+            <a:r>
+              <a:rPr lang="en-US" altLang="ko-KR" dirty="0" err="1"/>
+              <a:t>maptyper</a:t>
+            </a:r>
+            <a:r>
+              <a:rPr lang="ko-KR" altLang="en-US" dirty="0"/>
+              <a:t>로 </a:t>
+            </a:r>
+            <a:r>
+              <a:rPr lang="ko-KR" altLang="en-US" dirty="0" err="1"/>
+              <a:t>스카이뷰기능표시</a:t>
+            </a:r>
+            <a:endParaRPr lang="en-US" altLang="ko-KR" dirty="0"/>
+          </a:p>
+          <a:p>
+            <a:endParaRPr lang="en-US" altLang="ko-KR" dirty="0"/>
+          </a:p>
+        </p:txBody>
+      </p:sp>
       <p:pic>
         <p:nvPicPr>
-          <p:cNvPr id="12" name="그림 11">
+          <p:cNvPr id="13" name="그림 12">
             <a:extLst>
               <a:ext uri="{FF2B5EF4-FFF2-40B4-BE49-F238E27FC236}">
-                <a16:creationId xmlns:a16="http://schemas.microsoft.com/office/drawing/2014/main" id="{692123E2-B0BA-4590-9CFF-B3BC95F8351F}"/>
+                <a16:creationId xmlns:a16="http://schemas.microsoft.com/office/drawing/2014/main" id="{C6E485FC-FFA4-4A5D-AEA4-79BD9DB4E5AD}"/>
               </a:ext>
             </a:extLst>
           </p:cNvPr>
@@ -4367,169 +4552,44 @@
         </p:blipFill>
         <p:spPr>
           <a:xfrm>
-            <a:off x="5503904" y="1590179"/>
-            <a:ext cx="2600688" cy="2638793"/>
+            <a:off x="7623175" y="1814830"/>
+            <a:ext cx="1123950" cy="2162175"/>
           </a:xfrm>
           <a:prstGeom prst="rect">
             <a:avLst/>
           </a:prstGeom>
         </p:spPr>
       </p:pic>
-      <p:cxnSp>
-        <p:nvCxnSpPr>
-          <p:cNvPr id="23" name="직선 연결선 22">
-            <a:extLst>
-              <a:ext uri="{FF2B5EF4-FFF2-40B4-BE49-F238E27FC236}">
-                <a16:creationId xmlns:a16="http://schemas.microsoft.com/office/drawing/2014/main" id="{C99FD585-682B-4677-848A-BAB9D5B03572}"/>
-              </a:ext>
-            </a:extLst>
-          </p:cNvPr>
-          <p:cNvCxnSpPr>
-            <a:cxnSpLocks/>
-          </p:cNvCxnSpPr>
-          <p:nvPr/>
-        </p:nvCxnSpPr>
-        <p:spPr>
-          <a:xfrm>
-            <a:off x="35496" y="4981818"/>
-            <a:ext cx="4536504" cy="0"/>
-          </a:xfrm>
-          <a:prstGeom prst="line">
-            <a:avLst/>
-          </a:prstGeom>
-          <a:ln w="28575"/>
-        </p:spPr>
-        <p:style>
-          <a:lnRef idx="1">
-            <a:schemeClr val="accent1"/>
-          </a:lnRef>
-          <a:fillRef idx="0">
-            <a:schemeClr val="accent1"/>
-          </a:fillRef>
-          <a:effectRef idx="0">
-            <a:schemeClr val="accent1"/>
-          </a:effectRef>
-          <a:fontRef idx="minor">
-            <a:schemeClr val="tx1"/>
-          </a:fontRef>
-        </p:style>
-      </p:cxnSp>
-      <p:sp>
-        <p:nvSpPr>
-          <p:cNvPr id="25" name="TextBox 24">
-            <a:extLst>
-              <a:ext uri="{FF2B5EF4-FFF2-40B4-BE49-F238E27FC236}">
-                <a16:creationId xmlns:a16="http://schemas.microsoft.com/office/drawing/2014/main" id="{9B3C5F43-F83E-4A76-97A3-59165563B0E3}"/>
-              </a:ext>
-            </a:extLst>
-          </p:cNvPr>
-          <p:cNvSpPr txBox="1"/>
-          <p:nvPr/>
-        </p:nvSpPr>
-        <p:spPr>
-          <a:xfrm>
-            <a:off x="40431" y="4995500"/>
-            <a:ext cx="4354077" cy="1200329"/>
-          </a:xfrm>
-          <a:prstGeom prst="rect">
-            <a:avLst/>
-          </a:prstGeom>
-          <a:noFill/>
-        </p:spPr>
-        <p:txBody>
-          <a:bodyPr wrap="none" rtlCol="0">
-            <a:spAutoFit/>
-          </a:bodyPr>
-          <a:lstStyle/>
-          <a:p>
-            <a:r>
-              <a:rPr lang="ko-KR" altLang="en-US" dirty="0"/>
-              <a:t>마커를 </a:t>
-            </a:r>
-            <a:r>
-              <a:rPr lang="ko-KR" altLang="en-US" dirty="0" err="1"/>
-              <a:t>클릭했을때</a:t>
-            </a:r>
-            <a:r>
-              <a:rPr lang="ko-KR" altLang="en-US" dirty="0"/>
-              <a:t> </a:t>
-            </a:r>
-            <a:r>
-              <a:rPr lang="ko-KR" altLang="en-US" dirty="0" err="1"/>
-              <a:t>마커위치에</a:t>
-            </a:r>
-            <a:r>
-              <a:rPr lang="ko-KR" altLang="en-US" dirty="0"/>
-              <a:t> 해당하는</a:t>
-            </a:r>
-            <a:endParaRPr lang="en-US" altLang="ko-KR" dirty="0"/>
-          </a:p>
-          <a:p>
-            <a:r>
-              <a:rPr lang="ko-KR" altLang="en-US" dirty="0"/>
-              <a:t>영화관의 정보를 가져오며 영화관</a:t>
-            </a:r>
-            <a:endParaRPr lang="en-US" altLang="ko-KR" dirty="0"/>
-          </a:p>
-          <a:p>
-            <a:r>
-              <a:rPr lang="ko-KR" altLang="en-US" dirty="0"/>
-              <a:t>명칭</a:t>
-            </a:r>
-            <a:r>
-              <a:rPr lang="en-US" altLang="ko-KR" dirty="0"/>
-              <a:t>, </a:t>
-            </a:r>
-            <a:r>
-              <a:rPr lang="ko-KR" altLang="en-US" dirty="0"/>
-              <a:t>도로명주소</a:t>
-            </a:r>
-            <a:r>
-              <a:rPr lang="en-US" altLang="ko-KR" dirty="0"/>
-              <a:t>, </a:t>
-            </a:r>
-            <a:r>
-              <a:rPr lang="ko-KR" altLang="en-US" dirty="0"/>
-              <a:t>지번주소를 </a:t>
-            </a:r>
-            <a:r>
-              <a:rPr lang="en-US" altLang="ko-KR" dirty="0" err="1"/>
-              <a:t>useState</a:t>
-            </a:r>
-            <a:endParaRPr lang="en-US" altLang="ko-KR" dirty="0"/>
-          </a:p>
-          <a:p>
-            <a:r>
-              <a:rPr lang="ko-KR" altLang="en-US" dirty="0"/>
-              <a:t>함수 사용하여 </a:t>
-            </a:r>
-            <a:r>
-              <a:rPr lang="en-US" altLang="ko-KR" dirty="0"/>
-              <a:t>set</a:t>
-            </a:r>
-            <a:r>
-              <a:rPr lang="ko-KR" altLang="en-US" dirty="0"/>
-              <a:t>으로 값을 지정함</a:t>
-            </a:r>
-            <a:endParaRPr lang="en-US" altLang="ko-KR" dirty="0"/>
-          </a:p>
-        </p:txBody>
-      </p:sp>
     </p:spTree>
     <p:extLst>
       <p:ext uri="{BB962C8B-B14F-4D97-AF65-F5344CB8AC3E}">
-        <p14:creationId xmlns:p14="http://schemas.microsoft.com/office/powerpoint/2010/main" val="2995016590"/>
+        <p14:creationId xmlns:p14="http://schemas.microsoft.com/office/powerpoint/2010/main" val="3909596528"/>
       </p:ext>
     </p:extLst>
   </p:cSld>
   <p:clrMapOvr>
     <a:masterClrMapping/>
   </p:clrMapOvr>
+  <mc:AlternateContent xmlns:mc="http://schemas.openxmlformats.org/markup-compatibility/2006">
+    <mc:Choice xmlns:p14="http://schemas.microsoft.com/office/powerpoint/2010/main" Requires="p14">
+      <p:transition spd="slow" p14:dur="2000"/>
+    </mc:Choice>
+    <mc:Fallback>
+      <p:transition spd="slow"/>
+    </mc:Fallback>
+  </mc:AlternateContent>
+  <p:timing>
+    <p:tnLst>
+      <p:par>
+        <p:cTn id="1" dur="indefinite" restart="never" nodeType="tmRoot"/>
+      </p:par>
+    </p:tnLst>
+  </p:timing>
 </p:sld>
 </file>
 
 <file path=ppt/slides/slide11.xml><?xml version="1.0" encoding="utf-8"?>
-<p:sld xmlns:a="http://schemas.openxmlformats.org/drawingml/2006/main" xmlns:r="http://schemas.openxmlformats.org/officeDocument/2006/relationships" xmlns:p="http://schemas.openxmlformats.org/presentationml/2006/main">
+<p:sld xmlns:a="http://schemas.openxmlformats.org/drawingml/2006/main" xmlns:r="http://schemas.openxmlformats.org/officeDocument/2006/relationships" xmlns:p="http://schemas.openxmlformats.org/presentationml/2006/main" xmlns:p14="http://schemas.microsoft.com/office/powerpoint/2010/main">
   <p:cSld>
     <p:spTree>
       <p:nvGrpSpPr>
@@ -4553,8 +4613,8 @@
         </p:nvSpPr>
         <p:spPr>
           <a:xfrm>
-            <a:off x="35496" y="44624"/>
-            <a:ext cx="3312368" cy="504056"/>
+            <a:off x="35560" y="44450"/>
+            <a:ext cx="3312160" cy="504190"/>
           </a:xfrm>
           <a:prstGeom prst="rect">
             <a:avLst/>
@@ -4618,8 +4678,8 @@
         </p:nvSpPr>
         <p:spPr>
           <a:xfrm>
-            <a:off x="35496" y="620688"/>
-            <a:ext cx="3312368" cy="432048"/>
+            <a:off x="35560" y="620395"/>
+            <a:ext cx="3312160" cy="431800"/>
           </a:xfrm>
           <a:prstGeom prst="rect">
             <a:avLst/>
@@ -4652,12 +4712,12 @@
               </a:lnSpc>
             </a:pPr>
             <a:r>
-              <a:rPr lang="en-US" altLang="ko-KR" sz="2000" b="1" dirty="0" err="1">
+              <a:rPr lang="en-US" altLang="ko-KR" sz="2000" b="1" dirty="0">
                 <a:solidFill>
                   <a:schemeClr val="tx1"/>
                 </a:solidFill>
               </a:rPr>
-              <a:t>MovieTheat</a:t>
+              <a:t>Total</a:t>
             </a:r>
             <a:endParaRPr lang="ko-KR" altLang="en-US" sz="2000" b="1" dirty="0">
               <a:solidFill>
@@ -4675,8 +4735,8 @@
         </p:nvCxnSpPr>
         <p:spPr>
           <a:xfrm>
-            <a:off x="3491880" y="1052736"/>
-            <a:ext cx="5544616" cy="0"/>
+            <a:off x="3491865" y="1052830"/>
+            <a:ext cx="5544820" cy="0"/>
           </a:xfrm>
           <a:prstGeom prst="line">
             <a:avLst/>
@@ -4706,8 +4766,8 @@
         </p:nvSpPr>
         <p:spPr>
           <a:xfrm>
-            <a:off x="3491880" y="620688"/>
-            <a:ext cx="751552" cy="369332"/>
+            <a:off x="3491865" y="620395"/>
+            <a:ext cx="751840" cy="369570"/>
           </a:xfrm>
           <a:prstGeom prst="rect">
             <a:avLst/>
@@ -4736,8 +4796,8 @@
         </p:nvCxnSpPr>
         <p:spPr>
           <a:xfrm>
-            <a:off x="35496" y="1205136"/>
-            <a:ext cx="9001000" cy="0"/>
+            <a:off x="35560" y="1205230"/>
+            <a:ext cx="9001125" cy="0"/>
           </a:xfrm>
           <a:prstGeom prst="line">
             <a:avLst/>
@@ -4767,8 +4827,8 @@
         </p:nvCxnSpPr>
         <p:spPr>
           <a:xfrm>
-            <a:off x="35496" y="6741368"/>
-            <a:ext cx="9001000" cy="0"/>
+            <a:off x="35560" y="6741160"/>
+            <a:ext cx="9001125" cy="0"/>
           </a:xfrm>
           <a:prstGeom prst="line">
             <a:avLst/>
@@ -4798,8 +4858,8 @@
         </p:nvCxnSpPr>
         <p:spPr>
           <a:xfrm>
-            <a:off x="35496" y="1196752"/>
-            <a:ext cx="0" cy="5544616"/>
+            <a:off x="35560" y="1196975"/>
+            <a:ext cx="0" cy="5544820"/>
           </a:xfrm>
           <a:prstGeom prst="line">
             <a:avLst/>
@@ -4829,8 +4889,39 @@
         </p:nvCxnSpPr>
         <p:spPr>
           <a:xfrm>
-            <a:off x="9036496" y="1205136"/>
-            <a:ext cx="0" cy="5544616"/>
+            <a:off x="9036685" y="1205230"/>
+            <a:ext cx="0" cy="5544820"/>
+          </a:xfrm>
+          <a:prstGeom prst="line">
+            <a:avLst/>
+          </a:prstGeom>
+          <a:ln w="28575"/>
+        </p:spPr>
+        <p:style>
+          <a:lnRef idx="1">
+            <a:schemeClr val="accent1"/>
+          </a:lnRef>
+          <a:fillRef idx="0">
+            <a:schemeClr val="accent1"/>
+          </a:fillRef>
+          <a:effectRef idx="0">
+            <a:schemeClr val="accent1"/>
+          </a:effectRef>
+          <a:fontRef idx="minor">
+            <a:schemeClr val="tx1"/>
+          </a:fontRef>
+        </p:style>
+      </p:cxnSp>
+      <p:cxnSp>
+        <p:nvCxnSpPr>
+          <p:cNvPr id="20" name="직선 연결선 19"/>
+          <p:cNvCxnSpPr/>
+          <p:nvPr/>
+        </p:nvCxnSpPr>
+        <p:spPr>
+          <a:xfrm>
+            <a:off x="4572000" y="1205230"/>
+            <a:ext cx="0" cy="5544820"/>
           </a:xfrm>
           <a:prstGeom prst="line">
             <a:avLst/>
@@ -4860,7 +4951,7 @@
         </p:nvCxnSpPr>
         <p:spPr>
           <a:xfrm>
-            <a:off x="9036496" y="4869160"/>
+            <a:off x="9036685" y="4869180"/>
             <a:ext cx="0" cy="0"/>
           </a:xfrm>
           <a:prstGeom prst="line">
@@ -4886,15 +4977,13 @@
       <p:cxnSp>
         <p:nvCxnSpPr>
           <p:cNvPr id="28" name="직선 연결선 27"/>
-          <p:cNvCxnSpPr>
-            <a:cxnSpLocks/>
-          </p:cNvCxnSpPr>
+          <p:cNvCxnSpPr/>
           <p:nvPr/>
         </p:nvCxnSpPr>
         <p:spPr>
           <a:xfrm>
-            <a:off x="35496" y="5373216"/>
-            <a:ext cx="9001000" cy="0"/>
+            <a:off x="4572000" y="4725035"/>
+            <a:ext cx="4464685" cy="0"/>
           </a:xfrm>
           <a:prstGeom prst="line">
             <a:avLst/>
@@ -4924,8 +5013,8 @@
         </p:nvSpPr>
         <p:spPr>
           <a:xfrm>
-            <a:off x="3563888" y="44624"/>
-            <a:ext cx="2808312" cy="504056"/>
+            <a:off x="3563620" y="44450"/>
+            <a:ext cx="2808605" cy="504190"/>
           </a:xfrm>
           <a:prstGeom prst="rect">
             <a:avLst/>
@@ -4976,8 +5065,8 @@
         </p:nvSpPr>
         <p:spPr>
           <a:xfrm>
-            <a:off x="35496" y="5435932"/>
-            <a:ext cx="8896923" cy="646331"/>
+            <a:off x="4626610" y="4797425"/>
+            <a:ext cx="4256405" cy="1200150"/>
           </a:xfrm>
           <a:prstGeom prst="rect">
             <a:avLst/>
@@ -4991,55 +5080,52 @@
           <a:lstStyle/>
           <a:p>
             <a:r>
+              <a:rPr lang="en-US" altLang="ko-KR" dirty="0" err="1"/>
+              <a:t>Myinfowindow</a:t>
+            </a:r>
+            <a:r>
+              <a:rPr lang="ko-KR" altLang="en-US" dirty="0"/>
+              <a:t>함수를 통해 내 위치</a:t>
+            </a:r>
+            <a:r>
               <a:rPr lang="en-US" altLang="ko-KR" dirty="0"/>
-              <a:t>Movie</a:t>
-            </a:r>
+              <a:t>,</a:t>
+            </a:r>
+          </a:p>
+          <a:p>
             <a:r>
               <a:rPr lang="ko-KR" altLang="en-US" dirty="0"/>
-              <a:t>라는 함수에서 </a:t>
+              <a:t>지도</a:t>
             </a:r>
             <a:r>
               <a:rPr lang="en-US" altLang="ko-KR" dirty="0"/>
-              <a:t>Total</a:t>
+              <a:t>, </a:t>
             </a:r>
             <a:r>
               <a:rPr lang="ko-KR" altLang="en-US" dirty="0"/>
-              <a:t>로부터 정보를 받아와 사업장명과 주소를 받아와 표기하고</a:t>
+              <a:t>작성할 내용을 매개변수로 받아와</a:t>
             </a:r>
             <a:endParaRPr lang="en-US" altLang="ko-KR" dirty="0"/>
           </a:p>
           <a:p>
             <a:r>
               <a:rPr lang="ko-KR" altLang="en-US" dirty="0"/>
-              <a:t>해당 하는 값을 </a:t>
-            </a:r>
-            <a:r>
-              <a:rPr lang="en-US" altLang="ko-KR" dirty="0"/>
-              <a:t>Total</a:t>
+              <a:t>각각 대입하여 </a:t>
+            </a:r>
+            <a:r>
+              <a:rPr lang="en-US" altLang="ko-KR" dirty="0" err="1"/>
+              <a:t>infowindow</a:t>
             </a:r>
             <a:r>
               <a:rPr lang="ko-KR" altLang="en-US" dirty="0"/>
-              <a:t>의 </a:t>
-            </a:r>
-            <a:r>
-              <a:rPr lang="en-US" altLang="ko-KR" dirty="0"/>
-              <a:t>return</a:t>
-            </a:r>
-            <a:r>
-              <a:rPr lang="ko-KR" altLang="en-US" dirty="0"/>
-              <a:t>에서 </a:t>
-            </a:r>
-            <a:r>
-              <a:rPr lang="ko-KR" altLang="en-US"/>
-              <a:t>불러와 해당하는 정보를 </a:t>
-            </a:r>
-            <a:r>
-              <a:rPr lang="ko-KR" altLang="en-US" dirty="0"/>
-              <a:t>표기한다</a:t>
-            </a:r>
-            <a:r>
-              <a:rPr lang="en-US" altLang="ko-KR" dirty="0"/>
-              <a:t>.</a:t>
+              <a:t>라는 변수를</a:t>
+            </a:r>
+            <a:endParaRPr lang="en-US" altLang="ko-KR" dirty="0"/>
+          </a:p>
+          <a:p>
+            <a:r>
+              <a:rPr lang="ko-KR" altLang="en-US" dirty="0" err="1"/>
+              <a:t>만듬</a:t>
             </a:r>
             <a:endParaRPr lang="ko-KR" altLang="en-US" dirty="0"/>
           </a:p>
@@ -5050,7 +5136,7 @@
           <p:cNvPr id="3" name="그림 2">
             <a:extLst>
               <a:ext uri="{FF2B5EF4-FFF2-40B4-BE49-F238E27FC236}">
-                <a16:creationId xmlns:a16="http://schemas.microsoft.com/office/drawing/2014/main" id="{0DAF0F11-4702-42CB-81B8-A2E5A1825537}"/>
+                <a16:creationId xmlns:a16="http://schemas.microsoft.com/office/drawing/2014/main" id="{21A2D295-9998-40A9-BF76-67DD4B67092A}"/>
               </a:ext>
             </a:extLst>
           </p:cNvPr>
@@ -5073,8 +5159,1436 @@
         </p:blipFill>
         <p:spPr>
           <a:xfrm>
-            <a:off x="869908" y="1267852"/>
-            <a:ext cx="7230484" cy="1667108"/>
+            <a:off x="467360" y="2315845"/>
+            <a:ext cx="3296285" cy="1504950"/>
+          </a:xfrm>
+          <a:prstGeom prst="rect">
+            <a:avLst/>
+          </a:prstGeom>
+        </p:spPr>
+      </p:pic>
+      <p:pic>
+        <p:nvPicPr>
+          <p:cNvPr id="9" name="그림 8">
+            <a:extLst>
+              <a:ext uri="{FF2B5EF4-FFF2-40B4-BE49-F238E27FC236}">
+                <a16:creationId xmlns:a16="http://schemas.microsoft.com/office/drawing/2014/main" id="{3A1035D9-AE94-4E8E-A567-0F329C9992FE}"/>
+              </a:ext>
+            </a:extLst>
+          </p:cNvPr>
+          <p:cNvPicPr>
+            <a:picLocks noChangeAspect="1"/>
+          </p:cNvPicPr>
+          <p:nvPr/>
+        </p:nvPicPr>
+        <p:blipFill>
+          <a:blip r:embed="rId3">
+            <a:extLst>
+              <a:ext uri="{28A0092B-C50C-407E-A947-70E740481C1C}">
+                <a14:useLocalDpi xmlns:a14="http://schemas.microsoft.com/office/drawing/2010/main" val="0"/>
+              </a:ext>
+            </a:extLst>
+          </a:blip>
+          <a:stretch>
+            <a:fillRect/>
+          </a:stretch>
+        </p:blipFill>
+        <p:spPr>
+          <a:xfrm>
+            <a:off x="5504180" y="1513840"/>
+            <a:ext cx="2600960" cy="2639060"/>
+          </a:xfrm>
+          <a:prstGeom prst="rect">
+            <a:avLst/>
+          </a:prstGeom>
+        </p:spPr>
+      </p:pic>
+    </p:spTree>
+    <p:extLst>
+      <p:ext uri="{BB962C8B-B14F-4D97-AF65-F5344CB8AC3E}">
+        <p14:creationId xmlns:p14="http://schemas.microsoft.com/office/powerpoint/2010/main" val="490946708"/>
+      </p:ext>
+    </p:extLst>
+  </p:cSld>
+  <p:clrMapOvr>
+    <a:masterClrMapping/>
+  </p:clrMapOvr>
+  <mc:AlternateContent xmlns:mc="http://schemas.openxmlformats.org/markup-compatibility/2006">
+    <mc:Choice xmlns:p14="http://schemas.microsoft.com/office/powerpoint/2010/main" Requires="p14">
+      <p:transition spd="slow" p14:dur="2000"/>
+    </mc:Choice>
+    <mc:Fallback>
+      <p:transition spd="slow"/>
+    </mc:Fallback>
+  </mc:AlternateContent>
+  <p:timing>
+    <p:tnLst>
+      <p:par>
+        <p:cTn id="1" dur="indefinite" restart="never" nodeType="tmRoot"/>
+      </p:par>
+    </p:tnLst>
+  </p:timing>
+</p:sld>
+</file>
+
+<file path=ppt/slides/slide12.xml><?xml version="1.0" encoding="utf-8"?>
+<p:sld xmlns:a="http://schemas.openxmlformats.org/drawingml/2006/main" xmlns:r="http://schemas.openxmlformats.org/officeDocument/2006/relationships" xmlns:p="http://schemas.openxmlformats.org/presentationml/2006/main" xmlns:p14="http://schemas.microsoft.com/office/powerpoint/2010/main">
+  <p:cSld>
+    <p:spTree>
+      <p:nvGrpSpPr>
+        <p:cNvPr id="1" name=""/>
+        <p:cNvGrpSpPr/>
+        <p:nvPr/>
+      </p:nvGrpSpPr>
+      <p:grpSpPr>
+        <a:xfrm>
+          <a:off x="0" y="0"/>
+          <a:ext cx="0" cy="0"/>
+          <a:chOff x="0" y="0"/>
+          <a:chExt cx="0" cy="0"/>
+        </a:xfrm>
+      </p:grpSpPr>
+      <p:sp>
+        <p:nvSpPr>
+          <p:cNvPr id="4" name="직사각형 3"/>
+          <p:cNvSpPr/>
+          <p:nvPr/>
+        </p:nvSpPr>
+        <p:spPr>
+          <a:xfrm>
+            <a:off x="35560" y="44450"/>
+            <a:ext cx="3312160" cy="504190"/>
+          </a:xfrm>
+          <a:prstGeom prst="rect">
+            <a:avLst/>
+          </a:prstGeom>
+          <a:noFill/>
+        </p:spPr>
+        <p:style>
+          <a:lnRef idx="2">
+            <a:schemeClr val="accent1">
+              <a:shade val="50000"/>
+            </a:schemeClr>
+          </a:lnRef>
+          <a:fillRef idx="1">
+            <a:schemeClr val="accent1"/>
+          </a:fillRef>
+          <a:effectRef idx="0">
+            <a:schemeClr val="accent1"/>
+          </a:effectRef>
+          <a:fontRef idx="minor">
+            <a:schemeClr val="lt1"/>
+          </a:fontRef>
+        </p:style>
+        <p:txBody>
+          <a:bodyPr rtlCol="0" anchor="b"/>
+          <a:lstStyle/>
+          <a:p>
+            <a:pPr algn="ctr">
+              <a:lnSpc>
+                <a:spcPct val="150000"/>
+              </a:lnSpc>
+            </a:pPr>
+            <a:r>
+              <a:rPr lang="ko-KR" altLang="en-US" sz="2000" b="1" dirty="0">
+                <a:solidFill>
+                  <a:schemeClr val="tx1"/>
+                </a:solidFill>
+              </a:rPr>
+              <a:t>주요 소스 </a:t>
+            </a:r>
+            <a:r>
+              <a:rPr lang="en-US" altLang="ko-KR" sz="2000" b="1" dirty="0">
+                <a:solidFill>
+                  <a:schemeClr val="tx1"/>
+                </a:solidFill>
+              </a:rPr>
+              <a:t>[Code Review]</a:t>
+            </a:r>
+            <a:endParaRPr lang="ko-KR" altLang="en-US" sz="2000" b="1" dirty="0">
+              <a:solidFill>
+                <a:schemeClr val="tx1"/>
+              </a:solidFill>
+            </a:endParaRPr>
+          </a:p>
+        </p:txBody>
+      </p:sp>
+      <p:sp>
+        <p:nvSpPr>
+          <p:cNvPr id="5" name="직사각형 4"/>
+          <p:cNvSpPr/>
+          <p:nvPr/>
+        </p:nvSpPr>
+        <p:spPr>
+          <a:xfrm>
+            <a:off x="35560" y="620395"/>
+            <a:ext cx="3312160" cy="431800"/>
+          </a:xfrm>
+          <a:prstGeom prst="rect">
+            <a:avLst/>
+          </a:prstGeom>
+          <a:noFill/>
+        </p:spPr>
+        <p:style>
+          <a:lnRef idx="2">
+            <a:schemeClr val="accent1">
+              <a:shade val="50000"/>
+            </a:schemeClr>
+          </a:lnRef>
+          <a:fillRef idx="1">
+            <a:schemeClr val="accent1"/>
+          </a:fillRef>
+          <a:effectRef idx="0">
+            <a:schemeClr val="accent1"/>
+          </a:effectRef>
+          <a:fontRef idx="minor">
+            <a:schemeClr val="lt1"/>
+          </a:fontRef>
+        </p:style>
+        <p:txBody>
+          <a:bodyPr rtlCol="0" anchor="b"/>
+          <a:lstStyle/>
+          <a:p>
+            <a:pPr algn="ctr">
+              <a:lnSpc>
+                <a:spcPct val="150000"/>
+              </a:lnSpc>
+            </a:pPr>
+            <a:r>
+              <a:rPr lang="en-US" altLang="ko-KR" sz="2000" b="1" dirty="0">
+                <a:solidFill>
+                  <a:schemeClr val="tx1"/>
+                </a:solidFill>
+              </a:rPr>
+              <a:t>Total</a:t>
+            </a:r>
+            <a:endParaRPr lang="ko-KR" altLang="en-US" sz="2000" b="1" dirty="0">
+              <a:solidFill>
+                <a:schemeClr val="tx1"/>
+              </a:solidFill>
+            </a:endParaRPr>
+          </a:p>
+        </p:txBody>
+      </p:sp>
+      <p:cxnSp>
+        <p:nvCxnSpPr>
+          <p:cNvPr id="7" name="직선 연결선 6"/>
+          <p:cNvCxnSpPr/>
+          <p:nvPr/>
+        </p:nvCxnSpPr>
+        <p:spPr>
+          <a:xfrm>
+            <a:off x="3491865" y="1052830"/>
+            <a:ext cx="5544820" cy="0"/>
+          </a:xfrm>
+          <a:prstGeom prst="line">
+            <a:avLst/>
+          </a:prstGeom>
+          <a:ln w="28575"/>
+        </p:spPr>
+        <p:style>
+          <a:lnRef idx="1">
+            <a:schemeClr val="accent1"/>
+          </a:lnRef>
+          <a:fillRef idx="0">
+            <a:schemeClr val="accent1"/>
+          </a:fillRef>
+          <a:effectRef idx="0">
+            <a:schemeClr val="accent1"/>
+          </a:effectRef>
+          <a:fontRef idx="minor">
+            <a:schemeClr val="tx1"/>
+          </a:fontRef>
+        </p:style>
+      </p:cxnSp>
+      <p:sp>
+        <p:nvSpPr>
+          <p:cNvPr id="8" name="TextBox 7"/>
+          <p:cNvSpPr txBox="1"/>
+          <p:nvPr/>
+        </p:nvSpPr>
+        <p:spPr>
+          <a:xfrm>
+            <a:off x="3491865" y="620395"/>
+            <a:ext cx="751840" cy="369570"/>
+          </a:xfrm>
+          <a:prstGeom prst="rect">
+            <a:avLst/>
+          </a:prstGeom>
+          <a:noFill/>
+        </p:spPr>
+        <p:txBody>
+          <a:bodyPr wrap="none" rtlCol="0">
+            <a:spAutoFit/>
+          </a:bodyPr>
+          <a:lstStyle/>
+          <a:p>
+            <a:r>
+              <a:rPr lang="en-US" altLang="ko-KR" dirty="0"/>
+              <a:t>React</a:t>
+            </a:r>
+            <a:endParaRPr lang="ko-KR" altLang="en-US" dirty="0"/>
+          </a:p>
+        </p:txBody>
+      </p:sp>
+      <p:cxnSp>
+        <p:nvCxnSpPr>
+          <p:cNvPr id="11" name="직선 연결선 10"/>
+          <p:cNvCxnSpPr/>
+          <p:nvPr/>
+        </p:nvCxnSpPr>
+        <p:spPr>
+          <a:xfrm>
+            <a:off x="35560" y="1205230"/>
+            <a:ext cx="9001125" cy="0"/>
+          </a:xfrm>
+          <a:prstGeom prst="line">
+            <a:avLst/>
+          </a:prstGeom>
+          <a:ln w="28575"/>
+        </p:spPr>
+        <p:style>
+          <a:lnRef idx="1">
+            <a:schemeClr val="accent1"/>
+          </a:lnRef>
+          <a:fillRef idx="0">
+            <a:schemeClr val="accent1"/>
+          </a:fillRef>
+          <a:effectRef idx="0">
+            <a:schemeClr val="accent1"/>
+          </a:effectRef>
+          <a:fontRef idx="minor">
+            <a:schemeClr val="tx1"/>
+          </a:fontRef>
+        </p:style>
+      </p:cxnSp>
+      <p:cxnSp>
+        <p:nvCxnSpPr>
+          <p:cNvPr id="14" name="직선 연결선 13"/>
+          <p:cNvCxnSpPr/>
+          <p:nvPr/>
+        </p:nvCxnSpPr>
+        <p:spPr>
+          <a:xfrm>
+            <a:off x="35560" y="6741160"/>
+            <a:ext cx="9001125" cy="0"/>
+          </a:xfrm>
+          <a:prstGeom prst="line">
+            <a:avLst/>
+          </a:prstGeom>
+          <a:ln w="28575"/>
+        </p:spPr>
+        <p:style>
+          <a:lnRef idx="1">
+            <a:schemeClr val="accent1"/>
+          </a:lnRef>
+          <a:fillRef idx="0">
+            <a:schemeClr val="accent1"/>
+          </a:fillRef>
+          <a:effectRef idx="0">
+            <a:schemeClr val="accent1"/>
+          </a:effectRef>
+          <a:fontRef idx="minor">
+            <a:schemeClr val="tx1"/>
+          </a:fontRef>
+        </p:style>
+      </p:cxnSp>
+      <p:cxnSp>
+        <p:nvCxnSpPr>
+          <p:cNvPr id="15" name="직선 연결선 14"/>
+          <p:cNvCxnSpPr/>
+          <p:nvPr/>
+        </p:nvCxnSpPr>
+        <p:spPr>
+          <a:xfrm>
+            <a:off x="35560" y="1196975"/>
+            <a:ext cx="0" cy="5544820"/>
+          </a:xfrm>
+          <a:prstGeom prst="line">
+            <a:avLst/>
+          </a:prstGeom>
+          <a:ln w="28575"/>
+        </p:spPr>
+        <p:style>
+          <a:lnRef idx="1">
+            <a:schemeClr val="accent1"/>
+          </a:lnRef>
+          <a:fillRef idx="0">
+            <a:schemeClr val="accent1"/>
+          </a:fillRef>
+          <a:effectRef idx="0">
+            <a:schemeClr val="accent1"/>
+          </a:effectRef>
+          <a:fontRef idx="minor">
+            <a:schemeClr val="tx1"/>
+          </a:fontRef>
+        </p:style>
+      </p:cxnSp>
+      <p:cxnSp>
+        <p:nvCxnSpPr>
+          <p:cNvPr id="19" name="직선 연결선 18"/>
+          <p:cNvCxnSpPr/>
+          <p:nvPr/>
+        </p:nvCxnSpPr>
+        <p:spPr>
+          <a:xfrm>
+            <a:off x="9036685" y="1205230"/>
+            <a:ext cx="0" cy="5544820"/>
+          </a:xfrm>
+          <a:prstGeom prst="line">
+            <a:avLst/>
+          </a:prstGeom>
+          <a:ln w="28575"/>
+        </p:spPr>
+        <p:style>
+          <a:lnRef idx="1">
+            <a:schemeClr val="accent1"/>
+          </a:lnRef>
+          <a:fillRef idx="0">
+            <a:schemeClr val="accent1"/>
+          </a:fillRef>
+          <a:effectRef idx="0">
+            <a:schemeClr val="accent1"/>
+          </a:effectRef>
+          <a:fontRef idx="minor">
+            <a:schemeClr val="tx1"/>
+          </a:fontRef>
+        </p:style>
+      </p:cxnSp>
+      <p:cxnSp>
+        <p:nvCxnSpPr>
+          <p:cNvPr id="20" name="직선 연결선 19"/>
+          <p:cNvCxnSpPr/>
+          <p:nvPr/>
+        </p:nvCxnSpPr>
+        <p:spPr>
+          <a:xfrm>
+            <a:off x="4572000" y="1205230"/>
+            <a:ext cx="0" cy="5544820"/>
+          </a:xfrm>
+          <a:prstGeom prst="line">
+            <a:avLst/>
+          </a:prstGeom>
+          <a:ln w="28575"/>
+        </p:spPr>
+        <p:style>
+          <a:lnRef idx="1">
+            <a:schemeClr val="accent1"/>
+          </a:lnRef>
+          <a:fillRef idx="0">
+            <a:schemeClr val="accent1"/>
+          </a:fillRef>
+          <a:effectRef idx="0">
+            <a:schemeClr val="accent1"/>
+          </a:effectRef>
+          <a:fontRef idx="minor">
+            <a:schemeClr val="tx1"/>
+          </a:fontRef>
+        </p:style>
+      </p:cxnSp>
+      <p:cxnSp>
+        <p:nvCxnSpPr>
+          <p:cNvPr id="21" name="직선 연결선 20"/>
+          <p:cNvCxnSpPr/>
+          <p:nvPr/>
+        </p:nvCxnSpPr>
+        <p:spPr>
+          <a:xfrm>
+            <a:off x="9036685" y="4869180"/>
+            <a:ext cx="0" cy="0"/>
+          </a:xfrm>
+          <a:prstGeom prst="line">
+            <a:avLst/>
+          </a:prstGeom>
+          <a:ln w="28575"/>
+        </p:spPr>
+        <p:style>
+          <a:lnRef idx="1">
+            <a:schemeClr val="accent1"/>
+          </a:lnRef>
+          <a:fillRef idx="0">
+            <a:schemeClr val="accent1"/>
+          </a:fillRef>
+          <a:effectRef idx="0">
+            <a:schemeClr val="accent1"/>
+          </a:effectRef>
+          <a:fontRef idx="minor">
+            <a:schemeClr val="tx1"/>
+          </a:fontRef>
+        </p:style>
+      </p:cxnSp>
+      <p:cxnSp>
+        <p:nvCxnSpPr>
+          <p:cNvPr id="28" name="직선 연결선 27"/>
+          <p:cNvCxnSpPr/>
+          <p:nvPr/>
+        </p:nvCxnSpPr>
+        <p:spPr>
+          <a:xfrm>
+            <a:off x="4572000" y="4725035"/>
+            <a:ext cx="4464685" cy="0"/>
+          </a:xfrm>
+          <a:prstGeom prst="line">
+            <a:avLst/>
+          </a:prstGeom>
+          <a:ln w="28575"/>
+        </p:spPr>
+        <p:style>
+          <a:lnRef idx="1">
+            <a:schemeClr val="accent1"/>
+          </a:lnRef>
+          <a:fillRef idx="0">
+            <a:schemeClr val="accent1"/>
+          </a:fillRef>
+          <a:effectRef idx="0">
+            <a:schemeClr val="accent1"/>
+          </a:effectRef>
+          <a:fontRef idx="minor">
+            <a:schemeClr val="tx1"/>
+          </a:fontRef>
+        </p:style>
+      </p:cxnSp>
+      <p:sp>
+        <p:nvSpPr>
+          <p:cNvPr id="31" name="직사각형 30"/>
+          <p:cNvSpPr/>
+          <p:nvPr/>
+        </p:nvSpPr>
+        <p:spPr>
+          <a:xfrm>
+            <a:off x="3563620" y="44450"/>
+            <a:ext cx="2808605" cy="504190"/>
+          </a:xfrm>
+          <a:prstGeom prst="rect">
+            <a:avLst/>
+          </a:prstGeom>
+          <a:noFill/>
+        </p:spPr>
+        <p:style>
+          <a:lnRef idx="2">
+            <a:schemeClr val="accent1">
+              <a:shade val="50000"/>
+            </a:schemeClr>
+          </a:lnRef>
+          <a:fillRef idx="1">
+            <a:schemeClr val="accent1"/>
+          </a:fillRef>
+          <a:effectRef idx="0">
+            <a:schemeClr val="accent1"/>
+          </a:effectRef>
+          <a:fontRef idx="minor">
+            <a:schemeClr val="lt1"/>
+          </a:fontRef>
+        </p:style>
+        <p:txBody>
+          <a:bodyPr rtlCol="0" anchor="ctr"/>
+          <a:lstStyle/>
+          <a:p>
+            <a:pPr algn="ctr">
+              <a:lnSpc>
+                <a:spcPct val="150000"/>
+              </a:lnSpc>
+            </a:pPr>
+            <a:r>
+              <a:rPr lang="ko-KR" altLang="en-US" sz="2000" b="1" dirty="0">
+                <a:solidFill>
+                  <a:schemeClr val="tx1"/>
+                </a:solidFill>
+              </a:rPr>
+              <a:t>영화관 지도 표시</a:t>
+            </a:r>
+          </a:p>
+        </p:txBody>
+      </p:sp>
+      <p:sp>
+        <p:nvSpPr>
+          <p:cNvPr id="32" name="TextBox 31"/>
+          <p:cNvSpPr txBox="1"/>
+          <p:nvPr/>
+        </p:nvSpPr>
+        <p:spPr>
+          <a:xfrm>
+            <a:off x="4626610" y="4797425"/>
+            <a:ext cx="4378325" cy="1477645"/>
+          </a:xfrm>
+          <a:prstGeom prst="rect">
+            <a:avLst/>
+          </a:prstGeom>
+          <a:noFill/>
+        </p:spPr>
+        <p:txBody>
+          <a:bodyPr wrap="none" rtlCol="0">
+            <a:spAutoFit/>
+          </a:bodyPr>
+          <a:lstStyle/>
+          <a:p>
+            <a:r>
+              <a:rPr lang="en-US" altLang="ko-KR" dirty="0" err="1"/>
+              <a:t>Movietheat</a:t>
+            </a:r>
+            <a:r>
+              <a:rPr lang="ko-KR" altLang="en-US" dirty="0"/>
+              <a:t>함수에 영화관 목록 매개변수</a:t>
+            </a:r>
+            <a:endParaRPr lang="en-US" altLang="ko-KR" dirty="0"/>
+          </a:p>
+          <a:p>
+            <a:r>
+              <a:rPr lang="ko-KR" altLang="en-US" dirty="0"/>
+              <a:t>로 받아온 것과 지도를 매개변수로 사용</a:t>
+            </a:r>
+            <a:endParaRPr lang="en-US" altLang="ko-KR" dirty="0"/>
+          </a:p>
+          <a:p>
+            <a:r>
+              <a:rPr lang="en-US" altLang="ko-KR" dirty="0"/>
+              <a:t>For</a:t>
+            </a:r>
+            <a:r>
+              <a:rPr lang="ko-KR" altLang="en-US" dirty="0"/>
+              <a:t>문을 이용해 영화관의 개수만큼 영화</a:t>
+            </a:r>
+            <a:endParaRPr lang="en-US" altLang="ko-KR" dirty="0"/>
+          </a:p>
+          <a:p>
+            <a:r>
+              <a:rPr lang="ko-KR" altLang="en-US" dirty="0"/>
+              <a:t>관의 위도 경도를 뽑아와서 지도에 해당</a:t>
+            </a:r>
+            <a:endParaRPr lang="en-US" altLang="ko-KR" dirty="0"/>
+          </a:p>
+          <a:p>
+            <a:r>
+              <a:rPr lang="ko-KR" altLang="en-US" dirty="0"/>
+              <a:t>위치로 마커를 생성함</a:t>
+            </a:r>
+            <a:endParaRPr lang="en-US" altLang="ko-KR" dirty="0"/>
+          </a:p>
+        </p:txBody>
+      </p:sp>
+      <p:pic>
+        <p:nvPicPr>
+          <p:cNvPr id="3" name="그림 2">
+            <a:extLst>
+              <a:ext uri="{FF2B5EF4-FFF2-40B4-BE49-F238E27FC236}">
+                <a16:creationId xmlns:a16="http://schemas.microsoft.com/office/drawing/2014/main" id="{501CACC6-6CD4-4ECB-9223-15699EB88A51}"/>
+              </a:ext>
+            </a:extLst>
+          </p:cNvPr>
+          <p:cNvPicPr>
+            <a:picLocks noChangeAspect="1"/>
+          </p:cNvPicPr>
+          <p:nvPr/>
+        </p:nvPicPr>
+        <p:blipFill>
+          <a:blip r:embed="rId2">
+            <a:extLst>
+              <a:ext uri="{28A0092B-C50C-407E-A947-70E740481C1C}">
+                <a14:useLocalDpi xmlns:a14="http://schemas.microsoft.com/office/drawing/2010/main" val="0"/>
+              </a:ext>
+            </a:extLst>
+          </a:blip>
+          <a:stretch>
+            <a:fillRect/>
+          </a:stretch>
+        </p:blipFill>
+        <p:spPr>
+          <a:xfrm>
+            <a:off x="107315" y="1276985"/>
+            <a:ext cx="4396740" cy="2952115"/>
+          </a:xfrm>
+          <a:prstGeom prst="rect">
+            <a:avLst/>
+          </a:prstGeom>
+        </p:spPr>
+      </p:pic>
+      <p:pic>
+        <p:nvPicPr>
+          <p:cNvPr id="9" name="그림 8">
+            <a:extLst>
+              <a:ext uri="{FF2B5EF4-FFF2-40B4-BE49-F238E27FC236}">
+                <a16:creationId xmlns:a16="http://schemas.microsoft.com/office/drawing/2014/main" id="{88EE8C6F-A2E8-439D-AFCD-50CB8230EFE0}"/>
+              </a:ext>
+            </a:extLst>
+          </p:cNvPr>
+          <p:cNvPicPr>
+            <a:picLocks noChangeAspect="1"/>
+          </p:cNvPicPr>
+          <p:nvPr/>
+        </p:nvPicPr>
+        <p:blipFill>
+          <a:blip r:embed="rId3">
+            <a:extLst>
+              <a:ext uri="{28A0092B-C50C-407E-A947-70E740481C1C}">
+                <a14:useLocalDpi xmlns:a14="http://schemas.microsoft.com/office/drawing/2010/main" val="0"/>
+              </a:ext>
+            </a:extLst>
+          </a:blip>
+          <a:stretch>
+            <a:fillRect/>
+          </a:stretch>
+        </p:blipFill>
+        <p:spPr>
+          <a:xfrm>
+            <a:off x="501015" y="4301490"/>
+            <a:ext cx="3582035" cy="609600"/>
+          </a:xfrm>
+          <a:prstGeom prst="rect">
+            <a:avLst/>
+          </a:prstGeom>
+        </p:spPr>
+      </p:pic>
+      <p:pic>
+        <p:nvPicPr>
+          <p:cNvPr id="12" name="그림 11">
+            <a:extLst>
+              <a:ext uri="{FF2B5EF4-FFF2-40B4-BE49-F238E27FC236}">
+                <a16:creationId xmlns:a16="http://schemas.microsoft.com/office/drawing/2014/main" id="{692123E2-B0BA-4590-9CFF-B3BC95F8351F}"/>
+              </a:ext>
+            </a:extLst>
+          </p:cNvPr>
+          <p:cNvPicPr>
+            <a:picLocks noChangeAspect="1"/>
+          </p:cNvPicPr>
+          <p:nvPr/>
+        </p:nvPicPr>
+        <p:blipFill>
+          <a:blip r:embed="rId4">
+            <a:extLst>
+              <a:ext uri="{28A0092B-C50C-407E-A947-70E740481C1C}">
+                <a14:useLocalDpi xmlns:a14="http://schemas.microsoft.com/office/drawing/2010/main" val="0"/>
+              </a:ext>
+            </a:extLst>
+          </a:blip>
+          <a:stretch>
+            <a:fillRect/>
+          </a:stretch>
+        </p:blipFill>
+        <p:spPr>
+          <a:xfrm>
+            <a:off x="5504180" y="1590040"/>
+            <a:ext cx="2600960" cy="2639060"/>
+          </a:xfrm>
+          <a:prstGeom prst="rect">
+            <a:avLst/>
+          </a:prstGeom>
+        </p:spPr>
+      </p:pic>
+      <p:cxnSp>
+        <p:nvCxnSpPr>
+          <p:cNvPr id="23" name="직선 연결선 22">
+            <a:extLst>
+              <a:ext uri="{FF2B5EF4-FFF2-40B4-BE49-F238E27FC236}">
+                <a16:creationId xmlns:a16="http://schemas.microsoft.com/office/drawing/2014/main" id="{C99FD585-682B-4677-848A-BAB9D5B03572}"/>
+              </a:ext>
+            </a:extLst>
+          </p:cNvPr>
+          <p:cNvCxnSpPr>
+            <a:cxnSpLocks/>
+          </p:cNvCxnSpPr>
+          <p:nvPr/>
+        </p:nvCxnSpPr>
+        <p:spPr>
+          <a:xfrm>
+            <a:off x="35560" y="4981575"/>
+            <a:ext cx="4536440" cy="0"/>
+          </a:xfrm>
+          <a:prstGeom prst="line">
+            <a:avLst/>
+          </a:prstGeom>
+          <a:ln w="28575"/>
+        </p:spPr>
+        <p:style>
+          <a:lnRef idx="1">
+            <a:schemeClr val="accent1"/>
+          </a:lnRef>
+          <a:fillRef idx="0">
+            <a:schemeClr val="accent1"/>
+          </a:fillRef>
+          <a:effectRef idx="0">
+            <a:schemeClr val="accent1"/>
+          </a:effectRef>
+          <a:fontRef idx="minor">
+            <a:schemeClr val="tx1"/>
+          </a:fontRef>
+        </p:style>
+      </p:cxnSp>
+      <p:sp>
+        <p:nvSpPr>
+          <p:cNvPr id="25" name="TextBox 24">
+            <a:extLst>
+              <a:ext uri="{FF2B5EF4-FFF2-40B4-BE49-F238E27FC236}">
+                <a16:creationId xmlns:a16="http://schemas.microsoft.com/office/drawing/2014/main" id="{9B3C5F43-F83E-4A76-97A3-59165563B0E3}"/>
+              </a:ext>
+            </a:extLst>
+          </p:cNvPr>
+          <p:cNvSpPr txBox="1"/>
+          <p:nvPr/>
+        </p:nvSpPr>
+        <p:spPr>
+          <a:xfrm>
+            <a:off x="40640" y="4995545"/>
+            <a:ext cx="4354195" cy="1200150"/>
+          </a:xfrm>
+          <a:prstGeom prst="rect">
+            <a:avLst/>
+          </a:prstGeom>
+          <a:noFill/>
+        </p:spPr>
+        <p:txBody>
+          <a:bodyPr wrap="none" rtlCol="0">
+            <a:spAutoFit/>
+          </a:bodyPr>
+          <a:lstStyle/>
+          <a:p>
+            <a:r>
+              <a:rPr lang="ko-KR" altLang="en-US" dirty="0"/>
+              <a:t>마커를 </a:t>
+            </a:r>
+            <a:r>
+              <a:rPr lang="ko-KR" altLang="en-US" dirty="0" err="1"/>
+              <a:t>클릭했을때</a:t>
+            </a:r>
+            <a:r>
+              <a:rPr lang="ko-KR" altLang="en-US" dirty="0"/>
+              <a:t> </a:t>
+            </a:r>
+            <a:r>
+              <a:rPr lang="ko-KR" altLang="en-US" dirty="0" err="1"/>
+              <a:t>마커위치에</a:t>
+            </a:r>
+            <a:r>
+              <a:rPr lang="ko-KR" altLang="en-US" dirty="0"/>
+              <a:t> 해당하는</a:t>
+            </a:r>
+            <a:endParaRPr lang="en-US" altLang="ko-KR" dirty="0"/>
+          </a:p>
+          <a:p>
+            <a:r>
+              <a:rPr lang="ko-KR" altLang="en-US" dirty="0"/>
+              <a:t>영화관의 정보를 가져오며 영화관</a:t>
+            </a:r>
+            <a:endParaRPr lang="en-US" altLang="ko-KR" dirty="0"/>
+          </a:p>
+          <a:p>
+            <a:r>
+              <a:rPr lang="ko-KR" altLang="en-US" dirty="0"/>
+              <a:t>명칭</a:t>
+            </a:r>
+            <a:r>
+              <a:rPr lang="en-US" altLang="ko-KR" dirty="0"/>
+              <a:t>, </a:t>
+            </a:r>
+            <a:r>
+              <a:rPr lang="ko-KR" altLang="en-US" dirty="0"/>
+              <a:t>도로명주소</a:t>
+            </a:r>
+            <a:r>
+              <a:rPr lang="en-US" altLang="ko-KR" dirty="0"/>
+              <a:t>, </a:t>
+            </a:r>
+            <a:r>
+              <a:rPr lang="ko-KR" altLang="en-US" dirty="0"/>
+              <a:t>지번주소를 </a:t>
+            </a:r>
+            <a:r>
+              <a:rPr lang="en-US" altLang="ko-KR" dirty="0" err="1"/>
+              <a:t>useState</a:t>
+            </a:r>
+            <a:endParaRPr lang="en-US" altLang="ko-KR" dirty="0"/>
+          </a:p>
+          <a:p>
+            <a:r>
+              <a:rPr lang="ko-KR" altLang="en-US" dirty="0"/>
+              <a:t>함수 사용하여 </a:t>
+            </a:r>
+            <a:r>
+              <a:rPr lang="en-US" altLang="ko-KR" dirty="0"/>
+              <a:t>set</a:t>
+            </a:r>
+            <a:r>
+              <a:rPr lang="ko-KR" altLang="en-US" dirty="0"/>
+              <a:t>으로 값을 지정함</a:t>
+            </a:r>
+            <a:endParaRPr lang="en-US" altLang="ko-KR" dirty="0"/>
+          </a:p>
+        </p:txBody>
+      </p:sp>
+    </p:spTree>
+    <p:extLst>
+      <p:ext uri="{BB962C8B-B14F-4D97-AF65-F5344CB8AC3E}">
+        <p14:creationId xmlns:p14="http://schemas.microsoft.com/office/powerpoint/2010/main" val="2995016590"/>
+      </p:ext>
+    </p:extLst>
+  </p:cSld>
+  <p:clrMapOvr>
+    <a:masterClrMapping/>
+  </p:clrMapOvr>
+  <mc:AlternateContent xmlns:mc="http://schemas.openxmlformats.org/markup-compatibility/2006">
+    <mc:Choice xmlns:p14="http://schemas.microsoft.com/office/powerpoint/2010/main" Requires="p14">
+      <p:transition spd="slow" p14:dur="2000"/>
+    </mc:Choice>
+    <mc:Fallback>
+      <p:transition spd="slow"/>
+    </mc:Fallback>
+  </mc:AlternateContent>
+  <p:timing>
+    <p:tnLst>
+      <p:par>
+        <p:cTn id="1" dur="indefinite" restart="never" nodeType="tmRoot"/>
+      </p:par>
+    </p:tnLst>
+  </p:timing>
+</p:sld>
+</file>
+
+<file path=ppt/slides/slide13.xml><?xml version="1.0" encoding="utf-8"?>
+<p:sld xmlns:a="http://schemas.openxmlformats.org/drawingml/2006/main" xmlns:r="http://schemas.openxmlformats.org/officeDocument/2006/relationships" xmlns:p="http://schemas.openxmlformats.org/presentationml/2006/main" xmlns:p14="http://schemas.microsoft.com/office/powerpoint/2010/main">
+  <p:cSld>
+    <p:spTree>
+      <p:nvGrpSpPr>
+        <p:cNvPr id="1" name=""/>
+        <p:cNvGrpSpPr/>
+        <p:nvPr/>
+      </p:nvGrpSpPr>
+      <p:grpSpPr>
+        <a:xfrm>
+          <a:off x="0" y="0"/>
+          <a:ext cx="0" cy="0"/>
+          <a:chOff x="0" y="0"/>
+          <a:chExt cx="0" cy="0"/>
+        </a:xfrm>
+      </p:grpSpPr>
+      <p:sp>
+        <p:nvSpPr>
+          <p:cNvPr id="4" name="직사각형 3"/>
+          <p:cNvSpPr/>
+          <p:nvPr/>
+        </p:nvSpPr>
+        <p:spPr>
+          <a:xfrm>
+            <a:off x="35560" y="44450"/>
+            <a:ext cx="3312160" cy="504190"/>
+          </a:xfrm>
+          <a:prstGeom prst="rect">
+            <a:avLst/>
+          </a:prstGeom>
+          <a:noFill/>
+        </p:spPr>
+        <p:style>
+          <a:lnRef idx="2">
+            <a:schemeClr val="accent1">
+              <a:shade val="50000"/>
+            </a:schemeClr>
+          </a:lnRef>
+          <a:fillRef idx="1">
+            <a:schemeClr val="accent1"/>
+          </a:fillRef>
+          <a:effectRef idx="0">
+            <a:schemeClr val="accent1"/>
+          </a:effectRef>
+          <a:fontRef idx="minor">
+            <a:schemeClr val="lt1"/>
+          </a:fontRef>
+        </p:style>
+        <p:txBody>
+          <a:bodyPr rtlCol="0" anchor="b"/>
+          <a:lstStyle/>
+          <a:p>
+            <a:pPr algn="ctr">
+              <a:lnSpc>
+                <a:spcPct val="150000"/>
+              </a:lnSpc>
+            </a:pPr>
+            <a:r>
+              <a:rPr lang="ko-KR" altLang="en-US" sz="2000" b="1" dirty="0">
+                <a:solidFill>
+                  <a:schemeClr val="tx1"/>
+                </a:solidFill>
+              </a:rPr>
+              <a:t>주요 소스 </a:t>
+            </a:r>
+            <a:r>
+              <a:rPr lang="en-US" altLang="ko-KR" sz="2000" b="1" dirty="0">
+                <a:solidFill>
+                  <a:schemeClr val="tx1"/>
+                </a:solidFill>
+              </a:rPr>
+              <a:t>[Code Review]</a:t>
+            </a:r>
+            <a:endParaRPr lang="ko-KR" altLang="en-US" sz="2000" b="1" dirty="0">
+              <a:solidFill>
+                <a:schemeClr val="tx1"/>
+              </a:solidFill>
+            </a:endParaRPr>
+          </a:p>
+        </p:txBody>
+      </p:sp>
+      <p:sp>
+        <p:nvSpPr>
+          <p:cNvPr id="5" name="직사각형 4"/>
+          <p:cNvSpPr/>
+          <p:nvPr/>
+        </p:nvSpPr>
+        <p:spPr>
+          <a:xfrm>
+            <a:off x="35560" y="620395"/>
+            <a:ext cx="3312160" cy="431800"/>
+          </a:xfrm>
+          <a:prstGeom prst="rect">
+            <a:avLst/>
+          </a:prstGeom>
+          <a:noFill/>
+        </p:spPr>
+        <p:style>
+          <a:lnRef idx="2">
+            <a:schemeClr val="accent1">
+              <a:shade val="50000"/>
+            </a:schemeClr>
+          </a:lnRef>
+          <a:fillRef idx="1">
+            <a:schemeClr val="accent1"/>
+          </a:fillRef>
+          <a:effectRef idx="0">
+            <a:schemeClr val="accent1"/>
+          </a:effectRef>
+          <a:fontRef idx="minor">
+            <a:schemeClr val="lt1"/>
+          </a:fontRef>
+        </p:style>
+        <p:txBody>
+          <a:bodyPr rtlCol="0" anchor="b"/>
+          <a:lstStyle/>
+          <a:p>
+            <a:pPr algn="ctr">
+              <a:lnSpc>
+                <a:spcPct val="150000"/>
+              </a:lnSpc>
+            </a:pPr>
+            <a:r>
+              <a:rPr lang="en-US" altLang="ko-KR" sz="2000" b="1" dirty="0" err="1">
+                <a:solidFill>
+                  <a:schemeClr val="tx1"/>
+                </a:solidFill>
+              </a:rPr>
+              <a:t>MovieTheat</a:t>
+            </a:r>
+            <a:endParaRPr lang="ko-KR" altLang="en-US" sz="2000" b="1" dirty="0">
+              <a:solidFill>
+                <a:schemeClr val="tx1"/>
+              </a:solidFill>
+            </a:endParaRPr>
+          </a:p>
+        </p:txBody>
+      </p:sp>
+      <p:cxnSp>
+        <p:nvCxnSpPr>
+          <p:cNvPr id="7" name="직선 연결선 6"/>
+          <p:cNvCxnSpPr/>
+          <p:nvPr/>
+        </p:nvCxnSpPr>
+        <p:spPr>
+          <a:xfrm>
+            <a:off x="3491865" y="1052830"/>
+            <a:ext cx="5544820" cy="0"/>
+          </a:xfrm>
+          <a:prstGeom prst="line">
+            <a:avLst/>
+          </a:prstGeom>
+          <a:ln w="28575"/>
+        </p:spPr>
+        <p:style>
+          <a:lnRef idx="1">
+            <a:schemeClr val="accent1"/>
+          </a:lnRef>
+          <a:fillRef idx="0">
+            <a:schemeClr val="accent1"/>
+          </a:fillRef>
+          <a:effectRef idx="0">
+            <a:schemeClr val="accent1"/>
+          </a:effectRef>
+          <a:fontRef idx="minor">
+            <a:schemeClr val="tx1"/>
+          </a:fontRef>
+        </p:style>
+      </p:cxnSp>
+      <p:sp>
+        <p:nvSpPr>
+          <p:cNvPr id="8" name="TextBox 7"/>
+          <p:cNvSpPr txBox="1"/>
+          <p:nvPr/>
+        </p:nvSpPr>
+        <p:spPr>
+          <a:xfrm>
+            <a:off x="3491865" y="620395"/>
+            <a:ext cx="751840" cy="369570"/>
+          </a:xfrm>
+          <a:prstGeom prst="rect">
+            <a:avLst/>
+          </a:prstGeom>
+          <a:noFill/>
+        </p:spPr>
+        <p:txBody>
+          <a:bodyPr wrap="none" rtlCol="0">
+            <a:spAutoFit/>
+          </a:bodyPr>
+          <a:lstStyle/>
+          <a:p>
+            <a:r>
+              <a:rPr lang="en-US" altLang="ko-KR" dirty="0"/>
+              <a:t>React</a:t>
+            </a:r>
+            <a:endParaRPr lang="ko-KR" altLang="en-US" dirty="0"/>
+          </a:p>
+        </p:txBody>
+      </p:sp>
+      <p:cxnSp>
+        <p:nvCxnSpPr>
+          <p:cNvPr id="11" name="직선 연결선 10"/>
+          <p:cNvCxnSpPr/>
+          <p:nvPr/>
+        </p:nvCxnSpPr>
+        <p:spPr>
+          <a:xfrm>
+            <a:off x="35560" y="1205230"/>
+            <a:ext cx="9001125" cy="0"/>
+          </a:xfrm>
+          <a:prstGeom prst="line">
+            <a:avLst/>
+          </a:prstGeom>
+          <a:ln w="28575"/>
+        </p:spPr>
+        <p:style>
+          <a:lnRef idx="1">
+            <a:schemeClr val="accent1"/>
+          </a:lnRef>
+          <a:fillRef idx="0">
+            <a:schemeClr val="accent1"/>
+          </a:fillRef>
+          <a:effectRef idx="0">
+            <a:schemeClr val="accent1"/>
+          </a:effectRef>
+          <a:fontRef idx="minor">
+            <a:schemeClr val="tx1"/>
+          </a:fontRef>
+        </p:style>
+      </p:cxnSp>
+      <p:cxnSp>
+        <p:nvCxnSpPr>
+          <p:cNvPr id="14" name="직선 연결선 13"/>
+          <p:cNvCxnSpPr/>
+          <p:nvPr/>
+        </p:nvCxnSpPr>
+        <p:spPr>
+          <a:xfrm>
+            <a:off x="35560" y="6741160"/>
+            <a:ext cx="9001125" cy="0"/>
+          </a:xfrm>
+          <a:prstGeom prst="line">
+            <a:avLst/>
+          </a:prstGeom>
+          <a:ln w="28575"/>
+        </p:spPr>
+        <p:style>
+          <a:lnRef idx="1">
+            <a:schemeClr val="accent1"/>
+          </a:lnRef>
+          <a:fillRef idx="0">
+            <a:schemeClr val="accent1"/>
+          </a:fillRef>
+          <a:effectRef idx="0">
+            <a:schemeClr val="accent1"/>
+          </a:effectRef>
+          <a:fontRef idx="minor">
+            <a:schemeClr val="tx1"/>
+          </a:fontRef>
+        </p:style>
+      </p:cxnSp>
+      <p:cxnSp>
+        <p:nvCxnSpPr>
+          <p:cNvPr id="15" name="직선 연결선 14"/>
+          <p:cNvCxnSpPr/>
+          <p:nvPr/>
+        </p:nvCxnSpPr>
+        <p:spPr>
+          <a:xfrm>
+            <a:off x="35560" y="1196975"/>
+            <a:ext cx="0" cy="5544820"/>
+          </a:xfrm>
+          <a:prstGeom prst="line">
+            <a:avLst/>
+          </a:prstGeom>
+          <a:ln w="28575"/>
+        </p:spPr>
+        <p:style>
+          <a:lnRef idx="1">
+            <a:schemeClr val="accent1"/>
+          </a:lnRef>
+          <a:fillRef idx="0">
+            <a:schemeClr val="accent1"/>
+          </a:fillRef>
+          <a:effectRef idx="0">
+            <a:schemeClr val="accent1"/>
+          </a:effectRef>
+          <a:fontRef idx="minor">
+            <a:schemeClr val="tx1"/>
+          </a:fontRef>
+        </p:style>
+      </p:cxnSp>
+      <p:cxnSp>
+        <p:nvCxnSpPr>
+          <p:cNvPr id="19" name="직선 연결선 18"/>
+          <p:cNvCxnSpPr/>
+          <p:nvPr/>
+        </p:nvCxnSpPr>
+        <p:spPr>
+          <a:xfrm>
+            <a:off x="9036685" y="1205230"/>
+            <a:ext cx="0" cy="5544820"/>
+          </a:xfrm>
+          <a:prstGeom prst="line">
+            <a:avLst/>
+          </a:prstGeom>
+          <a:ln w="28575"/>
+        </p:spPr>
+        <p:style>
+          <a:lnRef idx="1">
+            <a:schemeClr val="accent1"/>
+          </a:lnRef>
+          <a:fillRef idx="0">
+            <a:schemeClr val="accent1"/>
+          </a:fillRef>
+          <a:effectRef idx="0">
+            <a:schemeClr val="accent1"/>
+          </a:effectRef>
+          <a:fontRef idx="minor">
+            <a:schemeClr val="tx1"/>
+          </a:fontRef>
+        </p:style>
+      </p:cxnSp>
+      <p:cxnSp>
+        <p:nvCxnSpPr>
+          <p:cNvPr id="21" name="직선 연결선 20"/>
+          <p:cNvCxnSpPr/>
+          <p:nvPr/>
+        </p:nvCxnSpPr>
+        <p:spPr>
+          <a:xfrm>
+            <a:off x="9036685" y="4869180"/>
+            <a:ext cx="0" cy="0"/>
+          </a:xfrm>
+          <a:prstGeom prst="line">
+            <a:avLst/>
+          </a:prstGeom>
+          <a:ln w="28575"/>
+        </p:spPr>
+        <p:style>
+          <a:lnRef idx="1">
+            <a:schemeClr val="accent1"/>
+          </a:lnRef>
+          <a:fillRef idx="0">
+            <a:schemeClr val="accent1"/>
+          </a:fillRef>
+          <a:effectRef idx="0">
+            <a:schemeClr val="accent1"/>
+          </a:effectRef>
+          <a:fontRef idx="minor">
+            <a:schemeClr val="tx1"/>
+          </a:fontRef>
+        </p:style>
+      </p:cxnSp>
+      <p:cxnSp>
+        <p:nvCxnSpPr>
+          <p:cNvPr id="28" name="직선 연결선 27"/>
+          <p:cNvCxnSpPr>
+            <a:cxnSpLocks/>
+          </p:cNvCxnSpPr>
+          <p:nvPr/>
+        </p:nvCxnSpPr>
+        <p:spPr>
+          <a:xfrm>
+            <a:off x="35560" y="5373370"/>
+            <a:ext cx="9001125" cy="0"/>
+          </a:xfrm>
+          <a:prstGeom prst="line">
+            <a:avLst/>
+          </a:prstGeom>
+          <a:ln w="28575"/>
+        </p:spPr>
+        <p:style>
+          <a:lnRef idx="1">
+            <a:schemeClr val="accent1"/>
+          </a:lnRef>
+          <a:fillRef idx="0">
+            <a:schemeClr val="accent1"/>
+          </a:fillRef>
+          <a:effectRef idx="0">
+            <a:schemeClr val="accent1"/>
+          </a:effectRef>
+          <a:fontRef idx="minor">
+            <a:schemeClr val="tx1"/>
+          </a:fontRef>
+        </p:style>
+      </p:cxnSp>
+      <p:sp>
+        <p:nvSpPr>
+          <p:cNvPr id="31" name="직사각형 30"/>
+          <p:cNvSpPr/>
+          <p:nvPr/>
+        </p:nvSpPr>
+        <p:spPr>
+          <a:xfrm>
+            <a:off x="3563620" y="44450"/>
+            <a:ext cx="2808605" cy="504190"/>
+          </a:xfrm>
+          <a:prstGeom prst="rect">
+            <a:avLst/>
+          </a:prstGeom>
+          <a:noFill/>
+        </p:spPr>
+        <p:style>
+          <a:lnRef idx="2">
+            <a:schemeClr val="accent1">
+              <a:shade val="50000"/>
+            </a:schemeClr>
+          </a:lnRef>
+          <a:fillRef idx="1">
+            <a:schemeClr val="accent1"/>
+          </a:fillRef>
+          <a:effectRef idx="0">
+            <a:schemeClr val="accent1"/>
+          </a:effectRef>
+          <a:fontRef idx="minor">
+            <a:schemeClr val="lt1"/>
+          </a:fontRef>
+        </p:style>
+        <p:txBody>
+          <a:bodyPr rtlCol="0" anchor="ctr"/>
+          <a:lstStyle/>
+          <a:p>
+            <a:pPr algn="ctr">
+              <a:lnSpc>
+                <a:spcPct val="150000"/>
+              </a:lnSpc>
+            </a:pPr>
+            <a:r>
+              <a:rPr lang="ko-KR" altLang="en-US" sz="2000" b="1" dirty="0">
+                <a:solidFill>
+                  <a:schemeClr val="tx1"/>
+                </a:solidFill>
+              </a:rPr>
+              <a:t>영화관 지도 표시</a:t>
+            </a:r>
+          </a:p>
+        </p:txBody>
+      </p:sp>
+      <p:sp>
+        <p:nvSpPr>
+          <p:cNvPr id="32" name="TextBox 31"/>
+          <p:cNvSpPr txBox="1"/>
+          <p:nvPr/>
+        </p:nvSpPr>
+        <p:spPr>
+          <a:xfrm>
+            <a:off x="35560" y="5436235"/>
+            <a:ext cx="8896985" cy="646430"/>
+          </a:xfrm>
+          <a:prstGeom prst="rect">
+            <a:avLst/>
+          </a:prstGeom>
+          <a:noFill/>
+        </p:spPr>
+        <p:txBody>
+          <a:bodyPr wrap="none" rtlCol="0">
+            <a:spAutoFit/>
+          </a:bodyPr>
+          <a:lstStyle/>
+          <a:p>
+            <a:r>
+              <a:rPr lang="en-US" altLang="ko-KR" dirty="0"/>
+              <a:t>Movie</a:t>
+            </a:r>
+            <a:r>
+              <a:rPr lang="ko-KR" altLang="en-US" dirty="0"/>
+              <a:t>라는 함수에서 </a:t>
+            </a:r>
+            <a:r>
+              <a:rPr lang="en-US" altLang="ko-KR" dirty="0"/>
+              <a:t>Total</a:t>
+            </a:r>
+            <a:r>
+              <a:rPr lang="ko-KR" altLang="en-US" dirty="0"/>
+              <a:t>로부터 정보를 받아와 사업장명과 주소를 받아와 표기하고</a:t>
+            </a:r>
+            <a:endParaRPr lang="en-US" altLang="ko-KR" dirty="0"/>
+          </a:p>
+          <a:p>
+            <a:r>
+              <a:rPr lang="ko-KR" altLang="en-US" dirty="0"/>
+              <a:t>해당 하는 값을 </a:t>
+            </a:r>
+            <a:r>
+              <a:rPr lang="en-US" altLang="ko-KR" dirty="0"/>
+              <a:t>Total</a:t>
+            </a:r>
+            <a:r>
+              <a:rPr lang="ko-KR" altLang="en-US" dirty="0"/>
+              <a:t>의 </a:t>
+            </a:r>
+            <a:r>
+              <a:rPr lang="en-US" altLang="ko-KR" dirty="0"/>
+              <a:t>return</a:t>
+            </a:r>
+            <a:r>
+              <a:rPr lang="ko-KR" altLang="en-US" dirty="0"/>
+              <a:t>에서 </a:t>
+            </a:r>
+            <a:r>
+              <a:rPr lang="ko-KR" altLang="en-US"/>
+              <a:t>불러와 해당하는 정보를 </a:t>
+            </a:r>
+            <a:r>
+              <a:rPr lang="ko-KR" altLang="en-US" dirty="0"/>
+              <a:t>표기한다</a:t>
+            </a:r>
+            <a:r>
+              <a:rPr lang="en-US" altLang="ko-KR" dirty="0"/>
+              <a:t>.</a:t>
+            </a:r>
+            <a:endParaRPr lang="ko-KR" altLang="en-US" dirty="0"/>
+          </a:p>
+        </p:txBody>
+      </p:sp>
+      <p:pic>
+        <p:nvPicPr>
+          <p:cNvPr id="3" name="그림 2">
+            <a:extLst>
+              <a:ext uri="{FF2B5EF4-FFF2-40B4-BE49-F238E27FC236}">
+                <a16:creationId xmlns:a16="http://schemas.microsoft.com/office/drawing/2014/main" id="{0DAF0F11-4702-42CB-81B8-A2E5A1825537}"/>
+              </a:ext>
+            </a:extLst>
+          </p:cNvPr>
+          <p:cNvPicPr>
+            <a:picLocks noChangeAspect="1"/>
+          </p:cNvPicPr>
+          <p:nvPr/>
+        </p:nvPicPr>
+        <p:blipFill>
+          <a:blip r:embed="rId2">
+            <a:extLst>
+              <a:ext uri="{28A0092B-C50C-407E-A947-70E740481C1C}">
+                <a14:useLocalDpi xmlns:a14="http://schemas.microsoft.com/office/drawing/2010/main" val="0"/>
+              </a:ext>
+            </a:extLst>
+          </a:blip>
+          <a:stretch>
+            <a:fillRect/>
+          </a:stretch>
+        </p:blipFill>
+        <p:spPr>
+          <a:xfrm>
+            <a:off x="869950" y="1268095"/>
+            <a:ext cx="7230745" cy="1666875"/>
           </a:xfrm>
           <a:prstGeom prst="rect">
             <a:avLst/>
@@ -5109,8 +6623,8 @@
         </p:blipFill>
         <p:spPr>
           <a:xfrm>
-            <a:off x="2371681" y="4035119"/>
-            <a:ext cx="4108662" cy="1306740"/>
+            <a:off x="2371725" y="4035425"/>
+            <a:ext cx="4108450" cy="1306830"/>
           </a:xfrm>
           <a:prstGeom prst="rect">
             <a:avLst/>
@@ -5145,8 +6659,8 @@
         </p:blipFill>
         <p:spPr>
           <a:xfrm>
-            <a:off x="867928" y="2785249"/>
-            <a:ext cx="7116168" cy="1286054"/>
+            <a:off x="868045" y="2785110"/>
+            <a:ext cx="7116445" cy="1285875"/>
           </a:xfrm>
           <a:prstGeom prst="rect">
             <a:avLst/>
@@ -5163,6 +6677,21 @@
   <p:clrMapOvr>
     <a:masterClrMapping/>
   </p:clrMapOvr>
+  <mc:AlternateContent xmlns:mc="http://schemas.openxmlformats.org/markup-compatibility/2006">
+    <mc:Choice xmlns:p14="http://schemas.microsoft.com/office/powerpoint/2010/main" Requires="p14">
+      <p:transition spd="slow" p14:dur="2000"/>
+    </mc:Choice>
+    <mc:Fallback>
+      <p:transition spd="slow"/>
+    </mc:Fallback>
+  </mc:AlternateContent>
+  <p:timing>
+    <p:tnLst>
+      <p:par>
+        <p:cTn id="1" dur="indefinite" restart="never" nodeType="tmRoot"/>
+      </p:par>
+    </p:tnLst>
+  </p:timing>
 </p:sld>
 </file>
 
@@ -5185,18 +6714,18 @@
       </p:grpSpPr>
       <p:sp>
         <p:nvSpPr>
-          <p:cNvPr id="4" name="직사각형 3"/>
-          <p:cNvSpPr/>
-          <p:nvPr/>
-        </p:nvSpPr>
-        <p:spPr>
-          <a:xfrm>
-            <a:off x="35496" y="44624"/>
-            <a:ext cx="3312368" cy="504056"/>
-          </a:xfrm>
-          <a:prstGeom prst="rect">
-            <a:avLst/>
-          </a:prstGeom>
+          <p:cNvPr id="4" name="Rect 0"/>
+          <p:cNvSpPr>
+            <a:spLocks/>
+          </p:cNvSpPr>
+          <p:nvPr/>
+        </p:nvSpPr>
+        <p:spPr>
+          <a:xfrm rot="0">
+            <a:off x="35560" y="44450"/>
+            <a:ext cx="3313430" cy="505460"/>
+          </a:xfrm>
+          <a:prstGeom prst="rect"/>
           <a:noFill/>
         </p:spPr>
         <p:style>
@@ -5216,16 +6745,20 @@
           </a:fontRef>
         </p:style>
         <p:txBody>
-          <a:bodyPr rtlCol="0" anchor="b"/>
+          <a:bodyPr wrap="square" lIns="91440" tIns="45720" rIns="91440" bIns="45720" numCol="1" vert="horz" anchor="b">
+            <a:noAutofit/>
+          </a:bodyPr>
           <a:lstStyle/>
           <a:p>
-            <a:pPr algn="ctr">
+            <a:pPr marL="0" indent="0" algn="ctr" latinLnBrk="0">
               <a:lnSpc>
                 <a:spcPct val="150000"/>
               </a:lnSpc>
+              <a:buFontTx/>
+              <a:buNone/>
             </a:pPr>
             <a:r>
-              <a:rPr lang="ko-KR" altLang="en-US" sz="2000" b="1" dirty="0">
+              <a:rPr lang="ko-KR" altLang="en-US" sz="2000" b="1">
                 <a:solidFill>
                   <a:schemeClr val="tx1"/>
                 </a:solidFill>
@@ -5233,14 +6766,14 @@
               <a:t>주요 소스 </a:t>
             </a:r>
             <a:r>
-              <a:rPr lang="en-US" altLang="ko-KR" sz="2000" b="1" dirty="0">
+              <a:rPr lang="en-US" altLang="ko-KR" sz="2000" b="1">
                 <a:solidFill>
                   <a:schemeClr val="tx1"/>
                 </a:solidFill>
               </a:rPr>
               <a:t>[Code Review]</a:t>
             </a:r>
-            <a:endParaRPr lang="ko-KR" altLang="en-US" sz="2000" b="1" dirty="0">
+            <a:endParaRPr lang="ko-KR" altLang="en-US" sz="2000" b="1">
               <a:solidFill>
                 <a:schemeClr val="tx1"/>
               </a:solidFill>
@@ -5250,18 +6783,18 @@
       </p:sp>
       <p:sp>
         <p:nvSpPr>
-          <p:cNvPr id="5" name="직사각형 4"/>
-          <p:cNvSpPr/>
-          <p:nvPr/>
-        </p:nvSpPr>
-        <p:spPr>
-          <a:xfrm>
-            <a:off x="35496" y="620688"/>
-            <a:ext cx="3312368" cy="432048"/>
-          </a:xfrm>
-          <a:prstGeom prst="rect">
-            <a:avLst/>
-          </a:prstGeom>
+          <p:cNvPr id="5" name="Rect 0"/>
+          <p:cNvSpPr>
+            <a:spLocks/>
+          </p:cNvSpPr>
+          <p:nvPr/>
+        </p:nvSpPr>
+        <p:spPr>
+          <a:xfrm rot="0">
+            <a:off x="35560" y="620395"/>
+            <a:ext cx="3313430" cy="433070"/>
+          </a:xfrm>
+          <a:prstGeom prst="rect"/>
           <a:noFill/>
         </p:spPr>
         <p:style>
@@ -5281,23 +6814,27 @@
           </a:fontRef>
         </p:style>
         <p:txBody>
-          <a:bodyPr rtlCol="0" anchor="b"/>
+          <a:bodyPr wrap="square" lIns="91440" tIns="45720" rIns="91440" bIns="45720" numCol="1" vert="horz" anchor="b">
+            <a:noAutofit/>
+          </a:bodyPr>
           <a:lstStyle/>
           <a:p>
-            <a:pPr algn="ctr">
+            <a:pPr marL="0" indent="0" algn="ctr" latinLnBrk="0">
               <a:lnSpc>
                 <a:spcPct val="150000"/>
               </a:lnSpc>
+              <a:buFontTx/>
+              <a:buNone/>
             </a:pPr>
             <a:r>
-              <a:rPr lang="en-US" altLang="ko-KR" sz="2000" b="1" dirty="0">
+              <a:rPr lang="ko-KR" altLang="ko-KR" sz="2000" b="1">
                 <a:solidFill>
                   <a:schemeClr val="tx1"/>
                 </a:solidFill>
               </a:rPr>
-              <a:t>Navigation</a:t>
-            </a:r>
-            <a:endParaRPr lang="ko-KR" altLang="en-US" sz="2000" b="1" dirty="0">
+              <a:t>insertboard</a:t>
+            </a:r>
+            <a:endParaRPr lang="ko-KR" altLang="en-US" sz="2000" b="1">
               <a:solidFill>
                 <a:schemeClr val="tx1"/>
               </a:solidFill>
@@ -5307,19 +6844,19 @@
       </p:sp>
       <p:cxnSp>
         <p:nvCxnSpPr>
-          <p:cNvPr id="7" name="직선 연결선 6"/>
+          <p:cNvPr id="7" name="Rect 0"/>
           <p:cNvCxnSpPr/>
           <p:nvPr/>
         </p:nvCxnSpPr>
         <p:spPr>
-          <a:xfrm>
-            <a:off x="3491880" y="1052736"/>
-            <a:ext cx="5544616" cy="0"/>
-          </a:xfrm>
-          <a:prstGeom prst="line">
-            <a:avLst/>
-          </a:prstGeom>
-          <a:ln w="28575"/>
+          <a:xfrm rot="0">
+            <a:off x="3491865" y="1052830"/>
+            <a:ext cx="5546090" cy="1270"/>
+          </a:xfrm>
+          <a:prstGeom prst="line"/>
+          <a:ln w="28575" cap="flat" cmpd="sng">
+            <a:prstDash/>
+          </a:ln>
         </p:spPr>
         <p:style>
           <a:lnRef idx="1">
@@ -5338,49 +6875,53 @@
       </p:cxnSp>
       <p:sp>
         <p:nvSpPr>
-          <p:cNvPr id="8" name="TextBox 7"/>
-          <p:cNvSpPr txBox="1"/>
-          <p:nvPr/>
-        </p:nvSpPr>
-        <p:spPr>
-          <a:xfrm>
-            <a:off x="3491880" y="620688"/>
-            <a:ext cx="751552" cy="369332"/>
-          </a:xfrm>
-          <a:prstGeom prst="rect">
-            <a:avLst/>
-          </a:prstGeom>
+          <p:cNvPr id="8" name="Rect 0"/>
+          <p:cNvSpPr txBox="1">
+            <a:spLocks/>
+          </p:cNvSpPr>
+          <p:nvPr/>
+        </p:nvSpPr>
+        <p:spPr>
+          <a:xfrm rot="0">
+            <a:off x="3491865" y="620395"/>
+            <a:ext cx="607060" cy="369570"/>
+          </a:xfrm>
+          <a:prstGeom prst="rect"/>
           <a:noFill/>
         </p:spPr>
         <p:txBody>
-          <a:bodyPr wrap="none" rtlCol="0">
+          <a:bodyPr wrap="none" lIns="91440" tIns="45720" rIns="91440" bIns="45720" numCol="1" vert="horz" anchor="t">
             <a:spAutoFit/>
           </a:bodyPr>
           <a:lstStyle/>
           <a:p>
-            <a:r>
-              <a:rPr lang="en-US" altLang="ko-KR" dirty="0"/>
-              <a:t>React</a:t>
-            </a:r>
-            <a:endParaRPr lang="ko-KR" altLang="en-US" dirty="0"/>
+            <a:pPr marL="0" indent="0" latinLnBrk="0">
+              <a:buFontTx/>
+              <a:buNone/>
+            </a:pPr>
+            <a:r>
+              <a:rPr lang="ko-KR" altLang="ko-KR"/>
+              <a:t>Java</a:t>
+            </a:r>
+            <a:endParaRPr lang="ko-KR" altLang="en-US"/>
           </a:p>
         </p:txBody>
       </p:sp>
       <p:cxnSp>
         <p:nvCxnSpPr>
-          <p:cNvPr id="11" name="직선 연결선 10"/>
+          <p:cNvPr id="11" name="Rect 0"/>
           <p:cNvCxnSpPr/>
           <p:nvPr/>
         </p:nvCxnSpPr>
         <p:spPr>
-          <a:xfrm>
-            <a:off x="35496" y="1205136"/>
-            <a:ext cx="9001000" cy="0"/>
-          </a:xfrm>
-          <a:prstGeom prst="line">
-            <a:avLst/>
-          </a:prstGeom>
-          <a:ln w="28575"/>
+          <a:xfrm rot="0">
+            <a:off x="35560" y="1205230"/>
+            <a:ext cx="9002395" cy="1270"/>
+          </a:xfrm>
+          <a:prstGeom prst="line"/>
+          <a:ln w="28575" cap="flat" cmpd="sng">
+            <a:prstDash/>
+          </a:ln>
         </p:spPr>
         <p:style>
           <a:lnRef idx="1">
@@ -5399,19 +6940,19 @@
       </p:cxnSp>
       <p:cxnSp>
         <p:nvCxnSpPr>
-          <p:cNvPr id="14" name="직선 연결선 13"/>
+          <p:cNvPr id="14" name="Rect 0"/>
           <p:cNvCxnSpPr/>
           <p:nvPr/>
         </p:nvCxnSpPr>
         <p:spPr>
-          <a:xfrm>
-            <a:off x="35496" y="6741368"/>
-            <a:ext cx="9001000" cy="0"/>
-          </a:xfrm>
-          <a:prstGeom prst="line">
-            <a:avLst/>
-          </a:prstGeom>
-          <a:ln w="28575"/>
+          <a:xfrm rot="0">
+            <a:off x="35560" y="6741160"/>
+            <a:ext cx="9002395" cy="1270"/>
+          </a:xfrm>
+          <a:prstGeom prst="line"/>
+          <a:ln w="28575" cap="flat" cmpd="sng">
+            <a:prstDash/>
+          </a:ln>
         </p:spPr>
         <p:style>
           <a:lnRef idx="1">
@@ -5430,19 +6971,19 @@
       </p:cxnSp>
       <p:cxnSp>
         <p:nvCxnSpPr>
-          <p:cNvPr id="15" name="직선 연결선 14"/>
+          <p:cNvPr id="15" name="Rect 0"/>
           <p:cNvCxnSpPr/>
           <p:nvPr/>
         </p:nvCxnSpPr>
         <p:spPr>
-          <a:xfrm>
-            <a:off x="35496" y="1196752"/>
-            <a:ext cx="0" cy="5544616"/>
-          </a:xfrm>
-          <a:prstGeom prst="line">
-            <a:avLst/>
-          </a:prstGeom>
-          <a:ln w="28575"/>
+          <a:xfrm rot="0">
+            <a:off x="35560" y="1196975"/>
+            <a:ext cx="1270" cy="5546090"/>
+          </a:xfrm>
+          <a:prstGeom prst="line"/>
+          <a:ln w="28575" cap="flat" cmpd="sng">
+            <a:prstDash/>
+          </a:ln>
         </p:spPr>
         <p:style>
           <a:lnRef idx="1">
@@ -5461,19 +7002,19 @@
       </p:cxnSp>
       <p:cxnSp>
         <p:nvCxnSpPr>
-          <p:cNvPr id="19" name="직선 연결선 18"/>
+          <p:cNvPr id="19" name="Rect 0"/>
           <p:cNvCxnSpPr/>
           <p:nvPr/>
         </p:nvCxnSpPr>
         <p:spPr>
-          <a:xfrm>
-            <a:off x="9036496" y="1205136"/>
-            <a:ext cx="0" cy="5544616"/>
-          </a:xfrm>
-          <a:prstGeom prst="line">
-            <a:avLst/>
-          </a:prstGeom>
-          <a:ln w="28575"/>
+          <a:xfrm rot="0">
+            <a:off x="9036685" y="1205230"/>
+            <a:ext cx="1270" cy="5546090"/>
+          </a:xfrm>
+          <a:prstGeom prst="line"/>
+          <a:ln w="28575" cap="flat" cmpd="sng">
+            <a:prstDash/>
+          </a:ln>
         </p:spPr>
         <p:style>
           <a:lnRef idx="1">
@@ -5492,19 +7033,19 @@
       </p:cxnSp>
       <p:cxnSp>
         <p:nvCxnSpPr>
-          <p:cNvPr id="20" name="직선 연결선 19"/>
+          <p:cNvPr id="20" name="Rect 0"/>
           <p:cNvCxnSpPr/>
           <p:nvPr/>
         </p:nvCxnSpPr>
         <p:spPr>
-          <a:xfrm>
-            <a:off x="4572000" y="1205136"/>
-            <a:ext cx="0" cy="5544616"/>
-          </a:xfrm>
-          <a:prstGeom prst="line">
-            <a:avLst/>
-          </a:prstGeom>
-          <a:ln w="28575"/>
+          <a:xfrm rot="0">
+            <a:off x="4563745" y="3716020"/>
+            <a:ext cx="9525" cy="3035300"/>
+          </a:xfrm>
+          <a:prstGeom prst="line"/>
+          <a:ln w="28575" cap="flat" cmpd="sng">
+            <a:prstDash/>
+          </a:ln>
         </p:spPr>
         <p:style>
           <a:lnRef idx="1">
@@ -5523,19 +7064,19 @@
       </p:cxnSp>
       <p:cxnSp>
         <p:nvCxnSpPr>
-          <p:cNvPr id="21" name="직선 연결선 20"/>
+          <p:cNvPr id="21" name="Rect 0"/>
           <p:cNvCxnSpPr/>
           <p:nvPr/>
         </p:nvCxnSpPr>
         <p:spPr>
-          <a:xfrm>
-            <a:off x="9036496" y="4869160"/>
-            <a:ext cx="0" cy="0"/>
-          </a:xfrm>
-          <a:prstGeom prst="line">
-            <a:avLst/>
-          </a:prstGeom>
-          <a:ln w="28575"/>
+          <a:xfrm rot="0">
+            <a:off x="9036685" y="4869180"/>
+            <a:ext cx="1270" cy="1270"/>
+          </a:xfrm>
+          <a:prstGeom prst="line"/>
+          <a:ln w="28575" cap="flat" cmpd="sng">
+            <a:prstDash/>
+          </a:ln>
         </p:spPr>
         <p:style>
           <a:lnRef idx="1">
@@ -5554,19 +7095,19 @@
       </p:cxnSp>
       <p:cxnSp>
         <p:nvCxnSpPr>
-          <p:cNvPr id="28" name="직선 연결선 27"/>
+          <p:cNvPr id="28" name="Rect 0"/>
           <p:cNvCxnSpPr/>
           <p:nvPr/>
         </p:nvCxnSpPr>
         <p:spPr>
-          <a:xfrm>
-            <a:off x="4572000" y="4725144"/>
-            <a:ext cx="4464496" cy="0"/>
-          </a:xfrm>
-          <a:prstGeom prst="line">
-            <a:avLst/>
-          </a:prstGeom>
-          <a:ln w="28575"/>
+          <a:xfrm rot="0">
+            <a:off x="16510" y="3716020"/>
+            <a:ext cx="9004935" cy="4445"/>
+          </a:xfrm>
+          <a:prstGeom prst="line"/>
+          <a:ln w="28575" cap="flat" cmpd="sng">
+            <a:prstDash/>
+          </a:ln>
         </p:spPr>
         <p:style>
           <a:lnRef idx="1">
@@ -5585,18 +7126,18 @@
       </p:cxnSp>
       <p:sp>
         <p:nvSpPr>
-          <p:cNvPr id="31" name="직사각형 30"/>
-          <p:cNvSpPr/>
-          <p:nvPr/>
-        </p:nvSpPr>
-        <p:spPr>
-          <a:xfrm>
-            <a:off x="3563888" y="44624"/>
-            <a:ext cx="2808312" cy="504056"/>
-          </a:xfrm>
-          <a:prstGeom prst="rect">
-            <a:avLst/>
-          </a:prstGeom>
+          <p:cNvPr id="31" name="Rect 0"/>
+          <p:cNvSpPr>
+            <a:spLocks/>
+          </p:cNvSpPr>
+          <p:nvPr/>
+        </p:nvSpPr>
+        <p:spPr>
+          <a:xfrm rot="0">
+            <a:off x="3563620" y="44450"/>
+            <a:ext cx="2809875" cy="505460"/>
+          </a:xfrm>
+          <a:prstGeom prst="rect"/>
           <a:noFill/>
         </p:spPr>
         <p:style>
@@ -5616,115 +7157,122 @@
           </a:fontRef>
         </p:style>
         <p:txBody>
-          <a:bodyPr rtlCol="0" anchor="ctr"/>
+          <a:bodyPr wrap="square" lIns="91440" tIns="45720" rIns="91440" bIns="45720" numCol="1" vert="horz" anchor="ctr">
+            <a:noAutofit/>
+          </a:bodyPr>
           <a:lstStyle/>
           <a:p>
-            <a:pPr algn="ctr">
+            <a:pPr marL="0" indent="0" algn="ctr" latinLnBrk="0">
               <a:lnSpc>
                 <a:spcPct val="150000"/>
               </a:lnSpc>
+              <a:buFontTx/>
+              <a:buNone/>
             </a:pPr>
             <a:r>
-              <a:rPr lang="ko-KR" altLang="en-US" sz="2000" b="1" dirty="0">
+              <a:rPr lang="ko-KR" altLang="en-US" sz="2000" b="1">
                 <a:solidFill>
                   <a:schemeClr val="tx1"/>
                 </a:solidFill>
               </a:rPr>
               <a:t>영화 검색</a:t>
             </a:r>
-          </a:p>
-        </p:txBody>
-      </p:sp>
-      <p:sp>
-        <p:nvSpPr>
-          <p:cNvPr id="32" name="TextBox 31"/>
-          <p:cNvSpPr txBox="1"/>
-          <p:nvPr/>
-        </p:nvSpPr>
-        <p:spPr>
-          <a:xfrm>
-            <a:off x="4626704" y="4797152"/>
-            <a:ext cx="4286751" cy="923330"/>
-          </a:xfrm>
-          <a:prstGeom prst="rect">
-            <a:avLst/>
-          </a:prstGeom>
+            <a:endParaRPr lang="ko-KR" altLang="en-US" sz="2000" b="1">
+              <a:solidFill>
+                <a:schemeClr val="tx1"/>
+              </a:solidFill>
+            </a:endParaRPr>
+          </a:p>
+        </p:txBody>
+      </p:sp>
+      <p:sp>
+        <p:nvSpPr>
+          <p:cNvPr id="32" name="Rect 0"/>
+          <p:cNvSpPr txBox="1">
+            <a:spLocks/>
+          </p:cNvSpPr>
+          <p:nvPr/>
+        </p:nvSpPr>
+        <p:spPr>
+          <a:xfrm rot="0">
+            <a:off x="4626610" y="4797425"/>
+            <a:ext cx="4113530" cy="1476375"/>
+          </a:xfrm>
+          <a:prstGeom prst="rect"/>
           <a:noFill/>
         </p:spPr>
         <p:txBody>
-          <a:bodyPr wrap="none" rtlCol="0">
+          <a:bodyPr wrap="none" lIns="91440" tIns="45720" rIns="91440" bIns="45720" numCol="1" vert="horz" anchor="t">
             <a:spAutoFit/>
           </a:bodyPr>
           <a:lstStyle/>
           <a:p>
-            <a:r>
-              <a:rPr lang="en-US" altLang="ko-KR" dirty="0"/>
-              <a:t>Navigation</a:t>
-            </a:r>
-            <a:r>
-              <a:rPr lang="ko-KR" altLang="en-US" dirty="0"/>
-              <a:t>함수를 실행 </a:t>
-            </a:r>
-            <a:r>
-              <a:rPr lang="ko-KR" altLang="en-US" dirty="0" err="1"/>
-              <a:t>했을때</a:t>
-            </a:r>
-            <a:r>
-              <a:rPr lang="ko-KR" altLang="en-US" dirty="0"/>
-              <a:t> </a:t>
-            </a:r>
-            <a:r>
-              <a:rPr lang="en-US" altLang="ko-KR" dirty="0"/>
-              <a:t>Link</a:t>
-            </a:r>
-            <a:r>
-              <a:rPr lang="ko-KR" altLang="en-US" dirty="0"/>
-              <a:t>통해</a:t>
-            </a:r>
-            <a:endParaRPr lang="en-US" altLang="ko-KR" dirty="0"/>
-          </a:p>
-          <a:p>
-            <a:r>
-              <a:rPr lang="ko-KR" altLang="en-US" dirty="0"/>
-              <a:t>이동하는데 </a:t>
-            </a:r>
-            <a:r>
-              <a:rPr lang="en-US" altLang="ko-KR" dirty="0"/>
-              <a:t>URL</a:t>
-            </a:r>
-            <a:r>
-              <a:rPr lang="ko-KR" altLang="en-US" dirty="0"/>
-              <a:t>같은 개념이 아닌 </a:t>
-            </a:r>
-            <a:r>
-              <a:rPr lang="en-US" altLang="ko-KR" dirty="0"/>
-              <a:t>path</a:t>
-            </a:r>
-          </a:p>
-          <a:p>
-            <a:r>
-              <a:rPr lang="ko-KR" altLang="en-US" dirty="0"/>
-              <a:t>같은 개념으로 이해 하면 됨</a:t>
-            </a:r>
+            <a:pPr marL="0" indent="0" latinLnBrk="0">
+              <a:buFontTx/>
+              <a:buNone/>
+            </a:pPr>
+            <a:r>
+              <a:rPr lang="ko-KR" altLang="ko-KR"/>
+              <a:t>board를 작성할때 디자인을 변경하기 </a:t>
+            </a:r>
+            <a:endParaRPr lang="ko-KR" altLang="en-US"/>
+          </a:p>
+          <a:p>
+            <a:pPr marL="0" indent="0" latinLnBrk="0">
+              <a:buFontTx/>
+              <a:buNone/>
+            </a:pPr>
+            <a:r>
+              <a:rPr lang="ko-KR" altLang="ko-KR"/>
+              <a:t>위해 summernote를 사용하였다.</a:t>
+            </a:r>
+            <a:endParaRPr lang="ko-KR" altLang="en-US"/>
+          </a:p>
+          <a:p>
+            <a:pPr marL="0" indent="0" latinLnBrk="0">
+              <a:buFontTx/>
+              <a:buNone/>
+            </a:pPr>
+            <a:r>
+              <a:rPr lang="ko-KR" altLang="ko-KR"/>
+              <a:t>textarea에 적용할 id를 입력하고</a:t>
+            </a:r>
+            <a:endParaRPr lang="ko-KR" altLang="en-US"/>
+          </a:p>
+          <a:p>
+            <a:pPr marL="0" indent="0" latinLnBrk="0">
+              <a:buFontTx/>
+              <a:buNone/>
+            </a:pPr>
+            <a:r>
+              <a:rPr lang="ko-KR" altLang="ko-KR"/>
+              <a:t>script안에 summernote의 설정을 불러</a:t>
+            </a:r>
+            <a:endParaRPr lang="ko-KR" altLang="en-US"/>
+          </a:p>
+          <a:p>
+            <a:pPr marL="0" indent="0" latinLnBrk="0">
+              <a:buFontTx/>
+              <a:buNone/>
+            </a:pPr>
+            <a:r>
+              <a:rPr lang="ko-KR" altLang="ko-KR"/>
+              <a:t>와 사용함</a:t>
+            </a:r>
+            <a:endParaRPr lang="ko-KR" altLang="en-US"/>
           </a:p>
         </p:txBody>
       </p:sp>
       <p:pic>
         <p:nvPicPr>
-          <p:cNvPr id="3" name="그림 2">
-            <a:extLst>
-              <a:ext uri="{FF2B5EF4-FFF2-40B4-BE49-F238E27FC236}">
-                <a16:creationId xmlns:a16="http://schemas.microsoft.com/office/drawing/2014/main" id="{AE852CBF-100D-40D5-B62C-88DE235B757A}"/>
-              </a:ext>
-            </a:extLst>
-          </p:cNvPr>
+          <p:cNvPr id="33" name="그림 1" descr="C:/Users/dbfjd/AppData/Roaming/PolarisOffice/ETemp/12208_20559256/fImage1351429241.png"/>
           <p:cNvPicPr>
             <a:picLocks noChangeAspect="1"/>
           </p:cNvPicPr>
           <p:nvPr/>
         </p:nvPicPr>
-        <p:blipFill>
-          <a:blip r:embed="rId2">
+        <p:blipFill rotWithShape="1">
+          <a:blip r:embed="rId2" cstate="print">
             <a:extLst>
               <a:ext uri="{28A0092B-C50C-407E-A947-70E740481C1C}">
                 <a14:useLocalDpi xmlns:a14="http://schemas.microsoft.com/office/drawing/2010/main" val="0"/>
@@ -5736,31 +7284,24 @@
           </a:stretch>
         </p:blipFill>
         <p:spPr>
-          <a:xfrm>
-            <a:off x="503272" y="1748760"/>
-            <a:ext cx="3600953" cy="1467055"/>
-          </a:xfrm>
-          <a:prstGeom prst="rect">
-            <a:avLst/>
-          </a:prstGeom>
+          <a:xfrm rot="0">
+            <a:off x="678180" y="3766185"/>
+            <a:ext cx="3420745" cy="2941320"/>
+          </a:xfrm>
+          <a:prstGeom prst="rect"/>
+          <a:noFill/>
         </p:spPr>
       </p:pic>
       <p:pic>
         <p:nvPicPr>
-          <p:cNvPr id="9" name="그림 8">
-            <a:extLst>
-              <a:ext uri="{FF2B5EF4-FFF2-40B4-BE49-F238E27FC236}">
-                <a16:creationId xmlns:a16="http://schemas.microsoft.com/office/drawing/2014/main" id="{F5764199-B12C-4532-80E4-BD800696930E}"/>
-              </a:ext>
-            </a:extLst>
-          </p:cNvPr>
+          <p:cNvPr id="34" name="그림 2" descr="C:/Users/dbfjd/AppData/Roaming/PolarisOffice/ETemp/12208_20559256/fImage46122938467.png"/>
           <p:cNvPicPr>
             <a:picLocks noChangeAspect="1"/>
           </p:cNvPicPr>
           <p:nvPr/>
         </p:nvPicPr>
-        <p:blipFill>
-          <a:blip r:embed="rId3">
+        <p:blipFill rotWithShape="1">
+          <a:blip r:embed="rId3" cstate="print">
             <a:extLst>
               <a:ext uri="{28A0092B-C50C-407E-A947-70E740481C1C}">
                 <a14:useLocalDpi xmlns:a14="http://schemas.microsoft.com/office/drawing/2010/main" val="0"/>
@@ -5772,30 +7313,97 @@
           </a:stretch>
         </p:blipFill>
         <p:spPr>
-          <a:xfrm>
-            <a:off x="5923062" y="1601101"/>
-            <a:ext cx="1762371" cy="1762371"/>
-          </a:xfrm>
-          <a:prstGeom prst="rect">
-            <a:avLst/>
-          </a:prstGeom>
+          <a:xfrm rot="0">
+            <a:off x="170180" y="1887220"/>
+            <a:ext cx="1950085" cy="1081405"/>
+          </a:xfrm>
+          <a:prstGeom prst="rect"/>
+          <a:noFill/>
+        </p:spPr>
+      </p:pic>
+      <p:pic>
+        <p:nvPicPr>
+          <p:cNvPr id="35" name="그림 3" descr="C:/Users/dbfjd/AppData/Roaming/PolarisOffice/ETemp/12208_20559256/fImage99282946334.png"/>
+          <p:cNvPicPr>
+            <a:picLocks noChangeAspect="1"/>
+          </p:cNvPicPr>
+          <p:nvPr/>
+        </p:nvPicPr>
+        <p:blipFill rotWithShape="1">
+          <a:blip r:embed="rId4" cstate="print">
+            <a:extLst>
+              <a:ext uri="{28A0092B-C50C-407E-A947-70E740481C1C}">
+                <a14:useLocalDpi xmlns:a14="http://schemas.microsoft.com/office/drawing/2010/main" val="0"/>
+              </a:ext>
+            </a:extLst>
+          </a:blip>
+          <a:stretch>
+            <a:fillRect/>
+          </a:stretch>
+        </p:blipFill>
+        <p:spPr>
+          <a:xfrm rot="0">
+            <a:off x="6908800" y="1363345"/>
+            <a:ext cx="2019935" cy="2216785"/>
+          </a:xfrm>
+          <a:prstGeom prst="rect"/>
+          <a:noFill/>
+        </p:spPr>
+      </p:pic>
+      <p:pic>
+        <p:nvPicPr>
+          <p:cNvPr id="36" name="그림 4" descr="C:/Users/dbfjd/AppData/Roaming/PolarisOffice/ETemp/12208_20559256/fImage37322956500.png"/>
+          <p:cNvPicPr>
+            <a:picLocks noChangeAspect="1"/>
+          </p:cNvPicPr>
+          <p:nvPr/>
+        </p:nvPicPr>
+        <p:blipFill rotWithShape="1">
+          <a:blip r:embed="rId5" cstate="print">
+            <a:extLst>
+              <a:ext uri="{28A0092B-C50C-407E-A947-70E740481C1C}">
+                <a14:useLocalDpi xmlns:a14="http://schemas.microsoft.com/office/drawing/2010/main" val="0"/>
+              </a:ext>
+            </a:extLst>
+          </a:blip>
+          <a:stretch>
+            <a:fillRect/>
+          </a:stretch>
+        </p:blipFill>
+        <p:spPr>
+          <a:xfrm rot="0">
+            <a:off x="2285365" y="2004695"/>
+            <a:ext cx="4639310" cy="753110"/>
+          </a:xfrm>
+          <a:prstGeom prst="rect"/>
+          <a:noFill/>
         </p:spPr>
       </p:pic>
     </p:spTree>
-    <p:extLst>
-      <p:ext uri="{BB962C8B-B14F-4D97-AF65-F5344CB8AC3E}">
-        <p14:creationId xmlns:p14="http://schemas.microsoft.com/office/powerpoint/2010/main" val="4011621938"/>
-      </p:ext>
-    </p:extLst>
   </p:cSld>
   <p:clrMapOvr>
     <a:masterClrMapping/>
   </p:clrMapOvr>
+  <mc:AlternateContent xmlns:mc="http://schemas.openxmlformats.org/markup-compatibility/2006">
+    <mc:Choice xmlns:p14="http://schemas.microsoft.com/office/powerpoint/2010/main" Requires="p14">
+      <p:transition spd="slow" p14:dur="2000"/>
+    </mc:Choice>
+    <mc:Fallback>
+      <p:transition spd="slow"/>
+    </mc:Fallback>
+  </mc:AlternateContent>
+  <p:timing>
+    <p:tnLst>
+      <p:par>
+        <p:cTn id="1" dur="indefinite" restart="never" nodeType="tmRoot"/>
+      </p:par>
+    </p:tnLst>
+  </p:timing>
 </p:sld>
 </file>
 
 <file path=ppt/slides/slide3.xml><?xml version="1.0" encoding="utf-8"?>
-<p:sld xmlns:a="http://schemas.openxmlformats.org/drawingml/2006/main" xmlns:r="http://schemas.openxmlformats.org/officeDocument/2006/relationships" xmlns:p="http://schemas.openxmlformats.org/presentationml/2006/main">
+<p:sld xmlns:a="http://schemas.openxmlformats.org/drawingml/2006/main" xmlns:r="http://schemas.openxmlformats.org/officeDocument/2006/relationships" xmlns:p="http://schemas.openxmlformats.org/presentationml/2006/main" xmlns:p14="http://schemas.microsoft.com/office/powerpoint/2010/main">
   <p:cSld>
     <p:spTree>
       <p:nvGrpSpPr>
@@ -5819,8 +7427,8 @@
         </p:nvSpPr>
         <p:spPr>
           <a:xfrm>
-            <a:off x="35496" y="44624"/>
-            <a:ext cx="3312368" cy="504056"/>
+            <a:off x="35560" y="44450"/>
+            <a:ext cx="3312160" cy="504190"/>
           </a:xfrm>
           <a:prstGeom prst="rect">
             <a:avLst/>
@@ -5884,8 +7492,8 @@
         </p:nvSpPr>
         <p:spPr>
           <a:xfrm>
-            <a:off x="35496" y="620688"/>
-            <a:ext cx="3312368" cy="432048"/>
+            <a:off x="35560" y="620395"/>
+            <a:ext cx="3312160" cy="431800"/>
           </a:xfrm>
           <a:prstGeom prst="rect">
             <a:avLst/>
@@ -5923,7 +7531,7 @@
                   <a:schemeClr val="tx1"/>
                 </a:solidFill>
               </a:rPr>
-              <a:t>Home</a:t>
+              <a:t>Index</a:t>
             </a:r>
             <a:endParaRPr lang="ko-KR" altLang="en-US" sz="2000" b="1" dirty="0">
               <a:solidFill>
@@ -5941,8 +7549,8 @@
         </p:nvCxnSpPr>
         <p:spPr>
           <a:xfrm>
-            <a:off x="3491880" y="1052736"/>
-            <a:ext cx="5544616" cy="0"/>
+            <a:off x="3491865" y="1052830"/>
+            <a:ext cx="5544820" cy="0"/>
           </a:xfrm>
           <a:prstGeom prst="line">
             <a:avLst/>
@@ -5972,8 +7580,8 @@
         </p:nvSpPr>
         <p:spPr>
           <a:xfrm>
-            <a:off x="3491880" y="620688"/>
-            <a:ext cx="751552" cy="369332"/>
+            <a:off x="3491865" y="620395"/>
+            <a:ext cx="751840" cy="369570"/>
           </a:xfrm>
           <a:prstGeom prst="rect">
             <a:avLst/>
@@ -6002,8 +7610,8 @@
         </p:nvCxnSpPr>
         <p:spPr>
           <a:xfrm>
-            <a:off x="35496" y="1205136"/>
-            <a:ext cx="9001000" cy="0"/>
+            <a:off x="35560" y="1205230"/>
+            <a:ext cx="9001125" cy="0"/>
           </a:xfrm>
           <a:prstGeom prst="line">
             <a:avLst/>
@@ -6033,8 +7641,8 @@
         </p:nvCxnSpPr>
         <p:spPr>
           <a:xfrm>
-            <a:off x="35496" y="6741368"/>
-            <a:ext cx="9001000" cy="0"/>
+            <a:off x="35560" y="6741160"/>
+            <a:ext cx="9001125" cy="0"/>
           </a:xfrm>
           <a:prstGeom prst="line">
             <a:avLst/>
@@ -6064,8 +7672,8 @@
         </p:nvCxnSpPr>
         <p:spPr>
           <a:xfrm>
-            <a:off x="35496" y="1196752"/>
-            <a:ext cx="0" cy="5544616"/>
+            <a:off x="35560" y="1196975"/>
+            <a:ext cx="0" cy="5544820"/>
           </a:xfrm>
           <a:prstGeom prst="line">
             <a:avLst/>
@@ -6095,8 +7703,8 @@
         </p:nvCxnSpPr>
         <p:spPr>
           <a:xfrm>
-            <a:off x="9036496" y="1205136"/>
-            <a:ext cx="0" cy="5544616"/>
+            <a:off x="9036685" y="1205230"/>
+            <a:ext cx="0" cy="5544820"/>
           </a:xfrm>
           <a:prstGeom prst="line">
             <a:avLst/>
@@ -6126,8 +7734,8 @@
         </p:nvCxnSpPr>
         <p:spPr>
           <a:xfrm>
-            <a:off x="4572000" y="1205136"/>
-            <a:ext cx="0" cy="5544616"/>
+            <a:off x="4572000" y="1205230"/>
+            <a:ext cx="0" cy="5544820"/>
           </a:xfrm>
           <a:prstGeom prst="line">
             <a:avLst/>
@@ -6157,7 +7765,7 @@
         </p:nvCxnSpPr>
         <p:spPr>
           <a:xfrm>
-            <a:off x="9036496" y="4869160"/>
+            <a:off x="9036685" y="4869180"/>
             <a:ext cx="0" cy="0"/>
           </a:xfrm>
           <a:prstGeom prst="line">
@@ -6188,8 +7796,8 @@
         </p:nvCxnSpPr>
         <p:spPr>
           <a:xfrm>
-            <a:off x="4572000" y="4725144"/>
-            <a:ext cx="4464496" cy="0"/>
+            <a:off x="4572000" y="4725035"/>
+            <a:ext cx="4464685" cy="0"/>
           </a:xfrm>
           <a:prstGeom prst="line">
             <a:avLst/>
@@ -6219,8 +7827,8 @@
         </p:nvSpPr>
         <p:spPr>
           <a:xfrm>
-            <a:off x="3563888" y="44624"/>
-            <a:ext cx="2808312" cy="504056"/>
+            <a:off x="3563620" y="44450"/>
+            <a:ext cx="2808605" cy="504190"/>
           </a:xfrm>
           <a:prstGeom prst="rect">
             <a:avLst/>
@@ -6271,8 +7879,8 @@
         </p:nvSpPr>
         <p:spPr>
           <a:xfrm>
-            <a:off x="4626704" y="4797152"/>
-            <a:ext cx="4447051" cy="2031325"/>
+            <a:off x="4626610" y="4797425"/>
+            <a:ext cx="3940810" cy="923290"/>
           </a:xfrm>
           <a:prstGeom prst="rect">
             <a:avLst/>
@@ -6286,87 +7894,51 @@
           <a:lstStyle/>
           <a:p>
             <a:r>
+              <a:rPr lang="en-US" altLang="ko-KR" dirty="0"/>
+              <a:t>Index</a:t>
+            </a:r>
+            <a:r>
               <a:rPr lang="ko-KR" altLang="en-US" dirty="0"/>
-              <a:t>통신을 통해 영화검색 하려는 내용이</a:t>
+              <a:t>서 </a:t>
+            </a:r>
+            <a:r>
+              <a:rPr lang="en-US" altLang="ko-KR" dirty="0"/>
+              <a:t>App</a:t>
+            </a:r>
+            <a:r>
+              <a:rPr lang="ko-KR" altLang="en-US" dirty="0"/>
+              <a:t>로 이동시킴</a:t>
             </a:r>
             <a:endParaRPr lang="en-US" altLang="ko-KR" dirty="0"/>
           </a:p>
           <a:p>
             <a:r>
+              <a:rPr lang="en-US" altLang="ko-KR" dirty="0"/>
+              <a:t>App</a:t>
+            </a:r>
+            <a:r>
               <a:rPr lang="ko-KR" altLang="en-US" dirty="0"/>
-              <a:t>없다면 찾지 않고 있다면 네이버 영화</a:t>
+              <a:t>가 실행되면 네비게이션을 통해 </a:t>
             </a:r>
             <a:endParaRPr lang="en-US" altLang="ko-KR" dirty="0"/>
           </a:p>
           <a:p>
             <a:r>
+              <a:rPr lang="en-US" altLang="ko-KR" dirty="0"/>
+              <a:t>Home</a:t>
+            </a:r>
+            <a:r>
               <a:rPr lang="ko-KR" altLang="en-US" dirty="0"/>
-              <a:t>목록을 </a:t>
+              <a:t>이나 </a:t>
             </a:r>
             <a:r>
               <a:rPr lang="en-US" altLang="ko-KR" dirty="0"/>
-              <a:t>json</a:t>
+              <a:t>location</a:t>
             </a:r>
             <a:r>
               <a:rPr lang="ko-KR" altLang="en-US" dirty="0"/>
-              <a:t>형태로 받아와서 </a:t>
-            </a:r>
-            <a:r>
-              <a:rPr lang="en-US" altLang="ko-KR" dirty="0"/>
-              <a:t>10</a:t>
-            </a:r>
-            <a:r>
-              <a:rPr lang="ko-KR" altLang="en-US" dirty="0"/>
-              <a:t>개씩</a:t>
-            </a:r>
-            <a:endParaRPr lang="en-US" altLang="ko-KR" dirty="0"/>
-          </a:p>
-          <a:p>
-            <a:r>
-              <a:rPr lang="ko-KR" altLang="en-US" dirty="0"/>
-              <a:t>화면에 출력하게 한다</a:t>
-            </a:r>
-            <a:r>
-              <a:rPr lang="en-US" altLang="ko-KR" dirty="0"/>
-              <a:t>.</a:t>
-            </a:r>
-          </a:p>
-          <a:p>
-            <a:r>
-              <a:rPr lang="en-US" altLang="ko-KR" dirty="0" err="1"/>
-              <a:t>Axios</a:t>
-            </a:r>
-            <a:r>
-              <a:rPr lang="ko-KR" altLang="en-US" dirty="0"/>
-              <a:t>를 통해 </a:t>
-            </a:r>
-            <a:r>
-              <a:rPr lang="en-US" altLang="ko-KR" dirty="0" err="1"/>
-              <a:t>Url</a:t>
-            </a:r>
-            <a:r>
-              <a:rPr lang="ko-KR" altLang="en-US" dirty="0"/>
-              <a:t>를 실행하고 정보를 불러</a:t>
-            </a:r>
-            <a:endParaRPr lang="en-US" altLang="ko-KR" dirty="0"/>
-          </a:p>
-          <a:p>
-            <a:r>
-              <a:rPr lang="ko-KR" altLang="en-US" dirty="0"/>
-              <a:t>오기 위한 </a:t>
-            </a:r>
-            <a:r>
-              <a:rPr lang="en-US" altLang="ko-KR" dirty="0"/>
-              <a:t>id</a:t>
-            </a:r>
-            <a:r>
-              <a:rPr lang="ko-KR" altLang="en-US" dirty="0"/>
-              <a:t>와 </a:t>
-            </a:r>
-            <a:endParaRPr lang="en-US" altLang="ko-KR" dirty="0"/>
-          </a:p>
-          <a:p>
-            <a:endParaRPr lang="ko-KR" altLang="en-US" dirty="0"/>
+              <a:t>를 불러옴</a:t>
+            </a:r>
           </a:p>
         </p:txBody>
       </p:sp>
@@ -6375,7 +7947,7 @@
           <p:cNvPr id="3" name="그림 2">
             <a:extLst>
               <a:ext uri="{FF2B5EF4-FFF2-40B4-BE49-F238E27FC236}">
-                <a16:creationId xmlns:a16="http://schemas.microsoft.com/office/drawing/2014/main" id="{61010657-819D-47E0-9F18-FC79C9A8D47A}"/>
+                <a16:creationId xmlns:a16="http://schemas.microsoft.com/office/drawing/2014/main" id="{CB4D4128-2565-4D5A-969F-5423EE2F04FE}"/>
               </a:ext>
             </a:extLst>
           </p:cNvPr>
@@ -6398,8 +7970,8 @@
         </p:blipFill>
         <p:spPr>
           <a:xfrm>
-            <a:off x="169850" y="1266297"/>
-            <a:ext cx="4267796" cy="5315692"/>
+            <a:off x="64135" y="1268730"/>
+            <a:ext cx="4453255" cy="1209675"/>
           </a:xfrm>
           <a:prstGeom prst="rect">
             <a:avLst/>
@@ -6411,7 +7983,7 @@
           <p:cNvPr id="9" name="그림 8">
             <a:extLst>
               <a:ext uri="{FF2B5EF4-FFF2-40B4-BE49-F238E27FC236}">
-                <a16:creationId xmlns:a16="http://schemas.microsoft.com/office/drawing/2014/main" id="{251C5072-42B7-4D5D-8CB7-88CE5BD628B4}"/>
+                <a16:creationId xmlns:a16="http://schemas.microsoft.com/office/drawing/2014/main" id="{07A35556-C8D8-4034-AC34-E020CF8662CB}"/>
               </a:ext>
             </a:extLst>
           </p:cNvPr>
@@ -6434,8 +8006,8 @@
         </p:blipFill>
         <p:spPr>
           <a:xfrm>
-            <a:off x="5041877" y="2179239"/>
-            <a:ext cx="3524742" cy="1267002"/>
+            <a:off x="4679950" y="1276985"/>
+            <a:ext cx="4248785" cy="2791460"/>
           </a:xfrm>
           <a:prstGeom prst="rect">
             <a:avLst/>
@@ -6445,18 +8017,33 @@
     </p:spTree>
     <p:extLst>
       <p:ext uri="{BB962C8B-B14F-4D97-AF65-F5344CB8AC3E}">
-        <p14:creationId xmlns:p14="http://schemas.microsoft.com/office/powerpoint/2010/main" val="1473845896"/>
+        <p14:creationId xmlns:p14="http://schemas.microsoft.com/office/powerpoint/2010/main" val="2989050781"/>
       </p:ext>
     </p:extLst>
   </p:cSld>
   <p:clrMapOvr>
     <a:masterClrMapping/>
   </p:clrMapOvr>
+  <mc:AlternateContent xmlns:mc="http://schemas.openxmlformats.org/markup-compatibility/2006">
+    <mc:Choice xmlns:p14="http://schemas.microsoft.com/office/powerpoint/2010/main" Requires="p14">
+      <p:transition spd="slow" p14:dur="2000"/>
+    </mc:Choice>
+    <mc:Fallback>
+      <p:transition spd="slow"/>
+    </mc:Fallback>
+  </mc:AlternateContent>
+  <p:timing>
+    <p:tnLst>
+      <p:par>
+        <p:cTn id="1" dur="indefinite" restart="never" nodeType="tmRoot"/>
+      </p:par>
+    </p:tnLst>
+  </p:timing>
 </p:sld>
 </file>
 
 <file path=ppt/slides/slide4.xml><?xml version="1.0" encoding="utf-8"?>
-<p:sld xmlns:a="http://schemas.openxmlformats.org/drawingml/2006/main" xmlns:r="http://schemas.openxmlformats.org/officeDocument/2006/relationships" xmlns:p="http://schemas.openxmlformats.org/presentationml/2006/main">
+<p:sld xmlns:a="http://schemas.openxmlformats.org/drawingml/2006/main" xmlns:r="http://schemas.openxmlformats.org/officeDocument/2006/relationships" xmlns:p="http://schemas.openxmlformats.org/presentationml/2006/main" xmlns:p14="http://schemas.microsoft.com/office/powerpoint/2010/main">
   <p:cSld>
     <p:spTree>
       <p:nvGrpSpPr>
@@ -6480,8 +8067,8 @@
         </p:nvSpPr>
         <p:spPr>
           <a:xfrm>
-            <a:off x="35496" y="44624"/>
-            <a:ext cx="3312368" cy="504056"/>
+            <a:off x="35560" y="44450"/>
+            <a:ext cx="3312160" cy="504190"/>
           </a:xfrm>
           <a:prstGeom prst="rect">
             <a:avLst/>
@@ -6545,8 +8132,8 @@
         </p:nvSpPr>
         <p:spPr>
           <a:xfrm>
-            <a:off x="35496" y="620688"/>
-            <a:ext cx="3312368" cy="432048"/>
+            <a:off x="35560" y="620395"/>
+            <a:ext cx="3312160" cy="431800"/>
           </a:xfrm>
           <a:prstGeom prst="rect">
             <a:avLst/>
@@ -6584,7 +8171,7 @@
                   <a:schemeClr val="tx1"/>
                 </a:solidFill>
               </a:rPr>
-              <a:t>Home</a:t>
+              <a:t>Navigation</a:t>
             </a:r>
             <a:endParaRPr lang="ko-KR" altLang="en-US" sz="2000" b="1" dirty="0">
               <a:solidFill>
@@ -6602,8 +8189,8 @@
         </p:nvCxnSpPr>
         <p:spPr>
           <a:xfrm>
-            <a:off x="3491880" y="1052736"/>
-            <a:ext cx="5544616" cy="0"/>
+            <a:off x="3491865" y="1052830"/>
+            <a:ext cx="5544820" cy="0"/>
           </a:xfrm>
           <a:prstGeom prst="line">
             <a:avLst/>
@@ -6633,8 +8220,8 @@
         </p:nvSpPr>
         <p:spPr>
           <a:xfrm>
-            <a:off x="3491880" y="620688"/>
-            <a:ext cx="751552" cy="369332"/>
+            <a:off x="3491865" y="620395"/>
+            <a:ext cx="751840" cy="369570"/>
           </a:xfrm>
           <a:prstGeom prst="rect">
             <a:avLst/>
@@ -6663,8 +8250,8 @@
         </p:nvCxnSpPr>
         <p:spPr>
           <a:xfrm>
-            <a:off x="35496" y="1205136"/>
-            <a:ext cx="9001000" cy="0"/>
+            <a:off x="35560" y="1205230"/>
+            <a:ext cx="9001125" cy="0"/>
           </a:xfrm>
           <a:prstGeom prst="line">
             <a:avLst/>
@@ -6694,8 +8281,8 @@
         </p:nvCxnSpPr>
         <p:spPr>
           <a:xfrm>
-            <a:off x="35496" y="6741368"/>
-            <a:ext cx="9001000" cy="0"/>
+            <a:off x="35560" y="6741160"/>
+            <a:ext cx="9001125" cy="0"/>
           </a:xfrm>
           <a:prstGeom prst="line">
             <a:avLst/>
@@ -6725,8 +8312,8 @@
         </p:nvCxnSpPr>
         <p:spPr>
           <a:xfrm>
-            <a:off x="35496" y="1196752"/>
-            <a:ext cx="0" cy="5544616"/>
+            <a:off x="35560" y="1196975"/>
+            <a:ext cx="0" cy="5544820"/>
           </a:xfrm>
           <a:prstGeom prst="line">
             <a:avLst/>
@@ -6756,8 +8343,8 @@
         </p:nvCxnSpPr>
         <p:spPr>
           <a:xfrm>
-            <a:off x="9036496" y="1205136"/>
-            <a:ext cx="0" cy="5544616"/>
+            <a:off x="9036685" y="1205230"/>
+            <a:ext cx="0" cy="5544820"/>
           </a:xfrm>
           <a:prstGeom prst="line">
             <a:avLst/>
@@ -6787,8 +8374,8 @@
         </p:nvCxnSpPr>
         <p:spPr>
           <a:xfrm>
-            <a:off x="4572000" y="1205136"/>
-            <a:ext cx="0" cy="5544616"/>
+            <a:off x="4572000" y="1205230"/>
+            <a:ext cx="0" cy="5544820"/>
           </a:xfrm>
           <a:prstGeom prst="line">
             <a:avLst/>
@@ -6818,7 +8405,7 @@
         </p:nvCxnSpPr>
         <p:spPr>
           <a:xfrm>
-            <a:off x="9036496" y="4869160"/>
+            <a:off x="9036685" y="4869180"/>
             <a:ext cx="0" cy="0"/>
           </a:xfrm>
           <a:prstGeom prst="line">
@@ -6849,8 +8436,8 @@
         </p:nvCxnSpPr>
         <p:spPr>
           <a:xfrm>
-            <a:off x="4572000" y="5085184"/>
-            <a:ext cx="4464496" cy="0"/>
+            <a:off x="4572000" y="4725035"/>
+            <a:ext cx="4464685" cy="0"/>
           </a:xfrm>
           <a:prstGeom prst="line">
             <a:avLst/>
@@ -6880,8 +8467,8 @@
         </p:nvSpPr>
         <p:spPr>
           <a:xfrm>
-            <a:off x="3563888" y="44624"/>
-            <a:ext cx="2808312" cy="504056"/>
+            <a:off x="3563620" y="44450"/>
+            <a:ext cx="2808605" cy="504190"/>
           </a:xfrm>
           <a:prstGeom prst="rect">
             <a:avLst/>
@@ -6932,8 +8519,8 @@
         </p:nvSpPr>
         <p:spPr>
           <a:xfrm>
-            <a:off x="4579708" y="5325015"/>
-            <a:ext cx="4253472" cy="1200329"/>
+            <a:off x="4626610" y="4797425"/>
+            <a:ext cx="4286885" cy="923290"/>
           </a:xfrm>
           <a:prstGeom prst="rect">
             <a:avLst/>
@@ -6947,70 +8534,54 @@
           <a:lstStyle/>
           <a:p>
             <a:r>
+              <a:rPr lang="en-US" altLang="ko-KR" dirty="0"/>
+              <a:t>Navigation</a:t>
+            </a:r>
+            <a:r>
               <a:rPr lang="ko-KR" altLang="en-US" dirty="0"/>
-              <a:t>영화검색을 하기 전 로딩을 줄 여부를</a:t>
+              <a:t>함수를 실행 </a:t>
+            </a:r>
+            <a:r>
+              <a:rPr lang="ko-KR" altLang="en-US" dirty="0" err="1"/>
+              <a:t>했을때</a:t>
+            </a:r>
+            <a:r>
+              <a:rPr lang="ko-KR" altLang="en-US" dirty="0"/>
+              <a:t> </a:t>
+            </a:r>
+            <a:r>
+              <a:rPr lang="en-US" altLang="ko-KR" dirty="0"/>
+              <a:t>Link</a:t>
+            </a:r>
+            <a:r>
+              <a:rPr lang="ko-KR" altLang="en-US" dirty="0"/>
+              <a:t>통해</a:t>
             </a:r>
             <a:endParaRPr lang="en-US" altLang="ko-KR" dirty="0"/>
           </a:p>
           <a:p>
             <a:r>
               <a:rPr lang="ko-KR" altLang="en-US" dirty="0"/>
-              <a:t>결정하고 내용을 불러왔다면 로딩에</a:t>
-            </a:r>
-            <a:endParaRPr lang="en-US" altLang="ko-KR" dirty="0"/>
-          </a:p>
-          <a:p>
+              <a:t>이동하는데 </a:t>
+            </a:r>
             <a:r>
               <a:rPr lang="en-US" altLang="ko-KR" dirty="0"/>
-              <a:t>False</a:t>
+              <a:t>URL</a:t>
             </a:r>
             <a:r>
               <a:rPr lang="ko-KR" altLang="en-US" dirty="0"/>
-              <a:t>를 주고 영화의 이름</a:t>
+              <a:t>같은 개념이 아닌 </a:t>
             </a:r>
             <a:r>
               <a:rPr lang="en-US" altLang="ko-KR" dirty="0"/>
-              <a:t>,</a:t>
-            </a:r>
+              <a:t>path</a:t>
+            </a:r>
+          </a:p>
+          <a:p>
             <a:r>
               <a:rPr lang="ko-KR" altLang="en-US" dirty="0"/>
-              <a:t> 제목</a:t>
-            </a:r>
-            <a:r>
-              <a:rPr lang="en-US" altLang="ko-KR" dirty="0"/>
-              <a:t>,</a:t>
-            </a:r>
-            <a:r>
-              <a:rPr lang="ko-KR" altLang="en-US" dirty="0"/>
-              <a:t> 포스터</a:t>
-            </a:r>
-            <a:r>
-              <a:rPr lang="en-US" altLang="ko-KR" dirty="0"/>
-              <a:t>,</a:t>
-            </a:r>
-          </a:p>
-          <a:p>
-            <a:r>
-              <a:rPr lang="ko-KR" altLang="en-US" dirty="0"/>
-              <a:t>배우</a:t>
-            </a:r>
-            <a:r>
-              <a:rPr lang="en-US" altLang="ko-KR" dirty="0"/>
-              <a:t>, </a:t>
-            </a:r>
-            <a:r>
-              <a:rPr lang="ko-KR" altLang="en-US" dirty="0"/>
-              <a:t>연도를 </a:t>
-            </a:r>
-            <a:r>
-              <a:rPr lang="en-US" altLang="ko-KR" dirty="0"/>
-              <a:t>movie</a:t>
-            </a:r>
-            <a:r>
-              <a:rPr lang="ko-KR" altLang="en-US" dirty="0"/>
-              <a:t>에서 불러와 출력함</a:t>
-            </a:r>
-            <a:endParaRPr lang="en-US" altLang="ko-KR" dirty="0"/>
+              <a:t>같은 개념으로 이해 하면 됨</a:t>
+            </a:r>
           </a:p>
         </p:txBody>
       </p:sp>
@@ -7019,7 +8590,7 @@
           <p:cNvPr id="3" name="그림 2">
             <a:extLst>
               <a:ext uri="{FF2B5EF4-FFF2-40B4-BE49-F238E27FC236}">
-                <a16:creationId xmlns:a16="http://schemas.microsoft.com/office/drawing/2014/main" id="{944E3065-41D6-4048-BF6C-FD203286D8A1}"/>
+                <a16:creationId xmlns:a16="http://schemas.microsoft.com/office/drawing/2014/main" id="{AE852CBF-100D-40D5-B62C-88DE235B757A}"/>
               </a:ext>
             </a:extLst>
           </p:cNvPr>
@@ -7042,8 +8613,8 @@
         </p:blipFill>
         <p:spPr>
           <a:xfrm>
-            <a:off x="235140" y="1236190"/>
-            <a:ext cx="4144925" cy="5465740"/>
+            <a:off x="503555" y="1748790"/>
+            <a:ext cx="3601085" cy="1466850"/>
           </a:xfrm>
           <a:prstGeom prst="rect">
             <a:avLst/>
@@ -7052,10 +8623,10 @@
       </p:pic>
       <p:pic>
         <p:nvPicPr>
-          <p:cNvPr id="16" name="그림 15">
+          <p:cNvPr id="9" name="그림 8">
             <a:extLst>
               <a:ext uri="{FF2B5EF4-FFF2-40B4-BE49-F238E27FC236}">
-                <a16:creationId xmlns:a16="http://schemas.microsoft.com/office/drawing/2014/main" id="{D752A1AB-B275-42D1-B5BA-71843C22524E}"/>
+                <a16:creationId xmlns:a16="http://schemas.microsoft.com/office/drawing/2014/main" id="{F5764199-B12C-4532-80E4-BD800696930E}"/>
               </a:ext>
             </a:extLst>
           </p:cNvPr>
@@ -7078,44 +8649,8 @@
         </p:blipFill>
         <p:spPr>
           <a:xfrm>
-            <a:off x="4982259" y="1297603"/>
-            <a:ext cx="3643978" cy="1267298"/>
-          </a:xfrm>
-          <a:prstGeom prst="rect">
-            <a:avLst/>
-          </a:prstGeom>
-        </p:spPr>
-      </p:pic>
-      <p:pic>
-        <p:nvPicPr>
-          <p:cNvPr id="18" name="그림 17">
-            <a:extLst>
-              <a:ext uri="{FF2B5EF4-FFF2-40B4-BE49-F238E27FC236}">
-                <a16:creationId xmlns:a16="http://schemas.microsoft.com/office/drawing/2014/main" id="{A050F215-7024-4E4E-AC75-CDFB9010845A}"/>
-              </a:ext>
-            </a:extLst>
-          </p:cNvPr>
-          <p:cNvPicPr>
-            <a:picLocks noChangeAspect="1"/>
-          </p:cNvPicPr>
-          <p:nvPr/>
-        </p:nvPicPr>
-        <p:blipFill>
-          <a:blip r:embed="rId4">
-            <a:extLst>
-              <a:ext uri="{28A0092B-C50C-407E-A947-70E740481C1C}">
-                <a14:useLocalDpi xmlns:a14="http://schemas.microsoft.com/office/drawing/2010/main" val="0"/>
-              </a:ext>
-            </a:extLst>
-          </a:blip>
-          <a:stretch>
-            <a:fillRect/>
-          </a:stretch>
-        </p:blipFill>
-        <p:spPr>
-          <a:xfrm>
-            <a:off x="4879085" y="2653067"/>
-            <a:ext cx="3850326" cy="2412398"/>
+            <a:off x="5923280" y="1600835"/>
+            <a:ext cx="1762125" cy="1762125"/>
           </a:xfrm>
           <a:prstGeom prst="rect">
             <a:avLst/>
@@ -7125,18 +8660,33 @@
     </p:spTree>
     <p:extLst>
       <p:ext uri="{BB962C8B-B14F-4D97-AF65-F5344CB8AC3E}">
-        <p14:creationId xmlns:p14="http://schemas.microsoft.com/office/powerpoint/2010/main" val="1083343519"/>
+        <p14:creationId xmlns:p14="http://schemas.microsoft.com/office/powerpoint/2010/main" val="4011621938"/>
       </p:ext>
     </p:extLst>
   </p:cSld>
   <p:clrMapOvr>
     <a:masterClrMapping/>
   </p:clrMapOvr>
+  <mc:AlternateContent xmlns:mc="http://schemas.openxmlformats.org/markup-compatibility/2006">
+    <mc:Choice xmlns:p14="http://schemas.microsoft.com/office/powerpoint/2010/main" Requires="p14">
+      <p:transition spd="slow" p14:dur="2000"/>
+    </mc:Choice>
+    <mc:Fallback>
+      <p:transition spd="slow"/>
+    </mc:Fallback>
+  </mc:AlternateContent>
+  <p:timing>
+    <p:tnLst>
+      <p:par>
+        <p:cTn id="1" dur="indefinite" restart="never" nodeType="tmRoot"/>
+      </p:par>
+    </p:tnLst>
+  </p:timing>
 </p:sld>
 </file>
 
 <file path=ppt/slides/slide5.xml><?xml version="1.0" encoding="utf-8"?>
-<p:sld xmlns:a="http://schemas.openxmlformats.org/drawingml/2006/main" xmlns:r="http://schemas.openxmlformats.org/officeDocument/2006/relationships" xmlns:p="http://schemas.openxmlformats.org/presentationml/2006/main">
+<p:sld xmlns:a="http://schemas.openxmlformats.org/drawingml/2006/main" xmlns:r="http://schemas.openxmlformats.org/officeDocument/2006/relationships" xmlns:p="http://schemas.openxmlformats.org/presentationml/2006/main" xmlns:p14="http://schemas.microsoft.com/office/powerpoint/2010/main">
   <p:cSld>
     <p:spTree>
       <p:nvGrpSpPr>
@@ -7160,8 +8710,8 @@
         </p:nvSpPr>
         <p:spPr>
           <a:xfrm>
-            <a:off x="35496" y="44624"/>
-            <a:ext cx="3312368" cy="504056"/>
+            <a:off x="35560" y="44450"/>
+            <a:ext cx="3312160" cy="504190"/>
           </a:xfrm>
           <a:prstGeom prst="rect">
             <a:avLst/>
@@ -7225,8 +8775,8 @@
         </p:nvSpPr>
         <p:spPr>
           <a:xfrm>
-            <a:off x="35496" y="620688"/>
-            <a:ext cx="3312368" cy="432048"/>
+            <a:off x="35560" y="620395"/>
+            <a:ext cx="3312160" cy="431800"/>
           </a:xfrm>
           <a:prstGeom prst="rect">
             <a:avLst/>
@@ -7264,7 +8814,7 @@
                   <a:schemeClr val="tx1"/>
                 </a:solidFill>
               </a:rPr>
-              <a:t>Movie</a:t>
+              <a:t>Home</a:t>
             </a:r>
             <a:endParaRPr lang="ko-KR" altLang="en-US" sz="2000" b="1" dirty="0">
               <a:solidFill>
@@ -7282,8 +8832,8 @@
         </p:nvCxnSpPr>
         <p:spPr>
           <a:xfrm>
-            <a:off x="3491880" y="1052736"/>
-            <a:ext cx="5544616" cy="0"/>
+            <a:off x="3491865" y="1052830"/>
+            <a:ext cx="5544820" cy="0"/>
           </a:xfrm>
           <a:prstGeom prst="line">
             <a:avLst/>
@@ -7313,8 +8863,8 @@
         </p:nvSpPr>
         <p:spPr>
           <a:xfrm>
-            <a:off x="3491880" y="620688"/>
-            <a:ext cx="751552" cy="369332"/>
+            <a:off x="3491865" y="620395"/>
+            <a:ext cx="751840" cy="369570"/>
           </a:xfrm>
           <a:prstGeom prst="rect">
             <a:avLst/>
@@ -7343,8 +8893,8 @@
         </p:nvCxnSpPr>
         <p:spPr>
           <a:xfrm>
-            <a:off x="35496" y="1205136"/>
-            <a:ext cx="9001000" cy="0"/>
+            <a:off x="35560" y="1205230"/>
+            <a:ext cx="9001125" cy="0"/>
           </a:xfrm>
           <a:prstGeom prst="line">
             <a:avLst/>
@@ -7374,8 +8924,8 @@
         </p:nvCxnSpPr>
         <p:spPr>
           <a:xfrm>
-            <a:off x="35496" y="6741368"/>
-            <a:ext cx="9001000" cy="0"/>
+            <a:off x="35560" y="6741160"/>
+            <a:ext cx="9001125" cy="0"/>
           </a:xfrm>
           <a:prstGeom prst="line">
             <a:avLst/>
@@ -7405,8 +8955,8 @@
         </p:nvCxnSpPr>
         <p:spPr>
           <a:xfrm>
-            <a:off x="35496" y="1196752"/>
-            <a:ext cx="0" cy="5544616"/>
+            <a:off x="35560" y="1196975"/>
+            <a:ext cx="0" cy="5544820"/>
           </a:xfrm>
           <a:prstGeom prst="line">
             <a:avLst/>
@@ -7436,8 +8986,8 @@
         </p:nvCxnSpPr>
         <p:spPr>
           <a:xfrm>
-            <a:off x="9036496" y="1205136"/>
-            <a:ext cx="0" cy="5544616"/>
+            <a:off x="9036685" y="1205230"/>
+            <a:ext cx="0" cy="5544820"/>
           </a:xfrm>
           <a:prstGeom prst="line">
             <a:avLst/>
@@ -7462,15 +9012,13 @@
       <p:cxnSp>
         <p:nvCxnSpPr>
           <p:cNvPr id="20" name="직선 연결선 19"/>
-          <p:cNvCxnSpPr>
-            <a:cxnSpLocks/>
-          </p:cNvCxnSpPr>
+          <p:cNvCxnSpPr/>
           <p:nvPr/>
         </p:nvCxnSpPr>
         <p:spPr>
           <a:xfrm>
-            <a:off x="6084168" y="1205136"/>
-            <a:ext cx="0" cy="4312096"/>
+            <a:off x="4572000" y="1205230"/>
+            <a:ext cx="0" cy="5544820"/>
           </a:xfrm>
           <a:prstGeom prst="line">
             <a:avLst/>
@@ -7500,7 +9048,7 @@
         </p:nvCxnSpPr>
         <p:spPr>
           <a:xfrm>
-            <a:off x="9036496" y="4869160"/>
+            <a:off x="9036685" y="4869180"/>
             <a:ext cx="0" cy="0"/>
           </a:xfrm>
           <a:prstGeom prst="line">
@@ -7526,15 +9074,13 @@
       <p:cxnSp>
         <p:nvCxnSpPr>
           <p:cNvPr id="28" name="직선 연결선 27"/>
-          <p:cNvCxnSpPr>
-            <a:cxnSpLocks/>
-          </p:cNvCxnSpPr>
+          <p:cNvCxnSpPr/>
           <p:nvPr/>
         </p:nvCxnSpPr>
         <p:spPr>
           <a:xfrm>
-            <a:off x="35496" y="5517232"/>
-            <a:ext cx="6048672" cy="0"/>
+            <a:off x="4572000" y="4725035"/>
+            <a:ext cx="4464685" cy="0"/>
           </a:xfrm>
           <a:prstGeom prst="line">
             <a:avLst/>
@@ -7564,8 +9110,8 @@
         </p:nvSpPr>
         <p:spPr>
           <a:xfrm>
-            <a:off x="3563888" y="44624"/>
-            <a:ext cx="2808312" cy="504056"/>
+            <a:off x="3563620" y="44450"/>
+            <a:ext cx="2808605" cy="504190"/>
           </a:xfrm>
           <a:prstGeom prst="rect">
             <a:avLst/>
@@ -7608,12 +9154,119 @@
           </a:p>
         </p:txBody>
       </p:sp>
+      <p:sp>
+        <p:nvSpPr>
+          <p:cNvPr id="32" name="TextBox 31"/>
+          <p:cNvSpPr txBox="1"/>
+          <p:nvPr/>
+        </p:nvSpPr>
+        <p:spPr>
+          <a:xfrm>
+            <a:off x="4626610" y="4797425"/>
+            <a:ext cx="4446905" cy="2031365"/>
+          </a:xfrm>
+          <a:prstGeom prst="rect">
+            <a:avLst/>
+          </a:prstGeom>
+          <a:noFill/>
+        </p:spPr>
+        <p:txBody>
+          <a:bodyPr wrap="none" rtlCol="0">
+            <a:spAutoFit/>
+          </a:bodyPr>
+          <a:lstStyle/>
+          <a:p>
+            <a:r>
+              <a:rPr lang="ko-KR" altLang="en-US" dirty="0"/>
+              <a:t>통신을 통해 영화검색 하려는 내용이</a:t>
+            </a:r>
+            <a:endParaRPr lang="en-US" altLang="ko-KR" dirty="0"/>
+          </a:p>
+          <a:p>
+            <a:r>
+              <a:rPr lang="ko-KR" altLang="en-US" dirty="0"/>
+              <a:t>없다면 찾지 않고 있다면 네이버 영화</a:t>
+            </a:r>
+            <a:endParaRPr lang="en-US" altLang="ko-KR" dirty="0"/>
+          </a:p>
+          <a:p>
+            <a:r>
+              <a:rPr lang="ko-KR" altLang="en-US" dirty="0"/>
+              <a:t>목록을 </a:t>
+            </a:r>
+            <a:r>
+              <a:rPr lang="en-US" altLang="ko-KR" dirty="0"/>
+              <a:t>json</a:t>
+            </a:r>
+            <a:r>
+              <a:rPr lang="ko-KR" altLang="en-US" dirty="0"/>
+              <a:t>형태로 받아와서 </a:t>
+            </a:r>
+            <a:r>
+              <a:rPr lang="en-US" altLang="ko-KR" dirty="0"/>
+              <a:t>10</a:t>
+            </a:r>
+            <a:r>
+              <a:rPr lang="ko-KR" altLang="en-US" dirty="0"/>
+              <a:t>개씩</a:t>
+            </a:r>
+            <a:endParaRPr lang="en-US" altLang="ko-KR" dirty="0"/>
+          </a:p>
+          <a:p>
+            <a:r>
+              <a:rPr lang="ko-KR" altLang="en-US" dirty="0"/>
+              <a:t>화면에 출력하게 한다</a:t>
+            </a:r>
+            <a:r>
+              <a:rPr lang="en-US" altLang="ko-KR" dirty="0"/>
+              <a:t>.</a:t>
+            </a:r>
+          </a:p>
+          <a:p>
+            <a:r>
+              <a:rPr lang="en-US" altLang="ko-KR" dirty="0" err="1"/>
+              <a:t>Axios</a:t>
+            </a:r>
+            <a:r>
+              <a:rPr lang="ko-KR" altLang="en-US" dirty="0"/>
+              <a:t>를 통해 </a:t>
+            </a:r>
+            <a:r>
+              <a:rPr lang="en-US" altLang="ko-KR" dirty="0" err="1"/>
+              <a:t>Url</a:t>
+            </a:r>
+            <a:r>
+              <a:rPr lang="ko-KR" altLang="en-US" dirty="0"/>
+              <a:t>를 실행하고 정보를 불러</a:t>
+            </a:r>
+            <a:endParaRPr lang="en-US" altLang="ko-KR" dirty="0"/>
+          </a:p>
+          <a:p>
+            <a:r>
+              <a:rPr lang="ko-KR" altLang="en-US" dirty="0"/>
+              <a:t>오기 위한 </a:t>
+            </a:r>
+            <a:r>
+              <a:rPr lang="en-US" altLang="ko-KR" dirty="0"/>
+              <a:t>id</a:t>
+            </a:r>
+            <a:r>
+              <a:rPr lang="ko-KR" altLang="en-US" dirty="0"/>
+              <a:t>와 </a:t>
+            </a:r>
+            <a:endParaRPr lang="en-US" altLang="ko-KR" dirty="0"/>
+          </a:p>
+          <a:p>
+            <a:endParaRPr lang="ko-KR" altLang="en-US" dirty="0"/>
+          </a:p>
+        </p:txBody>
+      </p:sp>
       <p:pic>
         <p:nvPicPr>
           <p:cNvPr id="3" name="그림 2">
             <a:extLst>
               <a:ext uri="{FF2B5EF4-FFF2-40B4-BE49-F238E27FC236}">
-                <a16:creationId xmlns:a16="http://schemas.microsoft.com/office/drawing/2014/main" id="{C83C0051-70A5-4E8A-BDC9-445F08529E69}"/>
+                <a16:creationId xmlns:a16="http://schemas.microsoft.com/office/drawing/2014/main" id="{61010657-819D-47E0-9F18-FC79C9A8D47A}"/>
               </a:ext>
             </a:extLst>
           </p:cNvPr>
@@ -7636,59 +9289,20 @@
         </p:blipFill>
         <p:spPr>
           <a:xfrm>
-            <a:off x="95160" y="1244697"/>
-            <a:ext cx="5967595" cy="4200528"/>
+            <a:off x="169545" y="1266190"/>
+            <a:ext cx="4267835" cy="5315585"/>
           </a:xfrm>
           <a:prstGeom prst="rect">
             <a:avLst/>
           </a:prstGeom>
         </p:spPr>
       </p:pic>
-      <p:cxnSp>
-        <p:nvCxnSpPr>
-          <p:cNvPr id="24" name="직선 연결선 23">
+      <p:pic>
+        <p:nvPicPr>
+          <p:cNvPr id="9" name="그림 8">
             <a:extLst>
               <a:ext uri="{FF2B5EF4-FFF2-40B4-BE49-F238E27FC236}">
-                <a16:creationId xmlns:a16="http://schemas.microsoft.com/office/drawing/2014/main" id="{22F1565C-9765-454C-826A-E420F53BCCAA}"/>
-              </a:ext>
-            </a:extLst>
-          </p:cNvPr>
-          <p:cNvCxnSpPr>
-            <a:cxnSpLocks/>
-          </p:cNvCxnSpPr>
-          <p:nvPr/>
-        </p:nvCxnSpPr>
-        <p:spPr>
-          <a:xfrm>
-            <a:off x="6084168" y="3645024"/>
-            <a:ext cx="2952328" cy="0"/>
-          </a:xfrm>
-          <a:prstGeom prst="line">
-            <a:avLst/>
-          </a:prstGeom>
-          <a:ln w="28575"/>
-        </p:spPr>
-        <p:style>
-          <a:lnRef idx="1">
-            <a:schemeClr val="accent1"/>
-          </a:lnRef>
-          <a:fillRef idx="0">
-            <a:schemeClr val="accent1"/>
-          </a:fillRef>
-          <a:effectRef idx="0">
-            <a:schemeClr val="accent1"/>
-          </a:effectRef>
-          <a:fontRef idx="minor">
-            <a:schemeClr val="tx1"/>
-          </a:fontRef>
-        </p:style>
-      </p:cxnSp>
-      <p:pic>
-        <p:nvPicPr>
-          <p:cNvPr id="17" name="그림 16">
-            <a:extLst>
-              <a:ext uri="{FF2B5EF4-FFF2-40B4-BE49-F238E27FC236}">
-                <a16:creationId xmlns:a16="http://schemas.microsoft.com/office/drawing/2014/main" id="{E9B4AFE0-F69F-47DE-BFC8-CA4EA5FC96FF}"/>
+                <a16:creationId xmlns:a16="http://schemas.microsoft.com/office/drawing/2014/main" id="{251C5072-42B7-4D5D-8CB7-88CE5BD628B4}"/>
               </a:ext>
             </a:extLst>
           </p:cNvPr>
@@ -7711,107 +9325,44 @@
         </p:blipFill>
         <p:spPr>
           <a:xfrm>
-            <a:off x="6209995" y="1271404"/>
-            <a:ext cx="2657846" cy="2267266"/>
+            <a:off x="5041900" y="2179320"/>
+            <a:ext cx="3524885" cy="1266825"/>
           </a:xfrm>
           <a:prstGeom prst="rect">
             <a:avLst/>
           </a:prstGeom>
         </p:spPr>
       </p:pic>
-      <p:sp>
-        <p:nvSpPr>
-          <p:cNvPr id="29" name="TextBox 28">
-            <a:extLst>
-              <a:ext uri="{FF2B5EF4-FFF2-40B4-BE49-F238E27FC236}">
-                <a16:creationId xmlns:a16="http://schemas.microsoft.com/office/drawing/2014/main" id="{3B50DD8E-A916-443A-A904-FA1627F6359A}"/>
-              </a:ext>
-            </a:extLst>
-          </p:cNvPr>
-          <p:cNvSpPr txBox="1"/>
-          <p:nvPr/>
-        </p:nvSpPr>
-        <p:spPr>
-          <a:xfrm>
-            <a:off x="35494" y="5541039"/>
-            <a:ext cx="9000999" cy="923330"/>
-          </a:xfrm>
-          <a:prstGeom prst="rect">
-            <a:avLst/>
-          </a:prstGeom>
-          <a:noFill/>
-        </p:spPr>
-        <p:txBody>
-          <a:bodyPr wrap="square" rtlCol="0">
-            <a:spAutoFit/>
-          </a:bodyPr>
-          <a:lstStyle/>
-          <a:p>
-            <a:r>
-              <a:rPr lang="en-US" altLang="ko-KR" dirty="0"/>
-              <a:t>Movie</a:t>
-            </a:r>
-            <a:r>
-              <a:rPr lang="ko-KR" altLang="en-US" dirty="0"/>
-              <a:t>라는 함수를 만들고 각각 매개변수로 </a:t>
-            </a:r>
-            <a:r>
-              <a:rPr lang="en-US" altLang="ko-KR" dirty="0" err="1"/>
-              <a:t>id,title,poster,actors,year</a:t>
-            </a:r>
-            <a:r>
-              <a:rPr lang="ko-KR" altLang="en-US" dirty="0"/>
-              <a:t>에 해당하는</a:t>
-            </a:r>
-            <a:endParaRPr lang="en-US" altLang="ko-KR" dirty="0"/>
-          </a:p>
-          <a:p>
-            <a:r>
-              <a:rPr lang="ko-KR" altLang="en-US" dirty="0"/>
-              <a:t>정보를 </a:t>
-            </a:r>
-            <a:r>
-              <a:rPr lang="en-US" altLang="ko-KR" dirty="0" err="1"/>
-              <a:t>api</a:t>
-            </a:r>
-            <a:r>
-              <a:rPr lang="ko-KR" altLang="en-US" dirty="0"/>
-              <a:t>를 통해 받아오고 영화 배우의 경우 </a:t>
-            </a:r>
-            <a:r>
-              <a:rPr lang="en-US" altLang="ko-KR" dirty="0"/>
-              <a:t>utf8</a:t>
-            </a:r>
-            <a:r>
-              <a:rPr lang="ko-KR" altLang="en-US" dirty="0"/>
-              <a:t>의 형태의 글자로 받아와 입력해줌</a:t>
-            </a:r>
-            <a:endParaRPr lang="en-US" altLang="ko-KR" dirty="0"/>
-          </a:p>
-          <a:p>
-            <a:r>
-              <a:rPr lang="ko-KR" altLang="en-US" dirty="0"/>
-              <a:t>만약 배우 정보가 없다면 공란을 나오게 하고 있다면 그대로 표시해줌</a:t>
-            </a:r>
-            <a:endParaRPr lang="en-US" altLang="ko-KR" dirty="0"/>
-          </a:p>
-        </p:txBody>
-      </p:sp>
     </p:spTree>
     <p:extLst>
       <p:ext uri="{BB962C8B-B14F-4D97-AF65-F5344CB8AC3E}">
-        <p14:creationId xmlns:p14="http://schemas.microsoft.com/office/powerpoint/2010/main" val="2896610288"/>
+        <p14:creationId xmlns:p14="http://schemas.microsoft.com/office/powerpoint/2010/main" val="1473845896"/>
       </p:ext>
     </p:extLst>
   </p:cSld>
   <p:clrMapOvr>
     <a:masterClrMapping/>
   </p:clrMapOvr>
+  <mc:AlternateContent xmlns:mc="http://schemas.openxmlformats.org/markup-compatibility/2006">
+    <mc:Choice xmlns:p14="http://schemas.microsoft.com/office/powerpoint/2010/main" Requires="p14">
+      <p:transition spd="slow" p14:dur="2000"/>
+    </mc:Choice>
+    <mc:Fallback>
+      <p:transition spd="slow"/>
+    </mc:Fallback>
+  </mc:AlternateContent>
+  <p:timing>
+    <p:tnLst>
+      <p:par>
+        <p:cTn id="1" dur="indefinite" restart="never" nodeType="tmRoot"/>
+      </p:par>
+    </p:tnLst>
+  </p:timing>
 </p:sld>
 </file>
 
 <file path=ppt/slides/slide6.xml><?xml version="1.0" encoding="utf-8"?>
-<p:sld xmlns:a="http://schemas.openxmlformats.org/drawingml/2006/main" xmlns:r="http://schemas.openxmlformats.org/officeDocument/2006/relationships" xmlns:p="http://schemas.openxmlformats.org/presentationml/2006/main">
+<p:sld xmlns:a="http://schemas.openxmlformats.org/drawingml/2006/main" xmlns:r="http://schemas.openxmlformats.org/officeDocument/2006/relationships" xmlns:p="http://schemas.openxmlformats.org/presentationml/2006/main" xmlns:p14="http://schemas.microsoft.com/office/powerpoint/2010/main">
   <p:cSld>
     <p:spTree>
       <p:nvGrpSpPr>
@@ -7835,8 +9386,8 @@
         </p:nvSpPr>
         <p:spPr>
           <a:xfrm>
-            <a:off x="35496" y="44624"/>
-            <a:ext cx="3312368" cy="504056"/>
+            <a:off x="35560" y="44450"/>
+            <a:ext cx="3312160" cy="504190"/>
           </a:xfrm>
           <a:prstGeom prst="rect">
             <a:avLst/>
@@ -7900,8 +9451,8 @@
         </p:nvSpPr>
         <p:spPr>
           <a:xfrm>
-            <a:off x="35496" y="620688"/>
-            <a:ext cx="3312368" cy="432048"/>
+            <a:off x="35560" y="620395"/>
+            <a:ext cx="3312160" cy="431800"/>
           </a:xfrm>
           <a:prstGeom prst="rect">
             <a:avLst/>
@@ -7939,7 +9490,7 @@
                   <a:schemeClr val="tx1"/>
                 </a:solidFill>
               </a:rPr>
-              <a:t>Movie</a:t>
+              <a:t>Home</a:t>
             </a:r>
             <a:endParaRPr lang="ko-KR" altLang="en-US" sz="2000" b="1" dirty="0">
               <a:solidFill>
@@ -7957,8 +9508,8 @@
         </p:nvCxnSpPr>
         <p:spPr>
           <a:xfrm>
-            <a:off x="3491880" y="1052736"/>
-            <a:ext cx="5544616" cy="0"/>
+            <a:off x="3491865" y="1052830"/>
+            <a:ext cx="5544820" cy="0"/>
           </a:xfrm>
           <a:prstGeom prst="line">
             <a:avLst/>
@@ -7988,8 +9539,8 @@
         </p:nvSpPr>
         <p:spPr>
           <a:xfrm>
-            <a:off x="3491880" y="620688"/>
-            <a:ext cx="751552" cy="369332"/>
+            <a:off x="3491865" y="620395"/>
+            <a:ext cx="751840" cy="369570"/>
           </a:xfrm>
           <a:prstGeom prst="rect">
             <a:avLst/>
@@ -8018,8 +9569,8 @@
         </p:nvCxnSpPr>
         <p:spPr>
           <a:xfrm>
-            <a:off x="35496" y="1205136"/>
-            <a:ext cx="9001000" cy="0"/>
+            <a:off x="35560" y="1205230"/>
+            <a:ext cx="9001125" cy="0"/>
           </a:xfrm>
           <a:prstGeom prst="line">
             <a:avLst/>
@@ -8049,8 +9600,8 @@
         </p:nvCxnSpPr>
         <p:spPr>
           <a:xfrm>
-            <a:off x="35496" y="6741368"/>
-            <a:ext cx="9001000" cy="0"/>
+            <a:off x="35560" y="6741160"/>
+            <a:ext cx="9001125" cy="0"/>
           </a:xfrm>
           <a:prstGeom prst="line">
             <a:avLst/>
@@ -8080,8 +9631,8 @@
         </p:nvCxnSpPr>
         <p:spPr>
           <a:xfrm>
-            <a:off x="35496" y="1196752"/>
-            <a:ext cx="0" cy="5544616"/>
+            <a:off x="35560" y="1196975"/>
+            <a:ext cx="0" cy="5544820"/>
           </a:xfrm>
           <a:prstGeom prst="line">
             <a:avLst/>
@@ -8111,8 +9662,8 @@
         </p:nvCxnSpPr>
         <p:spPr>
           <a:xfrm>
-            <a:off x="9036496" y="1205136"/>
-            <a:ext cx="0" cy="5544616"/>
+            <a:off x="9036685" y="1205230"/>
+            <a:ext cx="0" cy="5544820"/>
           </a:xfrm>
           <a:prstGeom prst="line">
             <a:avLst/>
@@ -8142,8 +9693,8 @@
         </p:nvCxnSpPr>
         <p:spPr>
           <a:xfrm>
-            <a:off x="4572000" y="1205136"/>
-            <a:ext cx="0" cy="5544616"/>
+            <a:off x="4572000" y="1205230"/>
+            <a:ext cx="0" cy="5544820"/>
           </a:xfrm>
           <a:prstGeom prst="line">
             <a:avLst/>
@@ -8173,7 +9724,7 @@
         </p:nvCxnSpPr>
         <p:spPr>
           <a:xfrm>
-            <a:off x="9036496" y="4869160"/>
+            <a:off x="9036685" y="4869180"/>
             <a:ext cx="0" cy="0"/>
           </a:xfrm>
           <a:prstGeom prst="line">
@@ -8204,8 +9755,8 @@
         </p:nvCxnSpPr>
         <p:spPr>
           <a:xfrm>
-            <a:off x="4572000" y="4725144"/>
-            <a:ext cx="4464496" cy="0"/>
+            <a:off x="4572000" y="5085080"/>
+            <a:ext cx="4464685" cy="0"/>
           </a:xfrm>
           <a:prstGeom prst="line">
             <a:avLst/>
@@ -8235,8 +9786,8 @@
         </p:nvSpPr>
         <p:spPr>
           <a:xfrm>
-            <a:off x="3563888" y="44624"/>
-            <a:ext cx="2808312" cy="504056"/>
+            <a:off x="3563620" y="44450"/>
+            <a:ext cx="2808605" cy="504190"/>
           </a:xfrm>
           <a:prstGeom prst="rect">
             <a:avLst/>
@@ -8287,8 +9838,8 @@
         </p:nvSpPr>
         <p:spPr>
           <a:xfrm>
-            <a:off x="4626704" y="4797152"/>
-            <a:ext cx="3784947" cy="646331"/>
+            <a:off x="4579620" y="5325110"/>
+            <a:ext cx="4253230" cy="1200150"/>
           </a:xfrm>
           <a:prstGeom prst="rect">
             <a:avLst/>
@@ -8303,36 +9854,69 @@
           <a:p>
             <a:r>
               <a:rPr lang="ko-KR" altLang="en-US" dirty="0"/>
-              <a:t>영화의 정보를 </a:t>
-            </a:r>
-            <a:r>
-              <a:rPr lang="en-US" altLang="ko-KR" dirty="0" err="1"/>
-              <a:t>proptypes</a:t>
-            </a:r>
+              <a:t>영화검색을 하기 전 로딩을 줄 여부를</a:t>
+            </a:r>
+            <a:endParaRPr lang="en-US" altLang="ko-KR" dirty="0"/>
+          </a:p>
+          <a:p>
             <a:r>
               <a:rPr lang="ko-KR" altLang="en-US" dirty="0"/>
-              <a:t>으로 설정</a:t>
+              <a:t>결정하고 내용을 불러왔다면 로딩에</a:t>
             </a:r>
             <a:endParaRPr lang="en-US" altLang="ko-KR" dirty="0"/>
           </a:p>
           <a:p>
             <a:r>
+              <a:rPr lang="en-US" altLang="ko-KR" dirty="0"/>
+              <a:t>False</a:t>
+            </a:r>
+            <a:r>
               <a:rPr lang="ko-KR" altLang="en-US" dirty="0"/>
-              <a:t>해주는데 </a:t>
+              <a:t>를 주고 영화의 이름</a:t>
             </a:r>
             <a:r>
               <a:rPr lang="en-US" altLang="ko-KR" dirty="0"/>
-              <a:t>string</a:t>
+              <a:t>,</a:t>
             </a:r>
             <a:r>
               <a:rPr lang="ko-KR" altLang="en-US" dirty="0"/>
-              <a:t>형태로 받아온다</a:t>
+              <a:t> 제목</a:t>
             </a:r>
             <a:r>
               <a:rPr lang="en-US" altLang="ko-KR" dirty="0"/>
-              <a:t>.</a:t>
-            </a:r>
-            <a:endParaRPr lang="ko-KR" altLang="en-US" dirty="0"/>
+              <a:t>,</a:t>
+            </a:r>
+            <a:r>
+              <a:rPr lang="ko-KR" altLang="en-US" dirty="0"/>
+              <a:t> 포스터</a:t>
+            </a:r>
+            <a:r>
+              <a:rPr lang="en-US" altLang="ko-KR" dirty="0"/>
+              <a:t>,</a:t>
+            </a:r>
+          </a:p>
+          <a:p>
+            <a:r>
+              <a:rPr lang="ko-KR" altLang="en-US" dirty="0"/>
+              <a:t>배우</a:t>
+            </a:r>
+            <a:r>
+              <a:rPr lang="en-US" altLang="ko-KR" dirty="0"/>
+              <a:t>, </a:t>
+            </a:r>
+            <a:r>
+              <a:rPr lang="ko-KR" altLang="en-US" dirty="0"/>
+              <a:t>연도를 </a:t>
+            </a:r>
+            <a:r>
+              <a:rPr lang="en-US" altLang="ko-KR" dirty="0"/>
+              <a:t>movie</a:t>
+            </a:r>
+            <a:r>
+              <a:rPr lang="ko-KR" altLang="en-US" dirty="0"/>
+              <a:t>에서 불러와 출력함</a:t>
+            </a:r>
+            <a:endParaRPr lang="en-US" altLang="ko-KR" dirty="0"/>
           </a:p>
         </p:txBody>
       </p:sp>
@@ -8341,7 +9925,7 @@
           <p:cNvPr id="3" name="그림 2">
             <a:extLst>
               <a:ext uri="{FF2B5EF4-FFF2-40B4-BE49-F238E27FC236}">
-                <a16:creationId xmlns:a16="http://schemas.microsoft.com/office/drawing/2014/main" id="{0D14E134-6388-4413-BE83-2C7824F37121}"/>
+                <a16:creationId xmlns:a16="http://schemas.microsoft.com/office/drawing/2014/main" id="{944E3065-41D6-4048-BF6C-FD203286D8A1}"/>
               </a:ext>
             </a:extLst>
           </p:cNvPr>
@@ -8364,8 +9948,8 @@
         </p:blipFill>
         <p:spPr>
           <a:xfrm>
-            <a:off x="442334" y="1450474"/>
-            <a:ext cx="2905530" cy="1362265"/>
+            <a:off x="234950" y="1236345"/>
+            <a:ext cx="4144645" cy="5465445"/>
           </a:xfrm>
           <a:prstGeom prst="rect">
             <a:avLst/>
@@ -8374,10 +9958,10 @@
       </p:pic>
       <p:pic>
         <p:nvPicPr>
-          <p:cNvPr id="9" name="그림 8">
+          <p:cNvPr id="16" name="그림 15">
             <a:extLst>
               <a:ext uri="{FF2B5EF4-FFF2-40B4-BE49-F238E27FC236}">
-                <a16:creationId xmlns:a16="http://schemas.microsoft.com/office/drawing/2014/main" id="{D0C96BF2-0E4D-4EAB-B7ED-3E3CCAF340D5}"/>
+                <a16:creationId xmlns:a16="http://schemas.microsoft.com/office/drawing/2014/main" id="{D752A1AB-B275-42D1-B5BA-71843C22524E}"/>
               </a:ext>
             </a:extLst>
           </p:cNvPr>
@@ -8400,8 +9984,44 @@
         </p:blipFill>
         <p:spPr>
           <a:xfrm>
-            <a:off x="5469578" y="1801421"/>
-            <a:ext cx="2657846" cy="2267266"/>
+            <a:off x="4982210" y="1297305"/>
+            <a:ext cx="3644265" cy="1267460"/>
+          </a:xfrm>
+          <a:prstGeom prst="rect">
+            <a:avLst/>
+          </a:prstGeom>
+        </p:spPr>
+      </p:pic>
+      <p:pic>
+        <p:nvPicPr>
+          <p:cNvPr id="18" name="그림 17">
+            <a:extLst>
+              <a:ext uri="{FF2B5EF4-FFF2-40B4-BE49-F238E27FC236}">
+                <a16:creationId xmlns:a16="http://schemas.microsoft.com/office/drawing/2014/main" id="{A050F215-7024-4E4E-AC75-CDFB9010845A}"/>
+              </a:ext>
+            </a:extLst>
+          </p:cNvPr>
+          <p:cNvPicPr>
+            <a:picLocks noChangeAspect="1"/>
+          </p:cNvPicPr>
+          <p:nvPr/>
+        </p:nvPicPr>
+        <p:blipFill>
+          <a:blip r:embed="rId4">
+            <a:extLst>
+              <a:ext uri="{28A0092B-C50C-407E-A947-70E740481C1C}">
+                <a14:useLocalDpi xmlns:a14="http://schemas.microsoft.com/office/drawing/2010/main" val="0"/>
+              </a:ext>
+            </a:extLst>
+          </a:blip>
+          <a:stretch>
+            <a:fillRect/>
+          </a:stretch>
+        </p:blipFill>
+        <p:spPr>
+          <a:xfrm>
+            <a:off x="4879340" y="2653030"/>
+            <a:ext cx="3850640" cy="2412365"/>
           </a:xfrm>
           <a:prstGeom prst="rect">
             <a:avLst/>
@@ -8411,18 +10031,33 @@
     </p:spTree>
     <p:extLst>
       <p:ext uri="{BB962C8B-B14F-4D97-AF65-F5344CB8AC3E}">
-        <p14:creationId xmlns:p14="http://schemas.microsoft.com/office/powerpoint/2010/main" val="380573702"/>
+        <p14:creationId xmlns:p14="http://schemas.microsoft.com/office/powerpoint/2010/main" val="1083343519"/>
       </p:ext>
     </p:extLst>
   </p:cSld>
   <p:clrMapOvr>
     <a:masterClrMapping/>
   </p:clrMapOvr>
+  <mc:AlternateContent xmlns:mc="http://schemas.openxmlformats.org/markup-compatibility/2006">
+    <mc:Choice xmlns:p14="http://schemas.microsoft.com/office/powerpoint/2010/main" Requires="p14">
+      <p:transition spd="slow" p14:dur="2000"/>
+    </mc:Choice>
+    <mc:Fallback>
+      <p:transition spd="slow"/>
+    </mc:Fallback>
+  </mc:AlternateContent>
+  <p:timing>
+    <p:tnLst>
+      <p:par>
+        <p:cTn id="1" dur="indefinite" restart="never" nodeType="tmRoot"/>
+      </p:par>
+    </p:tnLst>
+  </p:timing>
 </p:sld>
 </file>
 
 <file path=ppt/slides/slide7.xml><?xml version="1.0" encoding="utf-8"?>
-<p:sld xmlns:a="http://schemas.openxmlformats.org/drawingml/2006/main" xmlns:r="http://schemas.openxmlformats.org/officeDocument/2006/relationships" xmlns:p="http://schemas.openxmlformats.org/presentationml/2006/main">
+<p:sld xmlns:a="http://schemas.openxmlformats.org/drawingml/2006/main" xmlns:r="http://schemas.openxmlformats.org/officeDocument/2006/relationships" xmlns:p="http://schemas.openxmlformats.org/presentationml/2006/main" xmlns:p14="http://schemas.microsoft.com/office/powerpoint/2010/main">
   <p:cSld>
     <p:spTree>
       <p:nvGrpSpPr>
@@ -8446,8 +10081,8 @@
         </p:nvSpPr>
         <p:spPr>
           <a:xfrm>
-            <a:off x="35496" y="44624"/>
-            <a:ext cx="3312368" cy="504056"/>
+            <a:off x="35560" y="44450"/>
+            <a:ext cx="3312160" cy="504190"/>
           </a:xfrm>
           <a:prstGeom prst="rect">
             <a:avLst/>
@@ -8511,8 +10146,8 @@
         </p:nvSpPr>
         <p:spPr>
           <a:xfrm>
-            <a:off x="35496" y="620688"/>
-            <a:ext cx="3312368" cy="432048"/>
+            <a:off x="35560" y="620395"/>
+            <a:ext cx="3312160" cy="431800"/>
           </a:xfrm>
           <a:prstGeom prst="rect">
             <a:avLst/>
@@ -8550,7 +10185,7 @@
                   <a:schemeClr val="tx1"/>
                 </a:solidFill>
               </a:rPr>
-              <a:t>Total</a:t>
+              <a:t>Movie</a:t>
             </a:r>
             <a:endParaRPr lang="ko-KR" altLang="en-US" sz="2000" b="1" dirty="0">
               <a:solidFill>
@@ -8568,8 +10203,8 @@
         </p:nvCxnSpPr>
         <p:spPr>
           <a:xfrm>
-            <a:off x="3491880" y="1052736"/>
-            <a:ext cx="5544616" cy="0"/>
+            <a:off x="3491865" y="1052830"/>
+            <a:ext cx="5544820" cy="0"/>
           </a:xfrm>
           <a:prstGeom prst="line">
             <a:avLst/>
@@ -8599,8 +10234,8 @@
         </p:nvSpPr>
         <p:spPr>
           <a:xfrm>
-            <a:off x="3491880" y="620688"/>
-            <a:ext cx="751552" cy="369332"/>
+            <a:off x="3491865" y="620395"/>
+            <a:ext cx="751840" cy="369570"/>
           </a:xfrm>
           <a:prstGeom prst="rect">
             <a:avLst/>
@@ -8629,8 +10264,8 @@
         </p:nvCxnSpPr>
         <p:spPr>
           <a:xfrm>
-            <a:off x="35496" y="1205136"/>
-            <a:ext cx="9001000" cy="0"/>
+            <a:off x="35560" y="1205230"/>
+            <a:ext cx="9001125" cy="0"/>
           </a:xfrm>
           <a:prstGeom prst="line">
             <a:avLst/>
@@ -8660,8 +10295,8 @@
         </p:nvCxnSpPr>
         <p:spPr>
           <a:xfrm>
-            <a:off x="35496" y="6741368"/>
-            <a:ext cx="9001000" cy="0"/>
+            <a:off x="35560" y="6741160"/>
+            <a:ext cx="9001125" cy="0"/>
           </a:xfrm>
           <a:prstGeom prst="line">
             <a:avLst/>
@@ -8691,8 +10326,8 @@
         </p:nvCxnSpPr>
         <p:spPr>
           <a:xfrm>
-            <a:off x="35496" y="1196752"/>
-            <a:ext cx="0" cy="5544616"/>
+            <a:off x="35560" y="1196975"/>
+            <a:ext cx="0" cy="5544820"/>
           </a:xfrm>
           <a:prstGeom prst="line">
             <a:avLst/>
@@ -8722,8 +10357,8 @@
         </p:nvCxnSpPr>
         <p:spPr>
           <a:xfrm>
-            <a:off x="9036496" y="1205136"/>
-            <a:ext cx="0" cy="5544616"/>
+            <a:off x="9036685" y="1205230"/>
+            <a:ext cx="0" cy="5544820"/>
           </a:xfrm>
           <a:prstGeom prst="line">
             <a:avLst/>
@@ -8755,8 +10390,8 @@
         </p:nvCxnSpPr>
         <p:spPr>
           <a:xfrm>
-            <a:off x="4572000" y="4221088"/>
-            <a:ext cx="0" cy="2528664"/>
+            <a:off x="6083935" y="1205230"/>
+            <a:ext cx="0" cy="4312285"/>
           </a:xfrm>
           <a:prstGeom prst="line">
             <a:avLst/>
@@ -8786,7 +10421,7 @@
         </p:nvCxnSpPr>
         <p:spPr>
           <a:xfrm>
-            <a:off x="9036496" y="4869160"/>
+            <a:off x="9036685" y="4869180"/>
             <a:ext cx="0" cy="0"/>
           </a:xfrm>
           <a:prstGeom prst="line">
@@ -8819,8 +10454,8 @@
         </p:nvCxnSpPr>
         <p:spPr>
           <a:xfrm>
-            <a:off x="35496" y="4221088"/>
-            <a:ext cx="9001000" cy="0"/>
+            <a:off x="35560" y="5517515"/>
+            <a:ext cx="6048375" cy="0"/>
           </a:xfrm>
           <a:prstGeom prst="line">
             <a:avLst/>
@@ -8850,8 +10485,8 @@
         </p:nvSpPr>
         <p:spPr>
           <a:xfrm>
-            <a:off x="3563888" y="44624"/>
-            <a:ext cx="2808312" cy="504056"/>
+            <a:off x="3563620" y="44450"/>
+            <a:ext cx="2808605" cy="504190"/>
           </a:xfrm>
           <a:prstGeom prst="rect">
             <a:avLst/>
@@ -8889,17 +10524,17 @@
                   <a:schemeClr val="tx1"/>
                 </a:solidFill>
               </a:rPr>
-              <a:t>영화관 지도 표시</a:t>
+              <a:t>영화 검색</a:t>
             </a:r>
           </a:p>
         </p:txBody>
       </p:sp>
       <p:pic>
         <p:nvPicPr>
-          <p:cNvPr id="12" name="그림 11">
+          <p:cNvPr id="3" name="그림 2">
             <a:extLst>
               <a:ext uri="{FF2B5EF4-FFF2-40B4-BE49-F238E27FC236}">
-                <a16:creationId xmlns:a16="http://schemas.microsoft.com/office/drawing/2014/main" id="{8CE59715-D3B8-49A2-A195-953BE6C40A44}"/>
+                <a16:creationId xmlns:a16="http://schemas.microsoft.com/office/drawing/2014/main" id="{C83C0051-70A5-4E8A-BDC9-445F08529E69}"/>
               </a:ext>
             </a:extLst>
           </p:cNvPr>
@@ -8922,20 +10557,59 @@
         </p:blipFill>
         <p:spPr>
           <a:xfrm>
-            <a:off x="421755" y="1484784"/>
-            <a:ext cx="8145012" cy="2391109"/>
+            <a:off x="95250" y="1244600"/>
+            <a:ext cx="5967730" cy="4200525"/>
           </a:xfrm>
           <a:prstGeom prst="rect">
             <a:avLst/>
           </a:prstGeom>
         </p:spPr>
       </p:pic>
+      <p:cxnSp>
+        <p:nvCxnSpPr>
+          <p:cNvPr id="24" name="직선 연결선 23">
+            <a:extLst>
+              <a:ext uri="{FF2B5EF4-FFF2-40B4-BE49-F238E27FC236}">
+                <a16:creationId xmlns:a16="http://schemas.microsoft.com/office/drawing/2014/main" id="{22F1565C-9765-454C-826A-E420F53BCCAA}"/>
+              </a:ext>
+            </a:extLst>
+          </p:cNvPr>
+          <p:cNvCxnSpPr>
+            <a:cxnSpLocks/>
+          </p:cNvCxnSpPr>
+          <p:nvPr/>
+        </p:nvCxnSpPr>
+        <p:spPr>
+          <a:xfrm>
+            <a:off x="6083935" y="3644900"/>
+            <a:ext cx="2952115" cy="0"/>
+          </a:xfrm>
+          <a:prstGeom prst="line">
+            <a:avLst/>
+          </a:prstGeom>
+          <a:ln w="28575"/>
+        </p:spPr>
+        <p:style>
+          <a:lnRef idx="1">
+            <a:schemeClr val="accent1"/>
+          </a:lnRef>
+          <a:fillRef idx="0">
+            <a:schemeClr val="accent1"/>
+          </a:fillRef>
+          <a:effectRef idx="0">
+            <a:schemeClr val="accent1"/>
+          </a:effectRef>
+          <a:fontRef idx="minor">
+            <a:schemeClr val="tx1"/>
+          </a:fontRef>
+        </p:style>
+      </p:cxnSp>
       <p:pic>
         <p:nvPicPr>
-          <p:cNvPr id="22" name="그림 21">
+          <p:cNvPr id="17" name="그림 16">
             <a:extLst>
               <a:ext uri="{FF2B5EF4-FFF2-40B4-BE49-F238E27FC236}">
-                <a16:creationId xmlns:a16="http://schemas.microsoft.com/office/drawing/2014/main" id="{3D8CD8BA-68B0-43E7-9C39-DCE58FF0FD8F}"/>
+                <a16:creationId xmlns:a16="http://schemas.microsoft.com/office/drawing/2014/main" id="{E9B4AFE0-F69F-47DE-BFC8-CA4EA5FC96FF}"/>
               </a:ext>
             </a:extLst>
           </p:cNvPr>
@@ -8958,8 +10632,8 @@
         </p:blipFill>
         <p:spPr>
           <a:xfrm>
-            <a:off x="4788024" y="4322341"/>
-            <a:ext cx="4032449" cy="2326157"/>
+            <a:off x="6210300" y="1271270"/>
+            <a:ext cx="2658110" cy="2266950"/>
           </a:xfrm>
           <a:prstGeom prst="rect">
             <a:avLst/>
@@ -8971,7 +10645,7 @@
           <p:cNvPr id="29" name="TextBox 28">
             <a:extLst>
               <a:ext uri="{FF2B5EF4-FFF2-40B4-BE49-F238E27FC236}">
-                <a16:creationId xmlns:a16="http://schemas.microsoft.com/office/drawing/2014/main" id="{42E30442-C07A-4B1E-A899-C36D82AFEF92}"/>
+                <a16:creationId xmlns:a16="http://schemas.microsoft.com/office/drawing/2014/main" id="{3B50DD8E-A916-443A-A904-FA1627F6359A}"/>
               </a:ext>
             </a:extLst>
           </p:cNvPr>
@@ -8980,8 +10654,8 @@
         </p:nvSpPr>
         <p:spPr>
           <a:xfrm>
-            <a:off x="107503" y="4322341"/>
-            <a:ext cx="4410118" cy="2031325"/>
+            <a:off x="35560" y="5541010"/>
+            <a:ext cx="9001125" cy="923290"/>
           </a:xfrm>
           <a:prstGeom prst="rect">
             <a:avLst/>
@@ -8989,112 +10663,91 @@
           <a:noFill/>
         </p:spPr>
         <p:txBody>
-          <a:bodyPr wrap="none" rtlCol="0">
+          <a:bodyPr wrap="square" rtlCol="0">
             <a:spAutoFit/>
           </a:bodyPr>
           <a:lstStyle/>
           <a:p>
             <a:r>
-              <a:rPr lang="ko-KR" altLang="en-US" dirty="0" err="1"/>
-              <a:t>공공데이터포털의</a:t>
+              <a:rPr lang="en-US" altLang="ko-KR" dirty="0"/>
+              <a:t>Movie</a:t>
             </a:r>
             <a:r>
               <a:rPr lang="ko-KR" altLang="en-US" dirty="0"/>
-              <a:t> </a:t>
+              <a:t>라는 함수를 만들고 각각 매개변수로 </a:t>
+            </a:r>
+            <a:r>
+              <a:rPr lang="en-US" altLang="ko-KR" dirty="0" err="1"/>
+              <a:t>id,title,poster,actors,year</a:t>
+            </a:r>
+            <a:r>
+              <a:rPr lang="ko-KR" altLang="en-US" dirty="0"/>
+              <a:t>에 해당하는</a:t>
+            </a:r>
+            <a:endParaRPr lang="en-US" altLang="ko-KR" dirty="0"/>
+          </a:p>
+          <a:p>
+            <a:r>
+              <a:rPr lang="ko-KR" altLang="en-US" dirty="0"/>
+              <a:t>정보를 </a:t>
             </a:r>
             <a:r>
               <a:rPr lang="en-US" altLang="ko-KR" dirty="0" err="1"/>
               <a:t>api</a:t>
             </a:r>
             <a:r>
-              <a:rPr lang="ko-KR" altLang="en-US" dirty="0" err="1"/>
-              <a:t>를</a:t>
-            </a:r>
-            <a:r>
               <a:rPr lang="ko-KR" altLang="en-US" dirty="0"/>
-              <a:t> 통해 경기도</a:t>
+              <a:t>를 통해 받아오고 영화 배우의 경우 </a:t>
+            </a:r>
+            <a:r>
+              <a:rPr lang="en-US" altLang="ko-KR" dirty="0"/>
+              <a:t>utf8</a:t>
+            </a:r>
+            <a:r>
+              <a:rPr lang="ko-KR" altLang="en-US" dirty="0"/>
+              <a:t>의 형태의 글자로 받아와 입력해줌</a:t>
             </a:r>
             <a:endParaRPr lang="en-US" altLang="ko-KR" dirty="0"/>
           </a:p>
           <a:p>
             <a:r>
               <a:rPr lang="ko-KR" altLang="en-US" dirty="0"/>
-              <a:t>영화상영관 정보를 </a:t>
-            </a:r>
-            <a:r>
-              <a:rPr lang="en-US" altLang="ko-KR" dirty="0"/>
-              <a:t>row</a:t>
-            </a:r>
-            <a:r>
-              <a:rPr lang="ko-KR" altLang="en-US" dirty="0"/>
-              <a:t>로 불러와</a:t>
+              <a:t>만약 배우 정보가 없다면 공란을 나오게 하고 있다면 그대로 표시해줌</a:t>
             </a:r>
             <a:endParaRPr lang="en-US" altLang="ko-KR" dirty="0"/>
-          </a:p>
-          <a:p>
-            <a:r>
-              <a:rPr lang="ko-KR" altLang="en-US" dirty="0"/>
-              <a:t>리스트로 작성함</a:t>
-            </a:r>
-            <a:endParaRPr lang="en-US" altLang="ko-KR" dirty="0"/>
-          </a:p>
-          <a:p>
-            <a:endParaRPr lang="en-US" altLang="ko-KR" dirty="0"/>
-          </a:p>
-          <a:p>
-            <a:r>
-              <a:rPr lang="ko-KR" altLang="en-US" dirty="0"/>
-              <a:t>작성된 리스트를 통해 </a:t>
-            </a:r>
-            <a:r>
-              <a:rPr lang="en-US" altLang="ko-KR" dirty="0" err="1"/>
-              <a:t>drowmap</a:t>
-            </a:r>
-            <a:r>
-              <a:rPr lang="en-US" altLang="ko-KR" dirty="0"/>
-              <a:t>()</a:t>
-            </a:r>
-            <a:r>
-              <a:rPr lang="ko-KR" altLang="en-US" dirty="0"/>
-              <a:t>을 통해</a:t>
-            </a:r>
-            <a:endParaRPr lang="en-US" altLang="ko-KR" dirty="0"/>
-          </a:p>
-          <a:p>
-            <a:r>
-              <a:rPr lang="ko-KR" altLang="en-US" dirty="0"/>
-              <a:t>표기 할 것이고 만약 정보 불러오기가</a:t>
-            </a:r>
-            <a:endParaRPr lang="en-US" altLang="ko-KR" dirty="0"/>
-          </a:p>
-          <a:p>
-            <a:r>
-              <a:rPr lang="ko-KR" altLang="en-US" dirty="0"/>
-              <a:t>실패 한다면 경고창을 뜨게 설정함</a:t>
-            </a:r>
-            <a:r>
-              <a:rPr lang="en-US" altLang="ko-KR" dirty="0"/>
-              <a:t>.</a:t>
-            </a:r>
-            <a:endParaRPr lang="ko-KR" altLang="en-US" dirty="0"/>
           </a:p>
         </p:txBody>
       </p:sp>
     </p:spTree>
     <p:extLst>
       <p:ext uri="{BB962C8B-B14F-4D97-AF65-F5344CB8AC3E}">
-        <p14:creationId xmlns:p14="http://schemas.microsoft.com/office/powerpoint/2010/main" val="77597204"/>
+        <p14:creationId xmlns:p14="http://schemas.microsoft.com/office/powerpoint/2010/main" val="2896610288"/>
       </p:ext>
     </p:extLst>
   </p:cSld>
   <p:clrMapOvr>
     <a:masterClrMapping/>
   </p:clrMapOvr>
+  <mc:AlternateContent xmlns:mc="http://schemas.openxmlformats.org/markup-compatibility/2006">
+    <mc:Choice xmlns:p14="http://schemas.microsoft.com/office/powerpoint/2010/main" Requires="p14">
+      <p:transition spd="slow" p14:dur="2000"/>
+    </mc:Choice>
+    <mc:Fallback>
+      <p:transition spd="slow"/>
+    </mc:Fallback>
+  </mc:AlternateContent>
+  <p:timing>
+    <p:tnLst>
+      <p:par>
+        <p:cTn id="1" dur="indefinite" restart="never" nodeType="tmRoot"/>
+      </p:par>
+    </p:tnLst>
+  </p:timing>
 </p:sld>
 </file>
 
 <file path=ppt/slides/slide8.xml><?xml version="1.0" encoding="utf-8"?>
-<p:sld xmlns:a="http://schemas.openxmlformats.org/drawingml/2006/main" xmlns:r="http://schemas.openxmlformats.org/officeDocument/2006/relationships" xmlns:p="http://schemas.openxmlformats.org/presentationml/2006/main">
+<p:sld xmlns:a="http://schemas.openxmlformats.org/drawingml/2006/main" xmlns:r="http://schemas.openxmlformats.org/officeDocument/2006/relationships" xmlns:p="http://schemas.openxmlformats.org/presentationml/2006/main" xmlns:p14="http://schemas.microsoft.com/office/powerpoint/2010/main">
   <p:cSld>
     <p:spTree>
       <p:nvGrpSpPr>
@@ -9118,8 +10771,8 @@
         </p:nvSpPr>
         <p:spPr>
           <a:xfrm>
-            <a:off x="35496" y="44624"/>
-            <a:ext cx="3312368" cy="504056"/>
+            <a:off x="35560" y="44450"/>
+            <a:ext cx="3312160" cy="504190"/>
           </a:xfrm>
           <a:prstGeom prst="rect">
             <a:avLst/>
@@ -9183,8 +10836,8 @@
         </p:nvSpPr>
         <p:spPr>
           <a:xfrm>
-            <a:off x="35496" y="620688"/>
-            <a:ext cx="3312368" cy="432048"/>
+            <a:off x="35560" y="620395"/>
+            <a:ext cx="3312160" cy="431800"/>
           </a:xfrm>
           <a:prstGeom prst="rect">
             <a:avLst/>
@@ -9222,7 +10875,7 @@
                   <a:schemeClr val="tx1"/>
                 </a:solidFill>
               </a:rPr>
-              <a:t>Total</a:t>
+              <a:t>Movie</a:t>
             </a:r>
             <a:endParaRPr lang="ko-KR" altLang="en-US" sz="2000" b="1" dirty="0">
               <a:solidFill>
@@ -9240,8 +10893,8 @@
         </p:nvCxnSpPr>
         <p:spPr>
           <a:xfrm>
-            <a:off x="3491880" y="1052736"/>
-            <a:ext cx="5544616" cy="0"/>
+            <a:off x="3491865" y="1052830"/>
+            <a:ext cx="5544820" cy="0"/>
           </a:xfrm>
           <a:prstGeom prst="line">
             <a:avLst/>
@@ -9271,8 +10924,8 @@
         </p:nvSpPr>
         <p:spPr>
           <a:xfrm>
-            <a:off x="3491880" y="620688"/>
-            <a:ext cx="751552" cy="369332"/>
+            <a:off x="3491865" y="620395"/>
+            <a:ext cx="751840" cy="369570"/>
           </a:xfrm>
           <a:prstGeom prst="rect">
             <a:avLst/>
@@ -9301,8 +10954,8 @@
         </p:nvCxnSpPr>
         <p:spPr>
           <a:xfrm>
-            <a:off x="35496" y="1205136"/>
-            <a:ext cx="9001000" cy="0"/>
+            <a:off x="35560" y="1205230"/>
+            <a:ext cx="9001125" cy="0"/>
           </a:xfrm>
           <a:prstGeom prst="line">
             <a:avLst/>
@@ -9332,8 +10985,8 @@
         </p:nvCxnSpPr>
         <p:spPr>
           <a:xfrm>
-            <a:off x="35496" y="6741368"/>
-            <a:ext cx="9001000" cy="0"/>
+            <a:off x="35560" y="6741160"/>
+            <a:ext cx="9001125" cy="0"/>
           </a:xfrm>
           <a:prstGeom prst="line">
             <a:avLst/>
@@ -9363,8 +11016,8 @@
         </p:nvCxnSpPr>
         <p:spPr>
           <a:xfrm>
-            <a:off x="35496" y="1196752"/>
-            <a:ext cx="0" cy="5544616"/>
+            <a:off x="35560" y="1196975"/>
+            <a:ext cx="0" cy="5544820"/>
           </a:xfrm>
           <a:prstGeom prst="line">
             <a:avLst/>
@@ -9394,8 +11047,8 @@
         </p:nvCxnSpPr>
         <p:spPr>
           <a:xfrm>
-            <a:off x="9036496" y="1205136"/>
-            <a:ext cx="0" cy="5544616"/>
+            <a:off x="9036685" y="1205230"/>
+            <a:ext cx="0" cy="5544820"/>
           </a:xfrm>
           <a:prstGeom prst="line">
             <a:avLst/>
@@ -9425,8 +11078,8 @@
         </p:nvCxnSpPr>
         <p:spPr>
           <a:xfrm>
-            <a:off x="4572000" y="1205136"/>
-            <a:ext cx="0" cy="5544616"/>
+            <a:off x="4572000" y="1205230"/>
+            <a:ext cx="0" cy="5544820"/>
           </a:xfrm>
           <a:prstGeom prst="line">
             <a:avLst/>
@@ -9456,7 +11109,7 @@
         </p:nvCxnSpPr>
         <p:spPr>
           <a:xfrm>
-            <a:off x="9036496" y="4869160"/>
+            <a:off x="9036685" y="4869180"/>
             <a:ext cx="0" cy="0"/>
           </a:xfrm>
           <a:prstGeom prst="line">
@@ -9487,8 +11140,8 @@
         </p:nvCxnSpPr>
         <p:spPr>
           <a:xfrm>
-            <a:off x="4572000" y="4725144"/>
-            <a:ext cx="4464496" cy="0"/>
+            <a:off x="4572000" y="4725035"/>
+            <a:ext cx="4464685" cy="0"/>
           </a:xfrm>
           <a:prstGeom prst="line">
             <a:avLst/>
@@ -9518,8 +11171,8 @@
         </p:nvSpPr>
         <p:spPr>
           <a:xfrm>
-            <a:off x="3563888" y="44624"/>
-            <a:ext cx="2808312" cy="504056"/>
+            <a:off x="3563620" y="44450"/>
+            <a:ext cx="2808605" cy="504190"/>
           </a:xfrm>
           <a:prstGeom prst="rect">
             <a:avLst/>
@@ -9557,7 +11210,7 @@
                   <a:schemeClr val="tx1"/>
                 </a:solidFill>
               </a:rPr>
-              <a:t>영화관 지도 표시</a:t>
+              <a:t>영화 검색</a:t>
             </a:r>
           </a:p>
         </p:txBody>
@@ -9570,8 +11223,8 @@
         </p:nvSpPr>
         <p:spPr>
           <a:xfrm>
-            <a:off x="4626704" y="4797152"/>
-            <a:ext cx="4451860" cy="1754326"/>
+            <a:off x="4626610" y="4797425"/>
+            <a:ext cx="3785235" cy="646430"/>
           </a:xfrm>
           <a:prstGeom prst="rect">
             <a:avLst/>
@@ -9586,58 +11239,36 @@
           <a:p>
             <a:r>
               <a:rPr lang="ko-KR" altLang="en-US" dirty="0"/>
-              <a:t>지도에 영화관 정보를 토대로 </a:t>
+              <a:t>영화의 정보를 </a:t>
             </a:r>
             <a:r>
               <a:rPr lang="en-US" altLang="ko-KR" dirty="0" err="1"/>
-              <a:t>movietheat</a:t>
+              <a:t>proptypes</a:t>
+            </a:r>
+            <a:r>
+              <a:rPr lang="ko-KR" altLang="en-US" dirty="0"/>
+              <a:t>으로 설정</a:t>
             </a:r>
             <a:endParaRPr lang="en-US" altLang="ko-KR" dirty="0"/>
           </a:p>
           <a:p>
             <a:r>
               <a:rPr lang="ko-KR" altLang="en-US" dirty="0"/>
-              <a:t>함수를 사용해 지도에 마커를 찍을 정보</a:t>
-            </a:r>
-            <a:endParaRPr lang="en-US" altLang="ko-KR" dirty="0"/>
-          </a:p>
-          <a:p>
+              <a:t>해주는데 </a:t>
+            </a:r>
+            <a:r>
+              <a:rPr lang="en-US" altLang="ko-KR" dirty="0"/>
+              <a:t>string</a:t>
+            </a:r>
             <a:r>
               <a:rPr lang="ko-KR" altLang="en-US" dirty="0"/>
-              <a:t>전달을 하고 현재 </a:t>
-            </a:r>
-            <a:r>
-              <a:rPr lang="en-US" altLang="ko-KR" dirty="0" err="1"/>
-              <a:t>navigator.geolocation</a:t>
-            </a:r>
-            <a:endParaRPr lang="en-US" altLang="ko-KR" dirty="0"/>
-          </a:p>
-          <a:p>
-            <a:r>
-              <a:rPr lang="ko-KR" altLang="en-US" dirty="0"/>
-              <a:t>을 통해 나의 위치를 저장한다</a:t>
+              <a:t>형태로 받아온다</a:t>
             </a:r>
             <a:r>
               <a:rPr lang="en-US" altLang="ko-KR" dirty="0"/>
               <a:t>.</a:t>
             </a:r>
-          </a:p>
-          <a:p>
-            <a:r>
-              <a:rPr lang="ko-KR" altLang="en-US" dirty="0"/>
-              <a:t>만약 내 위치가 파악 되지 않는다면 따로</a:t>
-            </a:r>
-            <a:endParaRPr lang="en-US" altLang="ko-KR" dirty="0"/>
-          </a:p>
-          <a:p>
-            <a:r>
-              <a:rPr lang="ko-KR" altLang="en-US" dirty="0"/>
-              <a:t>표시 하지 않는다</a:t>
-            </a:r>
-            <a:r>
-              <a:rPr lang="en-US" altLang="ko-KR" dirty="0"/>
-              <a:t>.</a:t>
-            </a:r>
+            <a:endParaRPr lang="ko-KR" altLang="en-US" dirty="0"/>
           </a:p>
         </p:txBody>
       </p:sp>
@@ -9646,7 +11277,7 @@
           <p:cNvPr id="3" name="그림 2">
             <a:extLst>
               <a:ext uri="{FF2B5EF4-FFF2-40B4-BE49-F238E27FC236}">
-                <a16:creationId xmlns:a16="http://schemas.microsoft.com/office/drawing/2014/main" id="{6D104D9F-D65A-4CB4-B4E6-10182053930B}"/>
+                <a16:creationId xmlns:a16="http://schemas.microsoft.com/office/drawing/2014/main" id="{0D14E134-6388-4413-BE83-2C7824F37121}"/>
               </a:ext>
             </a:extLst>
           </p:cNvPr>
@@ -9669,8 +11300,8 @@
         </p:blipFill>
         <p:spPr>
           <a:xfrm>
-            <a:off x="90200" y="1318918"/>
-            <a:ext cx="4394737" cy="3847566"/>
+            <a:off x="442595" y="1450340"/>
+            <a:ext cx="2905760" cy="1362075"/>
           </a:xfrm>
           <a:prstGeom prst="rect">
             <a:avLst/>
@@ -9682,7 +11313,7 @@
           <p:cNvPr id="9" name="그림 8">
             <a:extLst>
               <a:ext uri="{FF2B5EF4-FFF2-40B4-BE49-F238E27FC236}">
-                <a16:creationId xmlns:a16="http://schemas.microsoft.com/office/drawing/2014/main" id="{4E282ECE-3FA5-4CCE-A02A-08A5714C4BE1}"/>
+                <a16:creationId xmlns:a16="http://schemas.microsoft.com/office/drawing/2014/main" id="{D0C96BF2-0E4D-4EAB-B7ED-3E3CCAF340D5}"/>
               </a:ext>
             </a:extLst>
           </p:cNvPr>
@@ -9705,201 +11336,8 @@
         </p:blipFill>
         <p:spPr>
           <a:xfrm>
-            <a:off x="4797287" y="1654302"/>
-            <a:ext cx="2600688" cy="2638793"/>
-          </a:xfrm>
-          <a:prstGeom prst="rect">
-            <a:avLst/>
-          </a:prstGeom>
-        </p:spPr>
-      </p:pic>
-      <p:cxnSp>
-        <p:nvCxnSpPr>
-          <p:cNvPr id="22" name="직선 연결선 21">
-            <a:extLst>
-              <a:ext uri="{FF2B5EF4-FFF2-40B4-BE49-F238E27FC236}">
-                <a16:creationId xmlns:a16="http://schemas.microsoft.com/office/drawing/2014/main" id="{7E6575DC-791D-432E-83F9-39F7AA1EA4A1}"/>
-              </a:ext>
-            </a:extLst>
-          </p:cNvPr>
-          <p:cNvCxnSpPr>
-            <a:cxnSpLocks/>
-          </p:cNvCxnSpPr>
-          <p:nvPr/>
-        </p:nvCxnSpPr>
-        <p:spPr>
-          <a:xfrm>
-            <a:off x="35496" y="5193732"/>
-            <a:ext cx="4536504" cy="0"/>
-          </a:xfrm>
-          <a:prstGeom prst="line">
-            <a:avLst/>
-          </a:prstGeom>
-          <a:ln w="28575"/>
-        </p:spPr>
-        <p:style>
-          <a:lnRef idx="1">
-            <a:schemeClr val="accent1"/>
-          </a:lnRef>
-          <a:fillRef idx="0">
-            <a:schemeClr val="accent1"/>
-          </a:fillRef>
-          <a:effectRef idx="0">
-            <a:schemeClr val="accent1"/>
-          </a:effectRef>
-          <a:fontRef idx="minor">
-            <a:schemeClr val="tx1"/>
-          </a:fontRef>
-        </p:style>
-      </p:cxnSp>
-      <p:sp>
-        <p:nvSpPr>
-          <p:cNvPr id="23" name="TextBox 22">
-            <a:extLst>
-              <a:ext uri="{FF2B5EF4-FFF2-40B4-BE49-F238E27FC236}">
-                <a16:creationId xmlns:a16="http://schemas.microsoft.com/office/drawing/2014/main" id="{2E41D6A2-8D22-4681-A4BE-9823F40D1578}"/>
-              </a:ext>
-            </a:extLst>
-          </p:cNvPr>
-          <p:cNvSpPr txBox="1"/>
-          <p:nvPr/>
-        </p:nvSpPr>
-        <p:spPr>
-          <a:xfrm>
-            <a:off x="4392" y="5165457"/>
-            <a:ext cx="4660250" cy="1754326"/>
-          </a:xfrm>
-          <a:prstGeom prst="rect">
-            <a:avLst/>
-          </a:prstGeom>
-          <a:noFill/>
-        </p:spPr>
-        <p:txBody>
-          <a:bodyPr wrap="none" rtlCol="0">
-            <a:spAutoFit/>
-          </a:bodyPr>
-          <a:lstStyle/>
-          <a:p>
-            <a:r>
-              <a:rPr lang="ko-KR" altLang="en-US" dirty="0"/>
-              <a:t>카카오</a:t>
-            </a:r>
-            <a:r>
-              <a:rPr lang="en-US" altLang="ko-KR" dirty="0" err="1"/>
-              <a:t>api</a:t>
-            </a:r>
-            <a:r>
-              <a:rPr lang="ko-KR" altLang="en-US" dirty="0"/>
-              <a:t>의 기본 인자를 통해 </a:t>
-            </a:r>
-            <a:r>
-              <a:rPr lang="ko-KR" altLang="en-US" dirty="0" err="1"/>
-              <a:t>맵의</a:t>
-            </a:r>
-            <a:r>
-              <a:rPr lang="ko-KR" altLang="en-US" dirty="0"/>
-              <a:t> 정보를</a:t>
-            </a:r>
-            <a:endParaRPr lang="en-US" altLang="ko-KR" dirty="0"/>
-          </a:p>
-          <a:p>
-            <a:r>
-              <a:rPr lang="ko-KR" altLang="en-US" dirty="0"/>
-              <a:t>나타내고 </a:t>
-            </a:r>
-            <a:r>
-              <a:rPr lang="en-US" altLang="ko-KR" dirty="0" err="1"/>
-              <a:t>myinfowindow</a:t>
-            </a:r>
-            <a:r>
-              <a:rPr lang="ko-KR" altLang="en-US" dirty="0"/>
-              <a:t>함수 통해 </a:t>
-            </a:r>
-            <a:r>
-              <a:rPr lang="ko-KR" altLang="en-US" dirty="0" err="1"/>
-              <a:t>내위치</a:t>
-            </a:r>
-            <a:endParaRPr lang="en-US" altLang="ko-KR" dirty="0"/>
-          </a:p>
-          <a:p>
-            <a:r>
-              <a:rPr lang="ko-KR" altLang="en-US" dirty="0" err="1"/>
-              <a:t>를</a:t>
-            </a:r>
-            <a:r>
-              <a:rPr lang="ko-KR" altLang="en-US" dirty="0"/>
-              <a:t> 기반으로 해서 말풍선을 띄운다</a:t>
-            </a:r>
-            <a:r>
-              <a:rPr lang="en-US" altLang="ko-KR" dirty="0"/>
-              <a:t>.</a:t>
-            </a:r>
-          </a:p>
-          <a:p>
-            <a:r>
-              <a:rPr lang="en-US" altLang="ko-KR" dirty="0" err="1"/>
-              <a:t>Zoombar</a:t>
-            </a:r>
-            <a:r>
-              <a:rPr lang="ko-KR" altLang="en-US" dirty="0"/>
-              <a:t>를 통해 지도상의 확대 축소표시</a:t>
-            </a:r>
-            <a:endParaRPr lang="en-US" altLang="ko-KR" dirty="0"/>
-          </a:p>
-          <a:p>
-            <a:r>
-              <a:rPr lang="ko-KR" altLang="en-US" dirty="0"/>
-              <a:t>만들어 주고 </a:t>
-            </a:r>
-            <a:r>
-              <a:rPr lang="en-US" altLang="ko-KR" dirty="0" err="1"/>
-              <a:t>maptyper</a:t>
-            </a:r>
-            <a:r>
-              <a:rPr lang="ko-KR" altLang="en-US" dirty="0"/>
-              <a:t>로 </a:t>
-            </a:r>
-            <a:r>
-              <a:rPr lang="ko-KR" altLang="en-US" dirty="0" err="1"/>
-              <a:t>스카이뷰기능표시</a:t>
-            </a:r>
-            <a:endParaRPr lang="en-US" altLang="ko-KR" dirty="0"/>
-          </a:p>
-          <a:p>
-            <a:endParaRPr lang="en-US" altLang="ko-KR" dirty="0"/>
-          </a:p>
-        </p:txBody>
-      </p:sp>
-      <p:pic>
-        <p:nvPicPr>
-          <p:cNvPr id="13" name="그림 12">
-            <a:extLst>
-              <a:ext uri="{FF2B5EF4-FFF2-40B4-BE49-F238E27FC236}">
-                <a16:creationId xmlns:a16="http://schemas.microsoft.com/office/drawing/2014/main" id="{C6E485FC-FFA4-4A5D-AEA4-79BD9DB4E5AD}"/>
-              </a:ext>
-            </a:extLst>
-          </p:cNvPr>
-          <p:cNvPicPr>
-            <a:picLocks noChangeAspect="1"/>
-          </p:cNvPicPr>
-          <p:nvPr/>
-        </p:nvPicPr>
-        <p:blipFill>
-          <a:blip r:embed="rId4">
-            <a:extLst>
-              <a:ext uri="{28A0092B-C50C-407E-A947-70E740481C1C}">
-                <a14:useLocalDpi xmlns:a14="http://schemas.microsoft.com/office/drawing/2010/main" val="0"/>
-              </a:ext>
-            </a:extLst>
-          </a:blip>
-          <a:stretch>
-            <a:fillRect/>
-          </a:stretch>
-        </p:blipFill>
-        <p:spPr>
-          <a:xfrm>
-            <a:off x="7623261" y="1814967"/>
-            <a:ext cx="1124107" cy="2162477"/>
+            <a:off x="5469890" y="1801495"/>
+            <a:ext cx="2658110" cy="2266950"/>
           </a:xfrm>
           <a:prstGeom prst="rect">
             <a:avLst/>
@@ -9909,18 +11347,33 @@
     </p:spTree>
     <p:extLst>
       <p:ext uri="{BB962C8B-B14F-4D97-AF65-F5344CB8AC3E}">
-        <p14:creationId xmlns:p14="http://schemas.microsoft.com/office/powerpoint/2010/main" val="3909596528"/>
+        <p14:creationId xmlns:p14="http://schemas.microsoft.com/office/powerpoint/2010/main" val="380573702"/>
       </p:ext>
     </p:extLst>
   </p:cSld>
   <p:clrMapOvr>
     <a:masterClrMapping/>
   </p:clrMapOvr>
+  <mc:AlternateContent xmlns:mc="http://schemas.openxmlformats.org/markup-compatibility/2006">
+    <mc:Choice xmlns:p14="http://schemas.microsoft.com/office/powerpoint/2010/main" Requires="p14">
+      <p:transition spd="slow" p14:dur="2000"/>
+    </mc:Choice>
+    <mc:Fallback>
+      <p:transition spd="slow"/>
+    </mc:Fallback>
+  </mc:AlternateContent>
+  <p:timing>
+    <p:tnLst>
+      <p:par>
+        <p:cTn id="1" dur="indefinite" restart="never" nodeType="tmRoot"/>
+      </p:par>
+    </p:tnLst>
+  </p:timing>
 </p:sld>
 </file>
 
 <file path=ppt/slides/slide9.xml><?xml version="1.0" encoding="utf-8"?>
-<p:sld xmlns:a="http://schemas.openxmlformats.org/drawingml/2006/main" xmlns:r="http://schemas.openxmlformats.org/officeDocument/2006/relationships" xmlns:p="http://schemas.openxmlformats.org/presentationml/2006/main">
+<p:sld xmlns:a="http://schemas.openxmlformats.org/drawingml/2006/main" xmlns:r="http://schemas.openxmlformats.org/officeDocument/2006/relationships" xmlns:p="http://schemas.openxmlformats.org/presentationml/2006/main" xmlns:p14="http://schemas.microsoft.com/office/powerpoint/2010/main">
   <p:cSld>
     <p:spTree>
       <p:nvGrpSpPr>
@@ -9944,8 +11397,8 @@
         </p:nvSpPr>
         <p:spPr>
           <a:xfrm>
-            <a:off x="35496" y="44624"/>
-            <a:ext cx="3312368" cy="504056"/>
+            <a:off x="35560" y="44450"/>
+            <a:ext cx="3312160" cy="504190"/>
           </a:xfrm>
           <a:prstGeom prst="rect">
             <a:avLst/>
@@ -10009,8 +11462,8 @@
         </p:nvSpPr>
         <p:spPr>
           <a:xfrm>
-            <a:off x="35496" y="620688"/>
-            <a:ext cx="3312368" cy="432048"/>
+            <a:off x="35560" y="620395"/>
+            <a:ext cx="3312160" cy="431800"/>
           </a:xfrm>
           <a:prstGeom prst="rect">
             <a:avLst/>
@@ -10066,8 +11519,8 @@
         </p:nvCxnSpPr>
         <p:spPr>
           <a:xfrm>
-            <a:off x="3491880" y="1052736"/>
-            <a:ext cx="5544616" cy="0"/>
+            <a:off x="3491865" y="1052830"/>
+            <a:ext cx="5544820" cy="0"/>
           </a:xfrm>
           <a:prstGeom prst="line">
             <a:avLst/>
@@ -10097,8 +11550,8 @@
         </p:nvSpPr>
         <p:spPr>
           <a:xfrm>
-            <a:off x="3491880" y="620688"/>
-            <a:ext cx="751552" cy="369332"/>
+            <a:off x="3491865" y="620395"/>
+            <a:ext cx="751840" cy="369570"/>
           </a:xfrm>
           <a:prstGeom prst="rect">
             <a:avLst/>
@@ -10127,8 +11580,8 @@
         </p:nvCxnSpPr>
         <p:spPr>
           <a:xfrm>
-            <a:off x="35496" y="1205136"/>
-            <a:ext cx="9001000" cy="0"/>
+            <a:off x="35560" y="1205230"/>
+            <a:ext cx="9001125" cy="0"/>
           </a:xfrm>
           <a:prstGeom prst="line">
             <a:avLst/>
@@ -10158,8 +11611,8 @@
         </p:nvCxnSpPr>
         <p:spPr>
           <a:xfrm>
-            <a:off x="35496" y="6741368"/>
-            <a:ext cx="9001000" cy="0"/>
+            <a:off x="35560" y="6741160"/>
+            <a:ext cx="9001125" cy="0"/>
           </a:xfrm>
           <a:prstGeom prst="line">
             <a:avLst/>
@@ -10189,8 +11642,8 @@
         </p:nvCxnSpPr>
         <p:spPr>
           <a:xfrm>
-            <a:off x="35496" y="1196752"/>
-            <a:ext cx="0" cy="5544616"/>
+            <a:off x="35560" y="1196975"/>
+            <a:ext cx="0" cy="5544820"/>
           </a:xfrm>
           <a:prstGeom prst="line">
             <a:avLst/>
@@ -10220,8 +11673,8 @@
         </p:nvCxnSpPr>
         <p:spPr>
           <a:xfrm>
-            <a:off x="9036496" y="1205136"/>
-            <a:ext cx="0" cy="5544616"/>
+            <a:off x="9036685" y="1205230"/>
+            <a:ext cx="0" cy="5544820"/>
           </a:xfrm>
           <a:prstGeom prst="line">
             <a:avLst/>
@@ -10246,13 +11699,15 @@
       <p:cxnSp>
         <p:nvCxnSpPr>
           <p:cNvPr id="20" name="직선 연결선 19"/>
-          <p:cNvCxnSpPr/>
+          <p:cNvCxnSpPr>
+            <a:cxnSpLocks/>
+          </p:cNvCxnSpPr>
           <p:nvPr/>
         </p:nvCxnSpPr>
         <p:spPr>
           <a:xfrm>
-            <a:off x="4572000" y="1205136"/>
-            <a:ext cx="0" cy="5544616"/>
+            <a:off x="4572000" y="4220845"/>
+            <a:ext cx="0" cy="2528570"/>
           </a:xfrm>
           <a:prstGeom prst="line">
             <a:avLst/>
@@ -10282,7 +11737,7 @@
         </p:nvCxnSpPr>
         <p:spPr>
           <a:xfrm>
-            <a:off x="9036496" y="4869160"/>
+            <a:off x="9036685" y="4869180"/>
             <a:ext cx="0" cy="0"/>
           </a:xfrm>
           <a:prstGeom prst="line">
@@ -10308,13 +11763,15 @@
       <p:cxnSp>
         <p:nvCxnSpPr>
           <p:cNvPr id="28" name="직선 연결선 27"/>
-          <p:cNvCxnSpPr/>
+          <p:cNvCxnSpPr>
+            <a:cxnSpLocks/>
+          </p:cNvCxnSpPr>
           <p:nvPr/>
         </p:nvCxnSpPr>
         <p:spPr>
           <a:xfrm>
-            <a:off x="4572000" y="4725144"/>
-            <a:ext cx="4464496" cy="0"/>
+            <a:off x="35560" y="4220845"/>
+            <a:ext cx="9001125" cy="0"/>
           </a:xfrm>
           <a:prstGeom prst="line">
             <a:avLst/>
@@ -10344,8 +11801,8 @@
         </p:nvSpPr>
         <p:spPr>
           <a:xfrm>
-            <a:off x="3563888" y="44624"/>
-            <a:ext cx="2808312" cy="504056"/>
+            <a:off x="3563620" y="44450"/>
+            <a:ext cx="2808605" cy="504190"/>
           </a:xfrm>
           <a:prstGeom prst="rect">
             <a:avLst/>
@@ -10388,86 +11845,12 @@
           </a:p>
         </p:txBody>
       </p:sp>
-      <p:sp>
-        <p:nvSpPr>
-          <p:cNvPr id="32" name="TextBox 31"/>
-          <p:cNvSpPr txBox="1"/>
-          <p:nvPr/>
-        </p:nvSpPr>
-        <p:spPr>
-          <a:xfrm>
-            <a:off x="4626704" y="4797152"/>
-            <a:ext cx="4256293" cy="1200329"/>
-          </a:xfrm>
-          <a:prstGeom prst="rect">
-            <a:avLst/>
-          </a:prstGeom>
-          <a:noFill/>
-        </p:spPr>
-        <p:txBody>
-          <a:bodyPr wrap="none" rtlCol="0">
-            <a:spAutoFit/>
-          </a:bodyPr>
-          <a:lstStyle/>
-          <a:p>
-            <a:r>
-              <a:rPr lang="en-US" altLang="ko-KR" dirty="0" err="1"/>
-              <a:t>Myinfowindow</a:t>
-            </a:r>
-            <a:r>
-              <a:rPr lang="ko-KR" altLang="en-US" dirty="0"/>
-              <a:t>함수를 통해 내 위치</a:t>
-            </a:r>
-            <a:r>
-              <a:rPr lang="en-US" altLang="ko-KR" dirty="0"/>
-              <a:t>,</a:t>
-            </a:r>
-          </a:p>
-          <a:p>
-            <a:r>
-              <a:rPr lang="ko-KR" altLang="en-US" dirty="0"/>
-              <a:t>지도</a:t>
-            </a:r>
-            <a:r>
-              <a:rPr lang="en-US" altLang="ko-KR" dirty="0"/>
-              <a:t>, </a:t>
-            </a:r>
-            <a:r>
-              <a:rPr lang="ko-KR" altLang="en-US" dirty="0"/>
-              <a:t>작성할 내용을 매개변수로 받아와</a:t>
-            </a:r>
-            <a:endParaRPr lang="en-US" altLang="ko-KR" dirty="0"/>
-          </a:p>
-          <a:p>
-            <a:r>
-              <a:rPr lang="ko-KR" altLang="en-US" dirty="0"/>
-              <a:t>각각 대입하여 </a:t>
-            </a:r>
-            <a:r>
-              <a:rPr lang="en-US" altLang="ko-KR" dirty="0" err="1"/>
-              <a:t>infowindow</a:t>
-            </a:r>
-            <a:r>
-              <a:rPr lang="ko-KR" altLang="en-US" dirty="0"/>
-              <a:t>라는 변수를</a:t>
-            </a:r>
-            <a:endParaRPr lang="en-US" altLang="ko-KR" dirty="0"/>
-          </a:p>
-          <a:p>
-            <a:r>
-              <a:rPr lang="ko-KR" altLang="en-US" dirty="0" err="1"/>
-              <a:t>만듬</a:t>
-            </a:r>
-            <a:endParaRPr lang="ko-KR" altLang="en-US" dirty="0"/>
-          </a:p>
-        </p:txBody>
-      </p:sp>
       <p:pic>
         <p:nvPicPr>
-          <p:cNvPr id="3" name="그림 2">
+          <p:cNvPr id="12" name="그림 11">
             <a:extLst>
               <a:ext uri="{FF2B5EF4-FFF2-40B4-BE49-F238E27FC236}">
-                <a16:creationId xmlns:a16="http://schemas.microsoft.com/office/drawing/2014/main" id="{21A2D295-9998-40A9-BF76-67DD4B67092A}"/>
+                <a16:creationId xmlns:a16="http://schemas.microsoft.com/office/drawing/2014/main" id="{8CE59715-D3B8-49A2-A195-953BE6C40A44}"/>
               </a:ext>
             </a:extLst>
           </p:cNvPr>
@@ -10490,8 +11873,8 @@
         </p:blipFill>
         <p:spPr>
           <a:xfrm>
-            <a:off x="467544" y="2315691"/>
-            <a:ext cx="3296110" cy="1505160"/>
+            <a:off x="421640" y="1484630"/>
+            <a:ext cx="8145145" cy="2391410"/>
           </a:xfrm>
           <a:prstGeom prst="rect">
             <a:avLst/>
@@ -10500,10 +11883,10 @@
       </p:pic>
       <p:pic>
         <p:nvPicPr>
-          <p:cNvPr id="9" name="그림 8">
+          <p:cNvPr id="22" name="그림 21">
             <a:extLst>
               <a:ext uri="{FF2B5EF4-FFF2-40B4-BE49-F238E27FC236}">
-                <a16:creationId xmlns:a16="http://schemas.microsoft.com/office/drawing/2014/main" id="{3A1035D9-AE94-4E8E-A567-0F329C9992FE}"/>
+                <a16:creationId xmlns:a16="http://schemas.microsoft.com/office/drawing/2014/main" id="{3D8CD8BA-68B0-43E7-9C39-DCE58FF0FD8F}"/>
               </a:ext>
             </a:extLst>
           </p:cNvPr>
@@ -10526,24 +11909,153 @@
         </p:blipFill>
         <p:spPr>
           <a:xfrm>
-            <a:off x="5503904" y="1513615"/>
-            <a:ext cx="2600688" cy="2638793"/>
+            <a:off x="4787900" y="4322445"/>
+            <a:ext cx="4032250" cy="2326005"/>
           </a:xfrm>
           <a:prstGeom prst="rect">
             <a:avLst/>
           </a:prstGeom>
         </p:spPr>
       </p:pic>
+      <p:sp>
+        <p:nvSpPr>
+          <p:cNvPr id="29" name="TextBox 28">
+            <a:extLst>
+              <a:ext uri="{FF2B5EF4-FFF2-40B4-BE49-F238E27FC236}">
+                <a16:creationId xmlns:a16="http://schemas.microsoft.com/office/drawing/2014/main" id="{42E30442-C07A-4B1E-A899-C36D82AFEF92}"/>
+              </a:ext>
+            </a:extLst>
+          </p:cNvPr>
+          <p:cNvSpPr txBox="1"/>
+          <p:nvPr/>
+        </p:nvSpPr>
+        <p:spPr>
+          <a:xfrm>
+            <a:off x="107315" y="4322445"/>
+            <a:ext cx="4410075" cy="2031365"/>
+          </a:xfrm>
+          <a:prstGeom prst="rect">
+            <a:avLst/>
+          </a:prstGeom>
+          <a:noFill/>
+        </p:spPr>
+        <p:txBody>
+          <a:bodyPr wrap="none" rtlCol="0">
+            <a:spAutoFit/>
+          </a:bodyPr>
+          <a:lstStyle/>
+          <a:p>
+            <a:r>
+              <a:rPr lang="ko-KR" altLang="en-US" dirty="0" err="1"/>
+              <a:t>공공데이터포털의</a:t>
+            </a:r>
+            <a:r>
+              <a:rPr lang="ko-KR" altLang="en-US" dirty="0"/>
+              <a:t> </a:t>
+            </a:r>
+            <a:r>
+              <a:rPr lang="en-US" altLang="ko-KR" dirty="0" err="1"/>
+              <a:t>api</a:t>
+            </a:r>
+            <a:r>
+              <a:rPr lang="ko-KR" altLang="en-US" dirty="0" err="1"/>
+              <a:t>를</a:t>
+            </a:r>
+            <a:r>
+              <a:rPr lang="ko-KR" altLang="en-US" dirty="0"/>
+              <a:t> 통해 경기도</a:t>
+            </a:r>
+            <a:endParaRPr lang="en-US" altLang="ko-KR" dirty="0"/>
+          </a:p>
+          <a:p>
+            <a:r>
+              <a:rPr lang="ko-KR" altLang="en-US" dirty="0"/>
+              <a:t>영화상영관 정보를 </a:t>
+            </a:r>
+            <a:r>
+              <a:rPr lang="en-US" altLang="ko-KR" dirty="0"/>
+              <a:t>row</a:t>
+            </a:r>
+            <a:r>
+              <a:rPr lang="ko-KR" altLang="en-US" dirty="0"/>
+              <a:t>로 불러와</a:t>
+            </a:r>
+            <a:endParaRPr lang="en-US" altLang="ko-KR" dirty="0"/>
+          </a:p>
+          <a:p>
+            <a:r>
+              <a:rPr lang="ko-KR" altLang="en-US" dirty="0"/>
+              <a:t>리스트로 작성함</a:t>
+            </a:r>
+            <a:endParaRPr lang="en-US" altLang="ko-KR" dirty="0"/>
+          </a:p>
+          <a:p>
+            <a:endParaRPr lang="en-US" altLang="ko-KR" dirty="0"/>
+          </a:p>
+          <a:p>
+            <a:r>
+              <a:rPr lang="ko-KR" altLang="en-US" dirty="0"/>
+              <a:t>작성된 리스트를 통해 </a:t>
+            </a:r>
+            <a:r>
+              <a:rPr lang="en-US" altLang="ko-KR" dirty="0" err="1"/>
+              <a:t>drowmap</a:t>
+            </a:r>
+            <a:r>
+              <a:rPr lang="en-US" altLang="ko-KR" dirty="0"/>
+              <a:t>()</a:t>
+            </a:r>
+            <a:r>
+              <a:rPr lang="ko-KR" altLang="en-US" dirty="0"/>
+              <a:t>을 통해</a:t>
+            </a:r>
+            <a:endParaRPr lang="en-US" altLang="ko-KR" dirty="0"/>
+          </a:p>
+          <a:p>
+            <a:r>
+              <a:rPr lang="ko-KR" altLang="en-US" dirty="0"/>
+              <a:t>표기 할 것이고 만약 정보 불러오기가</a:t>
+            </a:r>
+            <a:endParaRPr lang="en-US" altLang="ko-KR" dirty="0"/>
+          </a:p>
+          <a:p>
+            <a:r>
+              <a:rPr lang="ko-KR" altLang="en-US" dirty="0"/>
+              <a:t>실패 한다면 경고창을 뜨게 설정함</a:t>
+            </a:r>
+            <a:r>
+              <a:rPr lang="en-US" altLang="ko-KR" dirty="0"/>
+              <a:t>.</a:t>
+            </a:r>
+            <a:endParaRPr lang="ko-KR" altLang="en-US" dirty="0"/>
+          </a:p>
+        </p:txBody>
+      </p:sp>
     </p:spTree>
     <p:extLst>
       <p:ext uri="{BB962C8B-B14F-4D97-AF65-F5344CB8AC3E}">
-        <p14:creationId xmlns:p14="http://schemas.microsoft.com/office/powerpoint/2010/main" val="490946708"/>
+        <p14:creationId xmlns:p14="http://schemas.microsoft.com/office/powerpoint/2010/main" val="77597204"/>
       </p:ext>
     </p:extLst>
   </p:cSld>
   <p:clrMapOvr>
     <a:masterClrMapping/>
   </p:clrMapOvr>
+  <mc:AlternateContent xmlns:mc="http://schemas.openxmlformats.org/markup-compatibility/2006">
+    <mc:Choice xmlns:p14="http://schemas.microsoft.com/office/powerpoint/2010/main" Requires="p14">
+      <p:transition spd="slow" p14:dur="2000"/>
+    </mc:Choice>
+    <mc:Fallback>
+      <p:transition spd="slow"/>
+    </mc:Fallback>
+  </mc:AlternateContent>
+  <p:timing>
+    <p:tnLst>
+      <p:par>
+        <p:cTn id="1" dur="indefinite" restart="never" nodeType="tmRoot"/>
+      </p:par>
+    </p:tnLst>
+  </p:timing>
 </p:sld>
 </file>
 
